--- a/SchulungsUnterlagen/BZU/PythonFormatString.pptx
+++ b/SchulungsUnterlagen/BZU/PythonFormatString.pptx
@@ -12,6 +12,7 @@
     <p:sldId id="260" r:id="rId6"/>
     <p:sldId id="258" r:id="rId7"/>
     <p:sldId id="261" r:id="rId8"/>
+    <p:sldId id="263" r:id="rId9"/>
   </p:sldIdLst>
   <p:sldSz cx="12192000" cy="6858000"/>
   <p:notesSz cx="6858000" cy="9144000"/>
@@ -160,7 +161,7 @@
           </a:lstStyle>
           <a:p>
             <a:r>
-              <a:rPr lang="de-DE" smtClean="0"/>
+              <a:rPr lang="de-DE"/>
               <a:t>Titelmasterformat durch Klicken bearbeiten</a:t>
             </a:r>
             <a:endParaRPr lang="de-CH"/>
@@ -225,7 +226,7 @@
           </a:lstStyle>
           <a:p>
             <a:r>
-              <a:rPr lang="de-DE" smtClean="0"/>
+              <a:rPr lang="de-DE"/>
               <a:t>Formatvorlage des Untertitelmasters durch Klicken bearbeiten</a:t>
             </a:r>
             <a:endParaRPr lang="de-CH"/>
@@ -249,7 +250,7 @@
           <a:p>
             <a:fld id="{7E29927D-B300-40DB-B273-D32660729849}" type="datetimeFigureOut">
               <a:rPr lang="de-CH" smtClean="0"/>
-              <a:t>31.05.2021</a:t>
+              <a:t>22.08.2024</a:t>
             </a:fld>
             <a:endParaRPr lang="de-CH"/>
           </a:p>
@@ -343,7 +344,7 @@
           <a:lstStyle/>
           <a:p>
             <a:r>
-              <a:rPr lang="de-DE" smtClean="0"/>
+              <a:rPr lang="de-DE"/>
               <a:t>Titelmasterformat durch Klicken bearbeiten</a:t>
             </a:r>
             <a:endParaRPr lang="de-CH"/>
@@ -367,35 +368,35 @@
           <a:p>
             <a:pPr lvl="0"/>
             <a:r>
-              <a:rPr lang="de-DE" smtClean="0"/>
+              <a:rPr lang="de-DE"/>
               <a:t>Formatvorlagen des Textmasters bearbeiten</a:t>
             </a:r>
           </a:p>
           <a:p>
             <a:pPr lvl="1"/>
             <a:r>
-              <a:rPr lang="de-DE" smtClean="0"/>
+              <a:rPr lang="de-DE"/>
               <a:t>Zweite Ebene</a:t>
             </a:r>
           </a:p>
           <a:p>
             <a:pPr lvl="2"/>
             <a:r>
-              <a:rPr lang="de-DE" smtClean="0"/>
+              <a:rPr lang="de-DE"/>
               <a:t>Dritte Ebene</a:t>
             </a:r>
           </a:p>
           <a:p>
             <a:pPr lvl="3"/>
             <a:r>
-              <a:rPr lang="de-DE" smtClean="0"/>
+              <a:rPr lang="de-DE"/>
               <a:t>Vierte Ebene</a:t>
             </a:r>
           </a:p>
           <a:p>
             <a:pPr lvl="4"/>
             <a:r>
-              <a:rPr lang="de-DE" smtClean="0"/>
+              <a:rPr lang="de-DE"/>
               <a:t>Fünfte Ebene</a:t>
             </a:r>
             <a:endParaRPr lang="de-CH"/>
@@ -419,7 +420,7 @@
           <a:p>
             <a:fld id="{7E29927D-B300-40DB-B273-D32660729849}" type="datetimeFigureOut">
               <a:rPr lang="de-CH" smtClean="0"/>
-              <a:t>31.05.2021</a:t>
+              <a:t>22.08.2024</a:t>
             </a:fld>
             <a:endParaRPr lang="de-CH"/>
           </a:p>
@@ -518,7 +519,7 @@
           <a:lstStyle/>
           <a:p>
             <a:r>
-              <a:rPr lang="de-DE" smtClean="0"/>
+              <a:rPr lang="de-DE"/>
               <a:t>Titelmasterformat durch Klicken bearbeiten</a:t>
             </a:r>
             <a:endParaRPr lang="de-CH"/>
@@ -547,35 +548,35 @@
           <a:p>
             <a:pPr lvl="0"/>
             <a:r>
-              <a:rPr lang="de-DE" smtClean="0"/>
+              <a:rPr lang="de-DE"/>
               <a:t>Formatvorlagen des Textmasters bearbeiten</a:t>
             </a:r>
           </a:p>
           <a:p>
             <a:pPr lvl="1"/>
             <a:r>
-              <a:rPr lang="de-DE" smtClean="0"/>
+              <a:rPr lang="de-DE"/>
               <a:t>Zweite Ebene</a:t>
             </a:r>
           </a:p>
           <a:p>
             <a:pPr lvl="2"/>
             <a:r>
-              <a:rPr lang="de-DE" smtClean="0"/>
+              <a:rPr lang="de-DE"/>
               <a:t>Dritte Ebene</a:t>
             </a:r>
           </a:p>
           <a:p>
             <a:pPr lvl="3"/>
             <a:r>
-              <a:rPr lang="de-DE" smtClean="0"/>
+              <a:rPr lang="de-DE"/>
               <a:t>Vierte Ebene</a:t>
             </a:r>
           </a:p>
           <a:p>
             <a:pPr lvl="4"/>
             <a:r>
-              <a:rPr lang="de-DE" smtClean="0"/>
+              <a:rPr lang="de-DE"/>
               <a:t>Fünfte Ebene</a:t>
             </a:r>
             <a:endParaRPr lang="de-CH"/>
@@ -599,7 +600,7 @@
           <a:p>
             <a:fld id="{7E29927D-B300-40DB-B273-D32660729849}" type="datetimeFigureOut">
               <a:rPr lang="de-CH" smtClean="0"/>
-              <a:t>31.05.2021</a:t>
+              <a:t>22.08.2024</a:t>
             </a:fld>
             <a:endParaRPr lang="de-CH"/>
           </a:p>
@@ -693,7 +694,7 @@
           <a:lstStyle/>
           <a:p>
             <a:r>
-              <a:rPr lang="de-DE" smtClean="0"/>
+              <a:rPr lang="de-DE"/>
               <a:t>Titelmasterformat durch Klicken bearbeiten</a:t>
             </a:r>
             <a:endParaRPr lang="de-CH"/>
@@ -717,35 +718,35 @@
           <a:p>
             <a:pPr lvl="0"/>
             <a:r>
-              <a:rPr lang="de-DE" smtClean="0"/>
+              <a:rPr lang="de-DE"/>
               <a:t>Formatvorlagen des Textmasters bearbeiten</a:t>
             </a:r>
           </a:p>
           <a:p>
             <a:pPr lvl="1"/>
             <a:r>
-              <a:rPr lang="de-DE" smtClean="0"/>
+              <a:rPr lang="de-DE"/>
               <a:t>Zweite Ebene</a:t>
             </a:r>
           </a:p>
           <a:p>
             <a:pPr lvl="2"/>
             <a:r>
-              <a:rPr lang="de-DE" smtClean="0"/>
+              <a:rPr lang="de-DE"/>
               <a:t>Dritte Ebene</a:t>
             </a:r>
           </a:p>
           <a:p>
             <a:pPr lvl="3"/>
             <a:r>
-              <a:rPr lang="de-DE" smtClean="0"/>
+              <a:rPr lang="de-DE"/>
               <a:t>Vierte Ebene</a:t>
             </a:r>
           </a:p>
           <a:p>
             <a:pPr lvl="4"/>
             <a:r>
-              <a:rPr lang="de-DE" smtClean="0"/>
+              <a:rPr lang="de-DE"/>
               <a:t>Fünfte Ebene</a:t>
             </a:r>
             <a:endParaRPr lang="de-CH"/>
@@ -769,7 +770,7 @@
           <a:p>
             <a:fld id="{7E29927D-B300-40DB-B273-D32660729849}" type="datetimeFigureOut">
               <a:rPr lang="de-CH" smtClean="0"/>
-              <a:t>31.05.2021</a:t>
+              <a:t>22.08.2024</a:t>
             </a:fld>
             <a:endParaRPr lang="de-CH"/>
           </a:p>
@@ -872,7 +873,7 @@
           </a:lstStyle>
           <a:p>
             <a:r>
-              <a:rPr lang="de-DE" smtClean="0"/>
+              <a:rPr lang="de-DE"/>
               <a:t>Titelmasterformat durch Klicken bearbeiten</a:t>
             </a:r>
             <a:endParaRPr lang="de-CH"/>
@@ -992,7 +993,7 @@
           <a:p>
             <a:pPr lvl="0"/>
             <a:r>
-              <a:rPr lang="de-DE" smtClean="0"/>
+              <a:rPr lang="de-DE"/>
               <a:t>Formatvorlagen des Textmasters bearbeiten</a:t>
             </a:r>
           </a:p>
@@ -1015,7 +1016,7 @@
           <a:p>
             <a:fld id="{7E29927D-B300-40DB-B273-D32660729849}" type="datetimeFigureOut">
               <a:rPr lang="de-CH" smtClean="0"/>
-              <a:t>31.05.2021</a:t>
+              <a:t>22.08.2024</a:t>
             </a:fld>
             <a:endParaRPr lang="de-CH"/>
           </a:p>
@@ -1109,7 +1110,7 @@
           <a:lstStyle/>
           <a:p>
             <a:r>
-              <a:rPr lang="de-DE" smtClean="0"/>
+              <a:rPr lang="de-DE"/>
               <a:t>Titelmasterformat durch Klicken bearbeiten</a:t>
             </a:r>
             <a:endParaRPr lang="de-CH"/>
@@ -1138,35 +1139,35 @@
           <a:p>
             <a:pPr lvl="0"/>
             <a:r>
-              <a:rPr lang="de-DE" smtClean="0"/>
+              <a:rPr lang="de-DE"/>
               <a:t>Formatvorlagen des Textmasters bearbeiten</a:t>
             </a:r>
           </a:p>
           <a:p>
             <a:pPr lvl="1"/>
             <a:r>
-              <a:rPr lang="de-DE" smtClean="0"/>
+              <a:rPr lang="de-DE"/>
               <a:t>Zweite Ebene</a:t>
             </a:r>
           </a:p>
           <a:p>
             <a:pPr lvl="2"/>
             <a:r>
-              <a:rPr lang="de-DE" smtClean="0"/>
+              <a:rPr lang="de-DE"/>
               <a:t>Dritte Ebene</a:t>
             </a:r>
           </a:p>
           <a:p>
             <a:pPr lvl="3"/>
             <a:r>
-              <a:rPr lang="de-DE" smtClean="0"/>
+              <a:rPr lang="de-DE"/>
               <a:t>Vierte Ebene</a:t>
             </a:r>
           </a:p>
           <a:p>
             <a:pPr lvl="4"/>
             <a:r>
-              <a:rPr lang="de-DE" smtClean="0"/>
+              <a:rPr lang="de-DE"/>
               <a:t>Fünfte Ebene</a:t>
             </a:r>
             <a:endParaRPr lang="de-CH"/>
@@ -1195,35 +1196,35 @@
           <a:p>
             <a:pPr lvl="0"/>
             <a:r>
-              <a:rPr lang="de-DE" smtClean="0"/>
+              <a:rPr lang="de-DE"/>
               <a:t>Formatvorlagen des Textmasters bearbeiten</a:t>
             </a:r>
           </a:p>
           <a:p>
             <a:pPr lvl="1"/>
             <a:r>
-              <a:rPr lang="de-DE" smtClean="0"/>
+              <a:rPr lang="de-DE"/>
               <a:t>Zweite Ebene</a:t>
             </a:r>
           </a:p>
           <a:p>
             <a:pPr lvl="2"/>
             <a:r>
-              <a:rPr lang="de-DE" smtClean="0"/>
+              <a:rPr lang="de-DE"/>
               <a:t>Dritte Ebene</a:t>
             </a:r>
           </a:p>
           <a:p>
             <a:pPr lvl="3"/>
             <a:r>
-              <a:rPr lang="de-DE" smtClean="0"/>
+              <a:rPr lang="de-DE"/>
               <a:t>Vierte Ebene</a:t>
             </a:r>
           </a:p>
           <a:p>
             <a:pPr lvl="4"/>
             <a:r>
-              <a:rPr lang="de-DE" smtClean="0"/>
+              <a:rPr lang="de-DE"/>
               <a:t>Fünfte Ebene</a:t>
             </a:r>
             <a:endParaRPr lang="de-CH"/>
@@ -1247,7 +1248,7 @@
           <a:p>
             <a:fld id="{7E29927D-B300-40DB-B273-D32660729849}" type="datetimeFigureOut">
               <a:rPr lang="de-CH" smtClean="0"/>
-              <a:t>31.05.2021</a:t>
+              <a:t>22.08.2024</a:t>
             </a:fld>
             <a:endParaRPr lang="de-CH"/>
           </a:p>
@@ -1346,7 +1347,7 @@
           <a:lstStyle/>
           <a:p>
             <a:r>
-              <a:rPr lang="de-DE" smtClean="0"/>
+              <a:rPr lang="de-DE"/>
               <a:t>Titelmasterformat durch Klicken bearbeiten</a:t>
             </a:r>
             <a:endParaRPr lang="de-CH"/>
@@ -1412,7 +1413,7 @@
           <a:p>
             <a:pPr lvl="0"/>
             <a:r>
-              <a:rPr lang="de-DE" smtClean="0"/>
+              <a:rPr lang="de-DE"/>
               <a:t>Formatvorlagen des Textmasters bearbeiten</a:t>
             </a:r>
           </a:p>
@@ -1440,35 +1441,35 @@
           <a:p>
             <a:pPr lvl="0"/>
             <a:r>
-              <a:rPr lang="de-DE" smtClean="0"/>
+              <a:rPr lang="de-DE"/>
               <a:t>Formatvorlagen des Textmasters bearbeiten</a:t>
             </a:r>
           </a:p>
           <a:p>
             <a:pPr lvl="1"/>
             <a:r>
-              <a:rPr lang="de-DE" smtClean="0"/>
+              <a:rPr lang="de-DE"/>
               <a:t>Zweite Ebene</a:t>
             </a:r>
           </a:p>
           <a:p>
             <a:pPr lvl="2"/>
             <a:r>
-              <a:rPr lang="de-DE" smtClean="0"/>
+              <a:rPr lang="de-DE"/>
               <a:t>Dritte Ebene</a:t>
             </a:r>
           </a:p>
           <a:p>
             <a:pPr lvl="3"/>
             <a:r>
-              <a:rPr lang="de-DE" smtClean="0"/>
+              <a:rPr lang="de-DE"/>
               <a:t>Vierte Ebene</a:t>
             </a:r>
           </a:p>
           <a:p>
             <a:pPr lvl="4"/>
             <a:r>
-              <a:rPr lang="de-DE" smtClean="0"/>
+              <a:rPr lang="de-DE"/>
               <a:t>Fünfte Ebene</a:t>
             </a:r>
             <a:endParaRPr lang="de-CH"/>
@@ -1534,7 +1535,7 @@
           <a:p>
             <a:pPr lvl="0"/>
             <a:r>
-              <a:rPr lang="de-DE" smtClean="0"/>
+              <a:rPr lang="de-DE"/>
               <a:t>Formatvorlagen des Textmasters bearbeiten</a:t>
             </a:r>
           </a:p>
@@ -1562,35 +1563,35 @@
           <a:p>
             <a:pPr lvl="0"/>
             <a:r>
-              <a:rPr lang="de-DE" smtClean="0"/>
+              <a:rPr lang="de-DE"/>
               <a:t>Formatvorlagen des Textmasters bearbeiten</a:t>
             </a:r>
           </a:p>
           <a:p>
             <a:pPr lvl="1"/>
             <a:r>
-              <a:rPr lang="de-DE" smtClean="0"/>
+              <a:rPr lang="de-DE"/>
               <a:t>Zweite Ebene</a:t>
             </a:r>
           </a:p>
           <a:p>
             <a:pPr lvl="2"/>
             <a:r>
-              <a:rPr lang="de-DE" smtClean="0"/>
+              <a:rPr lang="de-DE"/>
               <a:t>Dritte Ebene</a:t>
             </a:r>
           </a:p>
           <a:p>
             <a:pPr lvl="3"/>
             <a:r>
-              <a:rPr lang="de-DE" smtClean="0"/>
+              <a:rPr lang="de-DE"/>
               <a:t>Vierte Ebene</a:t>
             </a:r>
           </a:p>
           <a:p>
             <a:pPr lvl="4"/>
             <a:r>
-              <a:rPr lang="de-DE" smtClean="0"/>
+              <a:rPr lang="de-DE"/>
               <a:t>Fünfte Ebene</a:t>
             </a:r>
             <a:endParaRPr lang="de-CH"/>
@@ -1614,7 +1615,7 @@
           <a:p>
             <a:fld id="{7E29927D-B300-40DB-B273-D32660729849}" type="datetimeFigureOut">
               <a:rPr lang="de-CH" smtClean="0"/>
-              <a:t>31.05.2021</a:t>
+              <a:t>22.08.2024</a:t>
             </a:fld>
             <a:endParaRPr lang="de-CH"/>
           </a:p>
@@ -1708,7 +1709,7 @@
           <a:lstStyle/>
           <a:p>
             <a:r>
-              <a:rPr lang="de-DE" smtClean="0"/>
+              <a:rPr lang="de-DE"/>
               <a:t>Titelmasterformat durch Klicken bearbeiten</a:t>
             </a:r>
             <a:endParaRPr lang="de-CH"/>
@@ -1732,7 +1733,7 @@
           <a:p>
             <a:fld id="{7E29927D-B300-40DB-B273-D32660729849}" type="datetimeFigureOut">
               <a:rPr lang="de-CH" smtClean="0"/>
-              <a:t>31.05.2021</a:t>
+              <a:t>22.08.2024</a:t>
             </a:fld>
             <a:endParaRPr lang="de-CH"/>
           </a:p>
@@ -1827,7 +1828,7 @@
           <a:p>
             <a:fld id="{7E29927D-B300-40DB-B273-D32660729849}" type="datetimeFigureOut">
               <a:rPr lang="de-CH" smtClean="0"/>
-              <a:t>31.05.2021</a:t>
+              <a:t>22.08.2024</a:t>
             </a:fld>
             <a:endParaRPr lang="de-CH"/>
           </a:p>
@@ -1930,7 +1931,7 @@
           </a:lstStyle>
           <a:p>
             <a:r>
-              <a:rPr lang="de-DE" smtClean="0"/>
+              <a:rPr lang="de-DE"/>
               <a:t>Titelmasterformat durch Klicken bearbeiten</a:t>
             </a:r>
             <a:endParaRPr lang="de-CH"/>
@@ -1987,35 +1988,35 @@
           <a:p>
             <a:pPr lvl="0"/>
             <a:r>
-              <a:rPr lang="de-DE" smtClean="0"/>
+              <a:rPr lang="de-DE"/>
               <a:t>Formatvorlagen des Textmasters bearbeiten</a:t>
             </a:r>
           </a:p>
           <a:p>
             <a:pPr lvl="1"/>
             <a:r>
-              <a:rPr lang="de-DE" smtClean="0"/>
+              <a:rPr lang="de-DE"/>
               <a:t>Zweite Ebene</a:t>
             </a:r>
           </a:p>
           <a:p>
             <a:pPr lvl="2"/>
             <a:r>
-              <a:rPr lang="de-DE" smtClean="0"/>
+              <a:rPr lang="de-DE"/>
               <a:t>Dritte Ebene</a:t>
             </a:r>
           </a:p>
           <a:p>
             <a:pPr lvl="3"/>
             <a:r>
-              <a:rPr lang="de-DE" smtClean="0"/>
+              <a:rPr lang="de-DE"/>
               <a:t>Vierte Ebene</a:t>
             </a:r>
           </a:p>
           <a:p>
             <a:pPr lvl="4"/>
             <a:r>
-              <a:rPr lang="de-DE" smtClean="0"/>
+              <a:rPr lang="de-DE"/>
               <a:t>Fünfte Ebene</a:t>
             </a:r>
             <a:endParaRPr lang="de-CH"/>
@@ -2081,7 +2082,7 @@
           <a:p>
             <a:pPr lvl="0"/>
             <a:r>
-              <a:rPr lang="de-DE" smtClean="0"/>
+              <a:rPr lang="de-DE"/>
               <a:t>Formatvorlagen des Textmasters bearbeiten</a:t>
             </a:r>
           </a:p>
@@ -2104,7 +2105,7 @@
           <a:p>
             <a:fld id="{7E29927D-B300-40DB-B273-D32660729849}" type="datetimeFigureOut">
               <a:rPr lang="de-CH" smtClean="0"/>
-              <a:t>31.05.2021</a:t>
+              <a:t>22.08.2024</a:t>
             </a:fld>
             <a:endParaRPr lang="de-CH"/>
           </a:p>
@@ -2207,7 +2208,7 @@
           </a:lstStyle>
           <a:p>
             <a:r>
-              <a:rPr lang="de-DE" smtClean="0"/>
+              <a:rPr lang="de-DE"/>
               <a:t>Titelmasterformat durch Klicken bearbeiten</a:t>
             </a:r>
             <a:endParaRPr lang="de-CH"/>
@@ -2334,7 +2335,7 @@
           <a:p>
             <a:pPr lvl="0"/>
             <a:r>
-              <a:rPr lang="de-DE" smtClean="0"/>
+              <a:rPr lang="de-DE"/>
               <a:t>Formatvorlagen des Textmasters bearbeiten</a:t>
             </a:r>
           </a:p>
@@ -2357,7 +2358,7 @@
           <a:p>
             <a:fld id="{7E29927D-B300-40DB-B273-D32660729849}" type="datetimeFigureOut">
               <a:rPr lang="de-CH" smtClean="0"/>
-              <a:t>31.05.2021</a:t>
+              <a:t>22.08.2024</a:t>
             </a:fld>
             <a:endParaRPr lang="de-CH"/>
           </a:p>
@@ -2466,7 +2467,7 @@
           <a:lstStyle/>
           <a:p>
             <a:r>
-              <a:rPr lang="de-DE" smtClean="0"/>
+              <a:rPr lang="de-DE"/>
               <a:t>Titelmasterformat durch Klicken bearbeiten</a:t>
             </a:r>
             <a:endParaRPr lang="de-CH"/>
@@ -2500,35 +2501,35 @@
           <a:p>
             <a:pPr lvl="0"/>
             <a:r>
-              <a:rPr lang="de-DE" smtClean="0"/>
+              <a:rPr lang="de-DE"/>
               <a:t>Formatvorlagen des Textmasters bearbeiten</a:t>
             </a:r>
           </a:p>
           <a:p>
             <a:pPr lvl="1"/>
             <a:r>
-              <a:rPr lang="de-DE" smtClean="0"/>
+              <a:rPr lang="de-DE"/>
               <a:t>Zweite Ebene</a:t>
             </a:r>
           </a:p>
           <a:p>
             <a:pPr lvl="2"/>
             <a:r>
-              <a:rPr lang="de-DE" smtClean="0"/>
+              <a:rPr lang="de-DE"/>
               <a:t>Dritte Ebene</a:t>
             </a:r>
           </a:p>
           <a:p>
             <a:pPr lvl="3"/>
             <a:r>
-              <a:rPr lang="de-DE" smtClean="0"/>
+              <a:rPr lang="de-DE"/>
               <a:t>Vierte Ebene</a:t>
             </a:r>
           </a:p>
           <a:p>
             <a:pPr lvl="4"/>
             <a:r>
-              <a:rPr lang="de-DE" smtClean="0"/>
+              <a:rPr lang="de-DE"/>
               <a:t>Fünfte Ebene</a:t>
             </a:r>
             <a:endParaRPr lang="de-CH"/>
@@ -2570,7 +2571,7 @@
           <a:p>
             <a:fld id="{7E29927D-B300-40DB-B273-D32660729849}" type="datetimeFigureOut">
               <a:rPr lang="de-CH" smtClean="0"/>
-              <a:t>31.05.2021</a:t>
+              <a:t>22.08.2024</a:t>
             </a:fld>
             <a:endParaRPr lang="de-CH"/>
           </a:p>
@@ -2991,10 +2992,9 @@
           <a:lstStyle/>
           <a:p>
             <a:r>
-              <a:rPr lang="de-CH" dirty="0" smtClean="0"/>
+              <a:rPr lang="de-CH" dirty="0"/>
               <a:t>Python</a:t>
             </a:r>
-            <a:endParaRPr lang="de-CH" dirty="0"/>
           </a:p>
         </p:txBody>
       </p:sp>
@@ -3014,10 +3014,18 @@
           <a:lstStyle/>
           <a:p>
             <a:r>
-              <a:rPr lang="de-CH" dirty="0" smtClean="0"/>
+              <a:rPr lang="de-CH" dirty="0"/>
               <a:t>Format-String</a:t>
             </a:r>
+          </a:p>
+          <a:p>
             <a:endParaRPr lang="de-CH" dirty="0"/>
+          </a:p>
+          <a:p>
+            <a:r>
+              <a:rPr lang="de-CH" sz="1600" dirty="0"/>
+              <a:t>Last Change: 22.8.24</a:t>
+            </a:r>
           </a:p>
         </p:txBody>
       </p:sp>
@@ -3031,13 +3039,6 @@
   <p:clrMapOvr>
     <a:masterClrMapping/>
   </p:clrMapOvr>
-  <p:timing>
-    <p:tnLst>
-      <p:par>
-        <p:cTn id="1" dur="indefinite" restart="never" nodeType="tmRoot"/>
-      </p:par>
-    </p:tnLst>
-  </p:timing>
 </p:sld>
 </file>
 
@@ -3081,22 +3082,17 @@
           <a:lstStyle/>
           <a:p>
             <a:r>
-              <a:rPr lang="de-CH" sz="2800" b="1" u="sng" dirty="0" smtClean="0"/>
+              <a:rPr lang="de-CH" sz="2800" b="1" u="sng" dirty="0"/>
               <a:t>Print-Befehl mit </a:t>
             </a:r>
             <a:r>
               <a:rPr lang="de-CH" sz="2800" b="1" u="sng" dirty="0" err="1"/>
-              <a:t>N</a:t>
-            </a:r>
-            <a:r>
-              <a:rPr lang="de-CH" sz="2800" b="1" u="sng" dirty="0" err="1" smtClean="0"/>
-              <a:t>amed</a:t>
-            </a:r>
-            <a:r>
-              <a:rPr lang="de-CH" sz="2800" b="1" u="sng" dirty="0" smtClean="0"/>
+              <a:t>Named</a:t>
+            </a:r>
+            <a:r>
+              <a:rPr lang="de-CH" sz="2800" b="1" u="sng" dirty="0"/>
               <a:t>-Parameter</a:t>
             </a:r>
-            <a:endParaRPr lang="de-CH" sz="2800" b="1" u="sng" dirty="0" smtClean="0"/>
           </a:p>
         </p:txBody>
       </p:sp>
@@ -3171,7 +3167,7 @@
               <a:tabLst/>
             </a:pPr>
             <a:r>
-              <a:rPr kumimoji="0" lang="de-DE" altLang="de-DE" sz="2000" b="0" i="0" u="none" strike="noStrike" cap="none" normalizeH="0" baseline="0" dirty="0" err="1" smtClean="0">
+              <a:rPr kumimoji="0" lang="de-DE" altLang="de-DE" sz="2000" b="0" i="0" u="none" strike="noStrike" cap="none" normalizeH="0" baseline="0" dirty="0" err="1">
                 <a:ln>
                   <a:noFill/>
                 </a:ln>
@@ -3184,7 +3180,7 @@
               <a:t>print</a:t>
             </a:r>
             <a:r>
-              <a:rPr kumimoji="0" lang="de-DE" altLang="de-DE" sz="2000" b="0" i="0" u="none" strike="noStrike" cap="none" normalizeH="0" baseline="0" dirty="0" smtClean="0">
+              <a:rPr kumimoji="0" lang="de-DE" altLang="de-DE" sz="2000" b="0" i="0" u="none" strike="noStrike" cap="none" normalizeH="0" baseline="0" dirty="0">
                 <a:ln>
                   <a:noFill/>
                 </a:ln>
@@ -3197,7 +3193,7 @@
               <a:t>(</a:t>
             </a:r>
             <a:r>
-              <a:rPr kumimoji="0" lang="de-DE" altLang="de-DE" sz="2000" b="0" i="0" u="none" strike="noStrike" cap="none" normalizeH="0" baseline="0" dirty="0" smtClean="0">
+              <a:rPr kumimoji="0" lang="de-DE" altLang="de-DE" sz="2000" b="0" i="0" u="none" strike="noStrike" cap="none" normalizeH="0" baseline="0" dirty="0">
                 <a:ln>
                   <a:noFill/>
                 </a:ln>
@@ -3210,7 +3206,7 @@
               <a:t>"# </a:t>
             </a:r>
             <a:r>
-              <a:rPr kumimoji="0" lang="de-DE" altLang="de-DE" sz="2000" b="0" i="0" u="none" strike="noStrike" cap="none" normalizeH="0" baseline="0" dirty="0" err="1" smtClean="0">
+              <a:rPr kumimoji="0" lang="de-DE" altLang="de-DE" sz="2000" b="0" i="0" u="none" strike="noStrike" cap="none" normalizeH="0" baseline="0" dirty="0" err="1">
                 <a:ln>
                   <a:noFill/>
                 </a:ln>
@@ -3223,7 +3219,7 @@
               <a:t>print</a:t>
             </a:r>
             <a:r>
-              <a:rPr kumimoji="0" lang="de-DE" altLang="de-DE" sz="2000" b="0" i="0" u="none" strike="noStrike" cap="none" normalizeH="0" baseline="0" dirty="0" smtClean="0">
+              <a:rPr kumimoji="0" lang="de-DE" altLang="de-DE" sz="2000" b="0" i="0" u="none" strike="noStrike" cap="none" normalizeH="0" baseline="0" dirty="0">
                 <a:ln>
                   <a:noFill/>
                 </a:ln>
@@ -3236,7 +3232,7 @@
               <a:t>"</a:t>
             </a:r>
             <a:r>
-              <a:rPr kumimoji="0" lang="de-DE" altLang="de-DE" sz="2000" b="0" i="0" u="none" strike="noStrike" cap="none" normalizeH="0" baseline="0" dirty="0" smtClean="0">
+              <a:rPr kumimoji="0" lang="de-DE" altLang="de-DE" sz="2000" b="0" i="0" u="none" strike="noStrike" cap="none" normalizeH="0" baseline="0" dirty="0">
                 <a:ln>
                   <a:noFill/>
                 </a:ln>
@@ -3249,7 +3245,7 @@
               <a:t>)</a:t>
             </a:r>
             <a:br>
-              <a:rPr kumimoji="0" lang="de-DE" altLang="de-DE" sz="2000" b="0" i="0" u="none" strike="noStrike" cap="none" normalizeH="0" baseline="0" dirty="0" smtClean="0">
+              <a:rPr kumimoji="0" lang="de-DE" altLang="de-DE" sz="2000" b="0" i="0" u="none" strike="noStrike" cap="none" normalizeH="0" baseline="0" dirty="0">
                 <a:ln>
                   <a:noFill/>
                 </a:ln>
@@ -3261,7 +3257,7 @@
               </a:rPr>
             </a:br>
             <a:r>
-              <a:rPr kumimoji="0" lang="de-DE" altLang="de-DE" sz="2000" b="0" i="0" u="none" strike="noStrike" cap="none" normalizeH="0" baseline="0" dirty="0" err="1" smtClean="0">
+              <a:rPr kumimoji="0" lang="de-DE" altLang="de-DE" sz="2000" b="0" i="0" u="none" strike="noStrike" cap="none" normalizeH="0" baseline="0" dirty="0" err="1">
                 <a:ln>
                   <a:noFill/>
                 </a:ln>
@@ -3274,7 +3270,7 @@
               <a:t>print</a:t>
             </a:r>
             <a:r>
-              <a:rPr kumimoji="0" lang="de-DE" altLang="de-DE" sz="2000" b="0" i="0" u="none" strike="noStrike" cap="none" normalizeH="0" baseline="0" dirty="0" smtClean="0">
+              <a:rPr kumimoji="0" lang="de-DE" altLang="de-DE" sz="2000" b="0" i="0" u="none" strike="noStrike" cap="none" normalizeH="0" baseline="0" dirty="0">
                 <a:ln>
                   <a:noFill/>
                 </a:ln>
@@ -3287,7 +3283,7 @@
               <a:t>(</a:t>
             </a:r>
             <a:r>
-              <a:rPr kumimoji="0" lang="de-DE" altLang="de-DE" sz="2000" b="0" i="0" u="none" strike="noStrike" cap="none" normalizeH="0" baseline="0" dirty="0" smtClean="0">
+              <a:rPr kumimoji="0" lang="de-DE" altLang="de-DE" sz="2000" b="0" i="0" u="none" strike="noStrike" cap="none" normalizeH="0" baseline="0" dirty="0">
                 <a:ln>
                   <a:noFill/>
                 </a:ln>
@@ -3300,7 +3296,7 @@
               <a:t>"# -----"</a:t>
             </a:r>
             <a:r>
-              <a:rPr kumimoji="0" lang="de-DE" altLang="de-DE" sz="2000" b="0" i="0" u="none" strike="noStrike" cap="none" normalizeH="0" baseline="0" dirty="0" smtClean="0">
+              <a:rPr kumimoji="0" lang="de-DE" altLang="de-DE" sz="2000" b="0" i="0" u="none" strike="noStrike" cap="none" normalizeH="0" baseline="0" dirty="0">
                 <a:ln>
                   <a:noFill/>
                 </a:ln>
@@ -3313,7 +3309,7 @@
               <a:t>)</a:t>
             </a:r>
             <a:br>
-              <a:rPr kumimoji="0" lang="de-DE" altLang="de-DE" sz="2000" b="0" i="0" u="none" strike="noStrike" cap="none" normalizeH="0" baseline="0" dirty="0" smtClean="0">
+              <a:rPr kumimoji="0" lang="de-DE" altLang="de-DE" sz="2000" b="0" i="0" u="none" strike="noStrike" cap="none" normalizeH="0" baseline="0" dirty="0">
                 <a:ln>
                   <a:noFill/>
                 </a:ln>
@@ -3325,7 +3321,7 @@
               </a:rPr>
             </a:br>
             <a:r>
-              <a:rPr kumimoji="0" lang="de-DE" altLang="de-DE" sz="2000" b="0" i="0" u="none" strike="noStrike" cap="none" normalizeH="0" baseline="0" dirty="0" err="1" smtClean="0">
+              <a:rPr kumimoji="0" lang="de-DE" altLang="de-DE" sz="2000" b="0" i="0" u="none" strike="noStrike" cap="none" normalizeH="0" baseline="0" dirty="0" err="1">
                 <a:ln>
                   <a:noFill/>
                 </a:ln>
@@ -3338,7 +3334,7 @@
               <a:t>print</a:t>
             </a:r>
             <a:r>
-              <a:rPr kumimoji="0" lang="de-DE" altLang="de-DE" sz="2000" b="0" i="0" u="none" strike="noStrike" cap="none" normalizeH="0" baseline="0" dirty="0" smtClean="0">
+              <a:rPr kumimoji="0" lang="de-DE" altLang="de-DE" sz="2000" b="0" i="0" u="none" strike="noStrike" cap="none" normalizeH="0" baseline="0" dirty="0">
                 <a:ln>
                   <a:noFill/>
                 </a:ln>
@@ -3351,7 +3347,7 @@
               <a:t>(</a:t>
             </a:r>
             <a:r>
-              <a:rPr kumimoji="0" lang="de-DE" altLang="de-DE" sz="2000" b="0" i="0" u="none" strike="noStrike" cap="none" normalizeH="0" baseline="0" dirty="0" smtClean="0">
+              <a:rPr kumimoji="0" lang="de-DE" altLang="de-DE" sz="2000" b="0" i="0" u="none" strike="noStrike" cap="none" normalizeH="0" baseline="0" dirty="0">
                 <a:ln>
                   <a:noFill/>
                 </a:ln>
@@ -3364,7 +3360,7 @@
               <a:t>"Hallo </a:t>
             </a:r>
             <a:r>
-              <a:rPr kumimoji="0" lang="de-DE" altLang="de-DE" sz="2000" b="0" i="0" u="none" strike="noStrike" cap="none" normalizeH="0" baseline="0" dirty="0" err="1" smtClean="0">
+              <a:rPr kumimoji="0" lang="de-DE" altLang="de-DE" sz="2000" b="0" i="0" u="none" strike="noStrike" cap="none" normalizeH="0" baseline="0" dirty="0" err="1">
                 <a:ln>
                   <a:noFill/>
                 </a:ln>
@@ -3377,7 +3373,7 @@
               <a:t>world</a:t>
             </a:r>
             <a:r>
-              <a:rPr kumimoji="0" lang="de-DE" altLang="de-DE" sz="2000" b="0" i="0" u="none" strike="noStrike" cap="none" normalizeH="0" baseline="0" dirty="0" smtClean="0">
+              <a:rPr kumimoji="0" lang="de-DE" altLang="de-DE" sz="2000" b="0" i="0" u="none" strike="noStrike" cap="none" normalizeH="0" baseline="0" dirty="0">
                 <a:ln>
                   <a:noFill/>
                 </a:ln>
@@ -3390,7 +3386,7 @@
               <a:t>"</a:t>
             </a:r>
             <a:r>
-              <a:rPr kumimoji="0" lang="de-DE" altLang="de-DE" sz="2000" b="0" i="0" u="none" strike="noStrike" cap="none" normalizeH="0" baseline="0" dirty="0" smtClean="0">
+              <a:rPr kumimoji="0" lang="de-DE" altLang="de-DE" sz="2000" b="0" i="0" u="none" strike="noStrike" cap="none" normalizeH="0" baseline="0" dirty="0">
                 <a:ln>
                   <a:noFill/>
                 </a:ln>
@@ -3403,7 +3399,7 @@
               <a:t>)                       </a:t>
             </a:r>
             <a:r>
-              <a:rPr kumimoji="0" lang="de-DE" altLang="de-DE" sz="2000" b="0" i="0" u="none" strike="noStrike" cap="none" normalizeH="0" baseline="0" dirty="0" smtClean="0">
+              <a:rPr kumimoji="0" lang="de-DE" altLang="de-DE" sz="2000" b="0" i="0" u="none" strike="noStrike" cap="none" normalizeH="0" baseline="0" dirty="0">
                 <a:ln>
                   <a:noFill/>
                 </a:ln>
@@ -3416,7 +3412,7 @@
               <a:t># </a:t>
             </a:r>
             <a:r>
-              <a:rPr kumimoji="0" lang="de-DE" altLang="de-DE" sz="2000" b="0" i="0" u="none" strike="noStrike" cap="none" normalizeH="0" baseline="0" dirty="0" err="1" smtClean="0">
+              <a:rPr kumimoji="0" lang="de-DE" altLang="de-DE" sz="2000" b="0" i="0" u="none" strike="noStrike" cap="none" normalizeH="0" baseline="0" dirty="0" err="1">
                 <a:ln>
                   <a:noFill/>
                 </a:ln>
@@ -3429,7 +3425,7 @@
               <a:t>first</a:t>
             </a:r>
             <a:r>
-              <a:rPr kumimoji="0" lang="de-DE" altLang="de-DE" sz="2000" b="0" i="0" u="none" strike="noStrike" cap="none" normalizeH="0" baseline="0" dirty="0" smtClean="0">
+              <a:rPr kumimoji="0" lang="de-DE" altLang="de-DE" sz="2000" b="0" i="0" u="none" strike="noStrike" cap="none" normalizeH="0" baseline="0" dirty="0">
                 <a:ln>
                   <a:noFill/>
                 </a:ln>
@@ -3442,7 +3438,7 @@
               <a:t> </a:t>
             </a:r>
             <a:r>
-              <a:rPr kumimoji="0" lang="de-DE" altLang="de-DE" sz="2000" b="0" i="0" u="none" strike="noStrike" cap="none" normalizeH="0" baseline="0" dirty="0" err="1" smtClean="0">
+              <a:rPr kumimoji="0" lang="de-DE" altLang="de-DE" sz="2000" b="0" i="0" u="none" strike="noStrike" cap="none" normalizeH="0" baseline="0" dirty="0" err="1">
                 <a:ln>
                   <a:noFill/>
                 </a:ln>
@@ -3454,8 +3450,8 @@
               </a:rPr>
               <a:t>statement</a:t>
             </a:r>
-            <a:r>
-              <a:rPr kumimoji="0" lang="de-DE" altLang="de-DE" sz="2000" b="0" i="0" u="none" strike="noStrike" cap="none" normalizeH="0" baseline="0" dirty="0" smtClean="0">
+            <a:br>
+              <a:rPr kumimoji="0" lang="de-DE" altLang="de-DE" sz="2000" b="0" i="0" u="none" strike="noStrike" cap="none" normalizeH="0" baseline="0" dirty="0">
                 <a:ln>
                   <a:noFill/>
                 </a:ln>
@@ -3465,10 +3461,152 @@
                 <a:effectLst/>
                 <a:latin typeface="JetBrains Mono"/>
               </a:rPr>
-              <a:t/>
+            </a:br>
+            <a:r>
+              <a:rPr kumimoji="0" lang="de-DE" altLang="de-DE" sz="2000" b="0" i="0" u="none" strike="noStrike" cap="none" normalizeH="0" baseline="0" dirty="0" err="1">
+                <a:ln>
+                  <a:noFill/>
+                </a:ln>
+                <a:solidFill>
+                  <a:srgbClr val="8888C6"/>
+                </a:solidFill>
+                <a:effectLst/>
+                <a:latin typeface="JetBrains Mono"/>
+              </a:rPr>
+              <a:t>print</a:t>
+            </a:r>
+            <a:r>
+              <a:rPr kumimoji="0" lang="de-DE" altLang="de-DE" sz="2000" b="0" i="0" u="none" strike="noStrike" cap="none" normalizeH="0" baseline="0" dirty="0">
+                <a:ln>
+                  <a:noFill/>
+                </a:ln>
+                <a:solidFill>
+                  <a:srgbClr val="A9B7C6"/>
+                </a:solidFill>
+                <a:effectLst/>
+                <a:latin typeface="JetBrains Mono"/>
+              </a:rPr>
+              <a:t>(</a:t>
+            </a:r>
+            <a:r>
+              <a:rPr kumimoji="0" lang="de-DE" altLang="de-DE" sz="2000" b="0" i="0" u="none" strike="noStrike" cap="none" normalizeH="0" baseline="0" dirty="0">
+                <a:ln>
+                  <a:noFill/>
+                </a:ln>
+                <a:solidFill>
+                  <a:srgbClr val="6A8759"/>
+                </a:solidFill>
+                <a:effectLst/>
+                <a:latin typeface="JetBrains Mono"/>
+              </a:rPr>
+              <a:t>"Hallo"</a:t>
+            </a:r>
+            <a:r>
+              <a:rPr kumimoji="0" lang="de-DE" altLang="de-DE" sz="2000" b="0" i="0" u="none" strike="noStrike" cap="none" normalizeH="0" baseline="0" dirty="0">
+                <a:ln>
+                  <a:noFill/>
+                </a:ln>
+                <a:solidFill>
+                  <a:srgbClr val="CC7832"/>
+                </a:solidFill>
+                <a:effectLst/>
+                <a:latin typeface="JetBrains Mono"/>
+              </a:rPr>
+              <a:t>, </a:t>
+            </a:r>
+            <a:r>
+              <a:rPr kumimoji="0" lang="de-DE" altLang="de-DE" sz="2000" b="0" i="0" u="none" strike="noStrike" cap="none" normalizeH="0" baseline="0" dirty="0">
+                <a:ln>
+                  <a:noFill/>
+                </a:ln>
+                <a:solidFill>
+                  <a:srgbClr val="6A8759"/>
+                </a:solidFill>
+                <a:effectLst/>
+                <a:latin typeface="JetBrains Mono"/>
+              </a:rPr>
+              <a:t>"</a:t>
+            </a:r>
+            <a:r>
+              <a:rPr kumimoji="0" lang="de-DE" altLang="de-DE" sz="2000" b="0" i="0" u="none" strike="noStrike" cap="none" normalizeH="0" baseline="0" dirty="0" err="1">
+                <a:ln>
+                  <a:noFill/>
+                </a:ln>
+                <a:solidFill>
+                  <a:srgbClr val="6A8759"/>
+                </a:solidFill>
+                <a:effectLst/>
+                <a:latin typeface="JetBrains Mono"/>
+              </a:rPr>
+              <a:t>world</a:t>
+            </a:r>
+            <a:r>
+              <a:rPr kumimoji="0" lang="de-DE" altLang="de-DE" sz="2000" b="0" i="0" u="none" strike="noStrike" cap="none" normalizeH="0" baseline="0" dirty="0">
+                <a:ln>
+                  <a:noFill/>
+                </a:ln>
+                <a:solidFill>
+                  <a:srgbClr val="6A8759"/>
+                </a:solidFill>
+                <a:effectLst/>
+                <a:latin typeface="JetBrains Mono"/>
+              </a:rPr>
+              <a:t>"</a:t>
+            </a:r>
+            <a:r>
+              <a:rPr kumimoji="0" lang="de-DE" altLang="de-DE" sz="2000" b="0" i="0" u="none" strike="noStrike" cap="none" normalizeH="0" baseline="0" dirty="0">
+                <a:ln>
+                  <a:noFill/>
+                </a:ln>
+                <a:solidFill>
+                  <a:srgbClr val="CC7832"/>
+                </a:solidFill>
+                <a:effectLst/>
+                <a:latin typeface="JetBrains Mono"/>
+              </a:rPr>
+              <a:t>, </a:t>
+            </a:r>
+            <a:r>
+              <a:rPr kumimoji="0" lang="de-DE" altLang="de-DE" sz="2000" b="0" i="0" u="none" strike="noStrike" cap="none" normalizeH="0" baseline="0" dirty="0">
+                <a:ln>
+                  <a:noFill/>
+                </a:ln>
+                <a:solidFill>
+                  <a:srgbClr val="6A8759"/>
+                </a:solidFill>
+                <a:effectLst/>
+                <a:latin typeface="JetBrains Mono"/>
+              </a:rPr>
+              <a:t>"!!!"</a:t>
+            </a:r>
+            <a:r>
+              <a:rPr kumimoji="0" lang="de-DE" altLang="de-DE" sz="2000" b="0" i="0" u="none" strike="noStrike" cap="none" normalizeH="0" baseline="0" dirty="0">
+                <a:ln>
+                  <a:noFill/>
+                </a:ln>
+                <a:solidFill>
+                  <a:srgbClr val="A9B7C6"/>
+                </a:solidFill>
+                <a:effectLst/>
+                <a:latin typeface="JetBrains Mono"/>
+              </a:rPr>
+              <a:t>)           </a:t>
+            </a:r>
+            <a:r>
+              <a:rPr kumimoji="0" lang="de-DE" altLang="de-DE" sz="2000" b="0" i="0" u="none" strike="noStrike" cap="none" normalizeH="0" baseline="0" dirty="0">
+                <a:ln>
+                  <a:noFill/>
+                </a:ln>
+                <a:solidFill>
+                  <a:srgbClr val="808080"/>
+                </a:solidFill>
+                <a:effectLst/>
+                <a:latin typeface="JetBrains Mono"/>
+              </a:rPr>
+              <a:t># mehrere Argumente / Parameter</a:t>
             </a:r>
             <a:br>
-              <a:rPr kumimoji="0" lang="de-DE" altLang="de-DE" sz="2000" b="0" i="0" u="none" strike="noStrike" cap="none" normalizeH="0" baseline="0" dirty="0" smtClean="0">
+              <a:rPr kumimoji="0" lang="de-DE" altLang="de-DE" sz="2000" b="0" i="0" u="none" strike="noStrike" cap="none" normalizeH="0" baseline="0" dirty="0">
                 <a:ln>
                   <a:noFill/>
                 </a:ln>
@@ -3480,7 +3618,7 @@
               </a:rPr>
             </a:br>
             <a:r>
-              <a:rPr kumimoji="0" lang="de-DE" altLang="de-DE" sz="2000" b="0" i="0" u="none" strike="noStrike" cap="none" normalizeH="0" baseline="0" dirty="0" err="1" smtClean="0">
+              <a:rPr kumimoji="0" lang="de-DE" altLang="de-DE" sz="2000" b="0" i="0" u="none" strike="noStrike" cap="none" normalizeH="0" baseline="0" dirty="0" err="1">
                 <a:ln>
                   <a:noFill/>
                 </a:ln>
@@ -3493,7 +3631,7 @@
               <a:t>print</a:t>
             </a:r>
             <a:r>
-              <a:rPr kumimoji="0" lang="de-DE" altLang="de-DE" sz="2000" b="0" i="0" u="none" strike="noStrike" cap="none" normalizeH="0" baseline="0" dirty="0" smtClean="0">
+              <a:rPr kumimoji="0" lang="de-DE" altLang="de-DE" sz="2000" b="0" i="0" u="none" strike="noStrike" cap="none" normalizeH="0" baseline="0" dirty="0">
                 <a:ln>
                   <a:noFill/>
                 </a:ln>
@@ -3506,7 +3644,7 @@
               <a:t>(</a:t>
             </a:r>
             <a:r>
-              <a:rPr kumimoji="0" lang="de-DE" altLang="de-DE" sz="2000" b="0" i="0" u="none" strike="noStrike" cap="none" normalizeH="0" baseline="0" dirty="0" smtClean="0">
+              <a:rPr kumimoji="0" lang="de-DE" altLang="de-DE" sz="2000" b="0" i="0" u="none" strike="noStrike" cap="none" normalizeH="0" baseline="0" dirty="0">
                 <a:ln>
                   <a:noFill/>
                 </a:ln>
@@ -3516,10 +3654,178 @@
                 <a:effectLst/>
                 <a:latin typeface="JetBrains Mono"/>
               </a:rPr>
-              <a:t>"Hallo"</a:t>
-            </a:r>
-            <a:r>
-              <a:rPr kumimoji="0" lang="de-DE" altLang="de-DE" sz="2000" b="0" i="0" u="none" strike="noStrike" cap="none" normalizeH="0" baseline="0" dirty="0" smtClean="0">
+              <a:t>"Hallo" </a:t>
+            </a:r>
+            <a:r>
+              <a:rPr kumimoji="0" lang="de-DE" altLang="de-DE" sz="2000" b="0" i="0" u="none" strike="noStrike" cap="none" normalizeH="0" baseline="0" dirty="0">
+                <a:ln>
+                  <a:noFill/>
+                </a:ln>
+                <a:solidFill>
+                  <a:srgbClr val="A9B7C6"/>
+                </a:solidFill>
+                <a:effectLst/>
+                <a:latin typeface="JetBrains Mono"/>
+              </a:rPr>
+              <a:t>+ </a:t>
+            </a:r>
+            <a:r>
+              <a:rPr kumimoji="0" lang="de-DE" altLang="de-DE" sz="2000" b="0" i="0" u="none" strike="noStrike" cap="none" normalizeH="0" baseline="0" dirty="0">
+                <a:ln>
+                  <a:noFill/>
+                </a:ln>
+                <a:solidFill>
+                  <a:srgbClr val="6A8759"/>
+                </a:solidFill>
+                <a:effectLst/>
+                <a:latin typeface="JetBrains Mono"/>
+              </a:rPr>
+              <a:t>" </a:t>
+            </a:r>
+            <a:r>
+              <a:rPr kumimoji="0" lang="de-DE" altLang="de-DE" sz="2000" b="0" i="0" u="none" strike="noStrike" cap="none" normalizeH="0" baseline="0" dirty="0" err="1">
+                <a:ln>
+                  <a:noFill/>
+                </a:ln>
+                <a:solidFill>
+                  <a:srgbClr val="6A8759"/>
+                </a:solidFill>
+                <a:effectLst/>
+                <a:latin typeface="JetBrains Mono"/>
+              </a:rPr>
+              <a:t>world</a:t>
+            </a:r>
+            <a:r>
+              <a:rPr kumimoji="0" lang="de-DE" altLang="de-DE" sz="2000" b="0" i="0" u="none" strike="noStrike" cap="none" normalizeH="0" baseline="0" dirty="0">
+                <a:ln>
+                  <a:noFill/>
+                </a:ln>
+                <a:solidFill>
+                  <a:srgbClr val="6A8759"/>
+                </a:solidFill>
+                <a:effectLst/>
+                <a:latin typeface="JetBrains Mono"/>
+              </a:rPr>
+              <a:t>" </a:t>
+            </a:r>
+            <a:r>
+              <a:rPr kumimoji="0" lang="de-DE" altLang="de-DE" sz="2000" b="0" i="0" u="none" strike="noStrike" cap="none" normalizeH="0" baseline="0" dirty="0">
+                <a:ln>
+                  <a:noFill/>
+                </a:ln>
+                <a:solidFill>
+                  <a:srgbClr val="A9B7C6"/>
+                </a:solidFill>
+                <a:effectLst/>
+                <a:latin typeface="JetBrains Mono"/>
+              </a:rPr>
+              <a:t>+ </a:t>
+            </a:r>
+            <a:r>
+              <a:rPr kumimoji="0" lang="de-DE" altLang="de-DE" sz="2000" b="0" i="0" u="none" strike="noStrike" cap="none" normalizeH="0" baseline="0" dirty="0">
+                <a:ln>
+                  <a:noFill/>
+                </a:ln>
+                <a:solidFill>
+                  <a:srgbClr val="6A8759"/>
+                </a:solidFill>
+                <a:effectLst/>
+                <a:latin typeface="JetBrains Mono"/>
+              </a:rPr>
+              <a:t>" !!!"</a:t>
+            </a:r>
+            <a:r>
+              <a:rPr kumimoji="0" lang="de-DE" altLang="de-DE" sz="2000" b="0" i="0" u="none" strike="noStrike" cap="none" normalizeH="0" baseline="0" dirty="0">
+                <a:ln>
+                  <a:noFill/>
+                </a:ln>
+                <a:solidFill>
+                  <a:srgbClr val="A9B7C6"/>
+                </a:solidFill>
+                <a:effectLst/>
+                <a:latin typeface="JetBrains Mono"/>
+              </a:rPr>
+              <a:t>)    </a:t>
+            </a:r>
+            <a:r>
+              <a:rPr kumimoji="0" lang="de-DE" altLang="de-DE" sz="2000" b="0" i="0" u="none" strike="noStrike" cap="none" normalizeH="0" dirty="0">
+                <a:ln>
+                  <a:noFill/>
+                </a:ln>
+                <a:solidFill>
+                  <a:srgbClr val="A9B7C6"/>
+                </a:solidFill>
+                <a:effectLst/>
+                <a:latin typeface="JetBrains Mono"/>
+              </a:rPr>
+              <a:t> </a:t>
+            </a:r>
+            <a:r>
+              <a:rPr kumimoji="0" lang="de-DE" altLang="de-DE" sz="2000" b="0" i="0" u="none" strike="noStrike" cap="none" normalizeH="0" baseline="0" dirty="0">
+                <a:ln>
+                  <a:noFill/>
+                </a:ln>
+                <a:solidFill>
+                  <a:srgbClr val="808080"/>
+                </a:solidFill>
+                <a:effectLst/>
+                <a:latin typeface="JetBrains Mono"/>
+              </a:rPr>
+              <a:t># Ein Argument mit String-Operationen</a:t>
+            </a:r>
+            <a:br>
+              <a:rPr kumimoji="0" lang="de-DE" altLang="de-DE" sz="2000" b="0" i="0" u="none" strike="noStrike" cap="none" normalizeH="0" baseline="0" dirty="0">
+                <a:ln>
+                  <a:noFill/>
+                </a:ln>
+                <a:solidFill>
+                  <a:srgbClr val="808080"/>
+                </a:solidFill>
+                <a:effectLst/>
+                <a:latin typeface="JetBrains Mono"/>
+              </a:rPr>
+            </a:br>
+            <a:r>
+              <a:rPr kumimoji="0" lang="de-DE" altLang="de-DE" sz="2000" b="0" i="0" u="none" strike="noStrike" cap="none" normalizeH="0" baseline="0" dirty="0" err="1">
+                <a:ln>
+                  <a:noFill/>
+                </a:ln>
+                <a:solidFill>
+                  <a:srgbClr val="8888C6"/>
+                </a:solidFill>
+                <a:effectLst/>
+                <a:latin typeface="JetBrains Mono"/>
+              </a:rPr>
+              <a:t>print</a:t>
+            </a:r>
+            <a:r>
+              <a:rPr kumimoji="0" lang="de-DE" altLang="de-DE" sz="2000" b="0" i="0" u="none" strike="noStrike" cap="none" normalizeH="0" baseline="0" dirty="0">
+                <a:ln>
+                  <a:noFill/>
+                </a:ln>
+                <a:solidFill>
+                  <a:srgbClr val="A9B7C6"/>
+                </a:solidFill>
+                <a:effectLst/>
+                <a:latin typeface="JetBrains Mono"/>
+              </a:rPr>
+              <a:t>(</a:t>
+            </a:r>
+            <a:r>
+              <a:rPr kumimoji="0" lang="de-DE" altLang="de-DE" sz="2000" b="0" i="0" u="none" strike="noStrike" cap="none" normalizeH="0" baseline="0" dirty="0">
+                <a:ln>
+                  <a:noFill/>
+                </a:ln>
+                <a:solidFill>
+                  <a:srgbClr val="6A8759"/>
+                </a:solidFill>
+                <a:effectLst/>
+                <a:latin typeface="JetBrains Mono"/>
+              </a:rPr>
+              <a:t>"Hallo</a:t>
+            </a:r>
+            <a:r>
+              <a:rPr kumimoji="0" lang="de-DE" altLang="de-DE" sz="2000" b="0" i="0" u="none" strike="noStrike" cap="none" normalizeH="0" baseline="0" dirty="0">
                 <a:ln>
                   <a:noFill/>
                 </a:ln>
@@ -3529,10 +3835,191 @@
                 <a:effectLst/>
                 <a:latin typeface="JetBrains Mono"/>
               </a:rPr>
+              <a:t>\n\</a:t>
+            </a:r>
+            <a:r>
+              <a:rPr kumimoji="0" lang="de-DE" altLang="de-DE" sz="2000" b="0" i="0" u="none" strike="noStrike" cap="none" normalizeH="0" baseline="0" dirty="0" err="1">
+                <a:ln>
+                  <a:noFill/>
+                </a:ln>
+                <a:solidFill>
+                  <a:srgbClr val="CC7832"/>
+                </a:solidFill>
+                <a:effectLst/>
+                <a:latin typeface="JetBrains Mono"/>
+              </a:rPr>
+              <a:t>n</a:t>
+            </a:r>
+            <a:r>
+              <a:rPr kumimoji="0" lang="de-DE" altLang="de-DE" sz="2000" b="0" i="0" u="none" strike="noStrike" cap="none" normalizeH="0" baseline="0" dirty="0" err="1">
+                <a:ln>
+                  <a:noFill/>
+                </a:ln>
+                <a:solidFill>
+                  <a:srgbClr val="6A8759"/>
+                </a:solidFill>
+                <a:effectLst/>
+                <a:latin typeface="JetBrains Mono"/>
+              </a:rPr>
+              <a:t>World</a:t>
+            </a:r>
+            <a:r>
+              <a:rPr kumimoji="0" lang="de-DE" altLang="de-DE" sz="2000" b="0" i="0" u="none" strike="noStrike" cap="none" normalizeH="0" baseline="0" dirty="0">
+                <a:ln>
+                  <a:noFill/>
+                </a:ln>
+                <a:solidFill>
+                  <a:srgbClr val="6A8759"/>
+                </a:solidFill>
+                <a:effectLst/>
+                <a:latin typeface="JetBrains Mono"/>
+              </a:rPr>
+              <a:t>"</a:t>
+            </a:r>
+            <a:r>
+              <a:rPr kumimoji="0" lang="de-DE" altLang="de-DE" sz="2000" b="0" i="0" u="none" strike="noStrike" cap="none" normalizeH="0" baseline="0" dirty="0">
+                <a:ln>
+                  <a:noFill/>
+                </a:ln>
+                <a:solidFill>
+                  <a:srgbClr val="A9B7C6"/>
+                </a:solidFill>
+                <a:effectLst/>
+                <a:latin typeface="JetBrains Mono"/>
+              </a:rPr>
+              <a:t>)                </a:t>
+            </a:r>
+            <a:r>
+              <a:rPr kumimoji="0" lang="de-DE" altLang="de-DE" sz="2000" b="0" i="0" u="none" strike="noStrike" cap="none" normalizeH="0" baseline="0" dirty="0">
+                <a:ln>
+                  <a:noFill/>
+                </a:ln>
+                <a:solidFill>
+                  <a:srgbClr val="808080"/>
+                </a:solidFill>
+                <a:effectLst/>
+                <a:latin typeface="JetBrains Mono"/>
+              </a:rPr>
+              <a:t># </a:t>
+            </a:r>
+            <a:r>
+              <a:rPr kumimoji="0" lang="de-DE" altLang="de-DE" sz="2000" b="0" i="0" u="none" strike="noStrike" cap="none" normalizeH="0" baseline="0" dirty="0" err="1">
+                <a:ln>
+                  <a:noFill/>
+                </a:ln>
+                <a:solidFill>
+                  <a:srgbClr val="808080"/>
+                </a:solidFill>
+                <a:effectLst/>
+                <a:latin typeface="JetBrains Mono"/>
+              </a:rPr>
+              <a:t>line</a:t>
+            </a:r>
+            <a:r>
+              <a:rPr kumimoji="0" lang="de-DE" altLang="de-DE" sz="2000" b="0" i="0" u="none" strike="noStrike" cap="none" normalizeH="0" baseline="0" dirty="0">
+                <a:ln>
+                  <a:noFill/>
+                </a:ln>
+                <a:solidFill>
+                  <a:srgbClr val="808080"/>
+                </a:solidFill>
+                <a:effectLst/>
+                <a:latin typeface="JetBrains Mono"/>
+              </a:rPr>
+              <a:t>-feed</a:t>
+            </a:r>
+            <a:br>
+              <a:rPr kumimoji="0" lang="de-DE" altLang="de-DE" sz="2000" b="0" i="0" u="none" strike="noStrike" cap="none" normalizeH="0" baseline="0" dirty="0">
+                <a:ln>
+                  <a:noFill/>
+                </a:ln>
+                <a:solidFill>
+                  <a:srgbClr val="808080"/>
+                </a:solidFill>
+                <a:effectLst/>
+                <a:latin typeface="JetBrains Mono"/>
+              </a:rPr>
+            </a:br>
+            <a:r>
+              <a:rPr kumimoji="0" lang="de-DE" altLang="de-DE" sz="2000" b="0" i="0" u="none" strike="noStrike" cap="none" normalizeH="0" baseline="0" dirty="0" err="1">
+                <a:ln>
+                  <a:noFill/>
+                </a:ln>
+                <a:solidFill>
+                  <a:srgbClr val="8888C6"/>
+                </a:solidFill>
+                <a:effectLst/>
+                <a:latin typeface="JetBrains Mono"/>
+              </a:rPr>
+              <a:t>print</a:t>
+            </a:r>
+            <a:r>
+              <a:rPr kumimoji="0" lang="de-DE" altLang="de-DE" sz="2000" b="0" i="0" u="none" strike="noStrike" cap="none" normalizeH="0" baseline="0" dirty="0">
+                <a:ln>
+                  <a:noFill/>
+                </a:ln>
+                <a:solidFill>
+                  <a:srgbClr val="A9B7C6"/>
+                </a:solidFill>
+                <a:effectLst/>
+                <a:latin typeface="JetBrains Mono"/>
+              </a:rPr>
+              <a:t>(</a:t>
+            </a:r>
+            <a:r>
+              <a:rPr kumimoji="0" lang="de-DE" altLang="de-DE" sz="2000" b="0" i="0" u="none" strike="noStrike" cap="none" normalizeH="0" baseline="0" dirty="0">
+                <a:ln>
+                  <a:noFill/>
+                </a:ln>
+                <a:solidFill>
+                  <a:srgbClr val="6A8759"/>
+                </a:solidFill>
+                <a:effectLst/>
+                <a:latin typeface="JetBrains Mono"/>
+              </a:rPr>
+              <a:t>"Radius:"</a:t>
+            </a:r>
+            <a:r>
+              <a:rPr kumimoji="0" lang="de-DE" altLang="de-DE" sz="2000" b="0" i="0" u="none" strike="noStrike" cap="none" normalizeH="0" baseline="0" dirty="0">
+                <a:ln>
+                  <a:noFill/>
+                </a:ln>
+                <a:solidFill>
+                  <a:srgbClr val="CC7832"/>
+                </a:solidFill>
+                <a:effectLst/>
+                <a:latin typeface="JetBrains Mono"/>
+              </a:rPr>
               <a:t>, </a:t>
             </a:r>
             <a:r>
-              <a:rPr kumimoji="0" lang="de-DE" altLang="de-DE" sz="2000" b="0" i="0" u="none" strike="noStrike" cap="none" normalizeH="0" baseline="0" dirty="0" smtClean="0">
+              <a:rPr kumimoji="0" lang="de-DE" altLang="de-DE" sz="2000" b="0" i="0" u="none" strike="noStrike" cap="none" normalizeH="0" baseline="0" dirty="0">
+                <a:ln>
+                  <a:noFill/>
+                </a:ln>
+                <a:solidFill>
+                  <a:srgbClr val="6897BB"/>
+                </a:solidFill>
+                <a:effectLst/>
+                <a:latin typeface="JetBrains Mono"/>
+              </a:rPr>
+              <a:t>5</a:t>
+            </a:r>
+            <a:r>
+              <a:rPr kumimoji="0" lang="de-DE" altLang="de-DE" sz="2000" b="0" i="0" u="none" strike="noStrike" cap="none" normalizeH="0" baseline="0" dirty="0">
+                <a:ln>
+                  <a:noFill/>
+                </a:ln>
+                <a:solidFill>
+                  <a:srgbClr val="CC7832"/>
+                </a:solidFill>
+                <a:effectLst/>
+                <a:latin typeface="JetBrains Mono"/>
+              </a:rPr>
+              <a:t>, </a:t>
+            </a:r>
+            <a:r>
+              <a:rPr kumimoji="0" lang="de-DE" altLang="de-DE" sz="2000" b="0" i="0" u="none" strike="noStrike" cap="none" normalizeH="0" baseline="0" dirty="0">
                 <a:ln>
                   <a:noFill/>
                 </a:ln>
@@ -3542,10 +4029,956 @@
                 <a:effectLst/>
                 <a:latin typeface="JetBrains Mono"/>
               </a:rPr>
+              <a:t>" --&gt; "</a:t>
+            </a:r>
+            <a:r>
+              <a:rPr kumimoji="0" lang="de-DE" altLang="de-DE" sz="2000" b="0" i="0" u="none" strike="noStrike" cap="none" normalizeH="0" baseline="0" dirty="0">
+                <a:ln>
+                  <a:noFill/>
+                </a:ln>
+                <a:solidFill>
+                  <a:srgbClr val="CC7832"/>
+                </a:solidFill>
+                <a:effectLst/>
+                <a:latin typeface="JetBrains Mono"/>
+              </a:rPr>
+              <a:t>, </a:t>
+            </a:r>
+            <a:r>
+              <a:rPr kumimoji="0" lang="de-DE" altLang="de-DE" sz="2000" b="0" i="0" u="none" strike="noStrike" cap="none" normalizeH="0" baseline="0" dirty="0">
+                <a:ln>
+                  <a:noFill/>
+                </a:ln>
+                <a:solidFill>
+                  <a:srgbClr val="6A8759"/>
+                </a:solidFill>
+                <a:effectLst/>
+                <a:latin typeface="JetBrains Mono"/>
+              </a:rPr>
+              <a:t>"Umfang:"</a:t>
+            </a:r>
+            <a:r>
+              <a:rPr kumimoji="0" lang="de-DE" altLang="de-DE" sz="2000" b="0" i="0" u="none" strike="noStrike" cap="none" normalizeH="0" baseline="0" dirty="0">
+                <a:ln>
+                  <a:noFill/>
+                </a:ln>
+                <a:solidFill>
+                  <a:srgbClr val="CC7832"/>
+                </a:solidFill>
+                <a:effectLst/>
+                <a:latin typeface="JetBrains Mono"/>
+              </a:rPr>
+              <a:t>, </a:t>
+            </a:r>
+            <a:r>
+              <a:rPr kumimoji="0" lang="de-DE" altLang="de-DE" sz="2000" b="0" i="0" u="none" strike="noStrike" cap="none" normalizeH="0" baseline="0" dirty="0">
+                <a:ln>
+                  <a:noFill/>
+                </a:ln>
+                <a:solidFill>
+                  <a:srgbClr val="6897BB"/>
+                </a:solidFill>
+                <a:effectLst/>
+                <a:latin typeface="JetBrains Mono"/>
+              </a:rPr>
+              <a:t>2</a:t>
+            </a:r>
+            <a:r>
+              <a:rPr kumimoji="0" lang="de-DE" altLang="de-DE" sz="2000" b="0" i="0" u="none" strike="noStrike" cap="none" normalizeH="0" baseline="0" dirty="0">
+                <a:ln>
+                  <a:noFill/>
+                </a:ln>
+                <a:solidFill>
+                  <a:srgbClr val="A9B7C6"/>
+                </a:solidFill>
+                <a:effectLst/>
+                <a:latin typeface="JetBrains Mono"/>
+              </a:rPr>
+              <a:t>*</a:t>
+            </a:r>
+            <a:r>
+              <a:rPr kumimoji="0" lang="de-DE" altLang="de-DE" sz="2000" b="0" i="0" u="none" strike="noStrike" cap="none" normalizeH="0" baseline="0" dirty="0">
+                <a:ln>
+                  <a:noFill/>
+                </a:ln>
+                <a:solidFill>
+                  <a:srgbClr val="6897BB"/>
+                </a:solidFill>
+                <a:effectLst/>
+                <a:latin typeface="JetBrains Mono"/>
+              </a:rPr>
+              <a:t>5</a:t>
+            </a:r>
+            <a:r>
+              <a:rPr kumimoji="0" lang="de-DE" altLang="de-DE" sz="2000" b="0" i="0" u="none" strike="noStrike" cap="none" normalizeH="0" baseline="0" dirty="0">
+                <a:ln>
+                  <a:noFill/>
+                </a:ln>
+                <a:solidFill>
+                  <a:srgbClr val="A9B7C6"/>
+                </a:solidFill>
+                <a:effectLst/>
+                <a:latin typeface="JetBrains Mono"/>
+              </a:rPr>
+              <a:t>*</a:t>
+            </a:r>
+            <a:r>
+              <a:rPr kumimoji="0" lang="de-DE" altLang="de-DE" sz="2000" b="0" i="0" u="none" strike="noStrike" cap="none" normalizeH="0" baseline="0" dirty="0">
+                <a:ln>
+                  <a:noFill/>
+                </a:ln>
+                <a:solidFill>
+                  <a:srgbClr val="6897BB"/>
+                </a:solidFill>
+                <a:effectLst/>
+                <a:latin typeface="JetBrains Mono"/>
+              </a:rPr>
+              <a:t>3.141592</a:t>
+            </a:r>
+            <a:r>
+              <a:rPr kumimoji="0" lang="de-DE" altLang="de-DE" sz="2000" b="0" i="0" u="none" strike="noStrike" cap="none" normalizeH="0" baseline="0" dirty="0">
+                <a:ln>
+                  <a:noFill/>
+                </a:ln>
+                <a:solidFill>
+                  <a:srgbClr val="A9B7C6"/>
+                </a:solidFill>
+                <a:effectLst/>
+                <a:latin typeface="JetBrains Mono"/>
+              </a:rPr>
+              <a:t>)      </a:t>
+            </a:r>
+            <a:r>
+              <a:rPr kumimoji="0" lang="de-DE" altLang="de-DE" sz="2000" b="0" i="0" u="none" strike="noStrike" cap="none" normalizeH="0" baseline="0" dirty="0">
+                <a:ln>
+                  <a:noFill/>
+                </a:ln>
+                <a:solidFill>
+                  <a:srgbClr val="808080"/>
+                </a:solidFill>
+                <a:effectLst/>
+                <a:latin typeface="JetBrains Mono"/>
+              </a:rPr>
+              <a:t># Zahlenwerte</a:t>
+            </a:r>
+            <a:br>
+              <a:rPr kumimoji="0" lang="de-DE" altLang="de-DE" sz="2000" b="0" i="0" u="none" strike="noStrike" cap="none" normalizeH="0" baseline="0" dirty="0">
+                <a:ln>
+                  <a:noFill/>
+                </a:ln>
+                <a:solidFill>
+                  <a:srgbClr val="808080"/>
+                </a:solidFill>
+                <a:effectLst/>
+                <a:latin typeface="JetBrains Mono"/>
+              </a:rPr>
+            </a:br>
+            <a:r>
+              <a:rPr kumimoji="0" lang="de-DE" altLang="de-DE" sz="2000" b="0" i="0" u="none" strike="noStrike" cap="none" normalizeH="0" baseline="0" dirty="0" err="1">
+                <a:ln>
+                  <a:noFill/>
+                </a:ln>
+                <a:solidFill>
+                  <a:srgbClr val="8888C6"/>
+                </a:solidFill>
+                <a:effectLst/>
+                <a:latin typeface="JetBrains Mono"/>
+              </a:rPr>
+              <a:t>print</a:t>
+            </a:r>
+            <a:r>
+              <a:rPr kumimoji="0" lang="de-DE" altLang="de-DE" sz="2000" b="0" i="0" u="none" strike="noStrike" cap="none" normalizeH="0" baseline="0" dirty="0">
+                <a:ln>
+                  <a:noFill/>
+                </a:ln>
+                <a:solidFill>
+                  <a:srgbClr val="A9B7C6"/>
+                </a:solidFill>
+                <a:effectLst/>
+                <a:latin typeface="JetBrains Mono"/>
+              </a:rPr>
+              <a:t>(</a:t>
+            </a:r>
+            <a:r>
+              <a:rPr kumimoji="0" lang="de-DE" altLang="de-DE" sz="2000" b="0" i="0" u="none" strike="noStrike" cap="none" normalizeH="0" baseline="0" dirty="0">
+                <a:ln>
+                  <a:noFill/>
+                </a:ln>
+                <a:solidFill>
+                  <a:srgbClr val="6A8759"/>
+                </a:solidFill>
+                <a:effectLst/>
+                <a:latin typeface="JetBrains Mono"/>
+              </a:rPr>
+              <a:t>"Radius:"</a:t>
+            </a:r>
+            <a:r>
+              <a:rPr kumimoji="0" lang="de-DE" altLang="de-DE" sz="2000" b="0" i="0" u="none" strike="noStrike" cap="none" normalizeH="0" baseline="0" dirty="0">
+                <a:ln>
+                  <a:noFill/>
+                </a:ln>
+                <a:solidFill>
+                  <a:srgbClr val="CC7832"/>
+                </a:solidFill>
+                <a:effectLst/>
+                <a:latin typeface="JetBrains Mono"/>
+              </a:rPr>
+              <a:t>, </a:t>
+            </a:r>
+            <a:r>
+              <a:rPr kumimoji="0" lang="de-DE" altLang="de-DE" sz="2000" b="0" i="0" u="none" strike="noStrike" cap="none" normalizeH="0" baseline="0" dirty="0">
+                <a:ln>
+                  <a:noFill/>
+                </a:ln>
+                <a:solidFill>
+                  <a:srgbClr val="6897BB"/>
+                </a:solidFill>
+                <a:effectLst/>
+                <a:latin typeface="JetBrains Mono"/>
+              </a:rPr>
+              <a:t>5</a:t>
+            </a:r>
+            <a:r>
+              <a:rPr kumimoji="0" lang="de-DE" altLang="de-DE" sz="2000" b="0" i="0" u="none" strike="noStrike" cap="none" normalizeH="0" baseline="0" dirty="0">
+                <a:ln>
+                  <a:noFill/>
+                </a:ln>
+                <a:solidFill>
+                  <a:srgbClr val="CC7832"/>
+                </a:solidFill>
+                <a:effectLst/>
+                <a:latin typeface="JetBrains Mono"/>
+              </a:rPr>
+              <a:t>, </a:t>
+            </a:r>
+            <a:r>
+              <a:rPr kumimoji="0" lang="de-DE" altLang="de-DE" sz="2000" b="0" i="0" u="none" strike="noStrike" cap="none" normalizeH="0" baseline="0" dirty="0">
+                <a:ln>
+                  <a:noFill/>
+                </a:ln>
+                <a:solidFill>
+                  <a:srgbClr val="6A8759"/>
+                </a:solidFill>
+                <a:effectLst/>
+                <a:latin typeface="JetBrains Mono"/>
+              </a:rPr>
+              <a:t>" --&gt; "</a:t>
+            </a:r>
+            <a:r>
+              <a:rPr kumimoji="0" lang="de-DE" altLang="de-DE" sz="2000" b="0" i="0" u="none" strike="noStrike" cap="none" normalizeH="0" baseline="0" dirty="0">
+                <a:ln>
+                  <a:noFill/>
+                </a:ln>
+                <a:solidFill>
+                  <a:srgbClr val="CC7832"/>
+                </a:solidFill>
+                <a:effectLst/>
+                <a:latin typeface="JetBrains Mono"/>
+              </a:rPr>
+              <a:t>, </a:t>
+            </a:r>
+            <a:r>
+              <a:rPr kumimoji="0" lang="de-DE" altLang="de-DE" sz="2000" b="0" i="0" u="none" strike="noStrike" cap="none" normalizeH="0" baseline="0" dirty="0">
+                <a:ln>
+                  <a:noFill/>
+                </a:ln>
+                <a:solidFill>
+                  <a:srgbClr val="6A8759"/>
+                </a:solidFill>
+                <a:effectLst/>
+                <a:latin typeface="JetBrains Mono"/>
+              </a:rPr>
+              <a:t>"Umfang:"</a:t>
+            </a:r>
+            <a:r>
+              <a:rPr kumimoji="0" lang="de-DE" altLang="de-DE" sz="2000" b="0" i="0" u="none" strike="noStrike" cap="none" normalizeH="0" baseline="0" dirty="0">
+                <a:ln>
+                  <a:noFill/>
+                </a:ln>
+                <a:solidFill>
+                  <a:srgbClr val="CC7832"/>
+                </a:solidFill>
+                <a:effectLst/>
+                <a:latin typeface="JetBrains Mono"/>
+              </a:rPr>
+              <a:t>, </a:t>
+            </a:r>
+            <a:r>
+              <a:rPr kumimoji="0" lang="de-DE" altLang="de-DE" sz="2000" b="0" i="0" u="none" strike="noStrike" cap="none" normalizeH="0" baseline="0" dirty="0">
+                <a:ln>
+                  <a:noFill/>
+                </a:ln>
+                <a:solidFill>
+                  <a:srgbClr val="6897BB"/>
+                </a:solidFill>
+                <a:effectLst/>
+                <a:latin typeface="JetBrains Mono"/>
+              </a:rPr>
+              <a:t>2</a:t>
+            </a:r>
+            <a:r>
+              <a:rPr kumimoji="0" lang="de-DE" altLang="de-DE" sz="2000" b="0" i="0" u="none" strike="noStrike" cap="none" normalizeH="0" baseline="0" dirty="0">
+                <a:ln>
+                  <a:noFill/>
+                </a:ln>
+                <a:solidFill>
+                  <a:srgbClr val="A9B7C6"/>
+                </a:solidFill>
+                <a:effectLst/>
+                <a:latin typeface="JetBrains Mono"/>
+              </a:rPr>
+              <a:t>*</a:t>
+            </a:r>
+            <a:r>
+              <a:rPr kumimoji="0" lang="de-DE" altLang="de-DE" sz="2000" b="0" i="0" u="none" strike="noStrike" cap="none" normalizeH="0" baseline="0" dirty="0">
+                <a:ln>
+                  <a:noFill/>
+                </a:ln>
+                <a:solidFill>
+                  <a:srgbClr val="6897BB"/>
+                </a:solidFill>
+                <a:effectLst/>
+                <a:latin typeface="JetBrains Mono"/>
+              </a:rPr>
+              <a:t>5</a:t>
+            </a:r>
+            <a:r>
+              <a:rPr kumimoji="0" lang="de-DE" altLang="de-DE" sz="2000" b="0" i="0" u="none" strike="noStrike" cap="none" normalizeH="0" baseline="0" dirty="0">
+                <a:ln>
+                  <a:noFill/>
+                </a:ln>
+                <a:solidFill>
+                  <a:srgbClr val="A9B7C6"/>
+                </a:solidFill>
+                <a:effectLst/>
+                <a:latin typeface="JetBrains Mono"/>
+              </a:rPr>
+              <a:t>*</a:t>
+            </a:r>
+            <a:r>
+              <a:rPr kumimoji="0" lang="de-DE" altLang="de-DE" sz="2000" b="0" i="0" u="none" strike="noStrike" cap="none" normalizeH="0" baseline="0" dirty="0">
+                <a:ln>
+                  <a:noFill/>
+                </a:ln>
+                <a:solidFill>
+                  <a:srgbClr val="6897BB"/>
+                </a:solidFill>
+                <a:effectLst/>
+                <a:latin typeface="JetBrains Mono"/>
+              </a:rPr>
+              <a:t>3.141592</a:t>
+            </a:r>
+            <a:r>
+              <a:rPr kumimoji="0" lang="de-DE" altLang="de-DE" sz="2000" b="0" i="0" u="none" strike="noStrike" cap="none" normalizeH="0" baseline="0" dirty="0">
+                <a:ln>
+                  <a:noFill/>
+                </a:ln>
+                <a:solidFill>
+                  <a:srgbClr val="CC7832"/>
+                </a:solidFill>
+                <a:effectLst/>
+                <a:latin typeface="JetBrains Mono"/>
+              </a:rPr>
+              <a:t>, </a:t>
+            </a:r>
+            <a:r>
+              <a:rPr kumimoji="0" lang="de-DE" altLang="de-DE" sz="2000" b="0" i="0" u="none" strike="noStrike" cap="none" normalizeH="0" baseline="0" dirty="0" err="1">
+                <a:ln>
+                  <a:noFill/>
+                </a:ln>
+                <a:solidFill>
+                  <a:srgbClr val="AA4926"/>
+                </a:solidFill>
+                <a:effectLst/>
+                <a:latin typeface="JetBrains Mono"/>
+              </a:rPr>
+              <a:t>sep</a:t>
+            </a:r>
+            <a:r>
+              <a:rPr kumimoji="0" lang="de-DE" altLang="de-DE" sz="2000" b="0" i="0" u="none" strike="noStrike" cap="none" normalizeH="0" baseline="0" dirty="0">
+                <a:ln>
+                  <a:noFill/>
+                </a:ln>
+                <a:solidFill>
+                  <a:srgbClr val="A9B7C6"/>
+                </a:solidFill>
+                <a:effectLst/>
+                <a:latin typeface="JetBrains Mono"/>
+              </a:rPr>
+              <a:t>=</a:t>
+            </a:r>
+            <a:r>
+              <a:rPr kumimoji="0" lang="de-DE" altLang="de-DE" sz="2000" b="0" i="0" u="none" strike="noStrike" cap="none" normalizeH="0" baseline="0" dirty="0">
+                <a:ln>
+                  <a:noFill/>
+                </a:ln>
+                <a:solidFill>
+                  <a:srgbClr val="6A8759"/>
+                </a:solidFill>
+                <a:effectLst/>
+                <a:latin typeface="JetBrains Mono"/>
+              </a:rPr>
+              <a:t>""</a:t>
+            </a:r>
+            <a:r>
+              <a:rPr kumimoji="0" lang="de-DE" altLang="de-DE" sz="2000" b="0" i="0" u="none" strike="noStrike" cap="none" normalizeH="0" baseline="0" dirty="0">
+                <a:ln>
+                  <a:noFill/>
+                </a:ln>
+                <a:solidFill>
+                  <a:srgbClr val="A9B7C6"/>
+                </a:solidFill>
+                <a:effectLst/>
+                <a:latin typeface="JetBrains Mono"/>
+              </a:rPr>
+              <a:t>)</a:t>
+            </a:r>
+            <a:br>
+              <a:rPr kumimoji="0" lang="de-DE" altLang="de-DE" sz="2000" b="0" i="0" u="none" strike="noStrike" cap="none" normalizeH="0" baseline="0" dirty="0">
+                <a:ln>
+                  <a:noFill/>
+                </a:ln>
+                <a:solidFill>
+                  <a:srgbClr val="A9B7C6"/>
+                </a:solidFill>
+                <a:effectLst/>
+                <a:latin typeface="JetBrains Mono"/>
+              </a:rPr>
+            </a:br>
+            <a:r>
+              <a:rPr kumimoji="0" lang="de-DE" altLang="de-DE" sz="2000" b="0" i="0" u="none" strike="noStrike" cap="none" normalizeH="0" baseline="0" dirty="0" err="1">
+                <a:ln>
+                  <a:noFill/>
+                </a:ln>
+                <a:solidFill>
+                  <a:srgbClr val="8888C6"/>
+                </a:solidFill>
+                <a:effectLst/>
+                <a:latin typeface="JetBrains Mono"/>
+              </a:rPr>
+              <a:t>print</a:t>
+            </a:r>
+            <a:r>
+              <a:rPr kumimoji="0" lang="de-DE" altLang="de-DE" sz="2000" b="0" i="0" u="none" strike="noStrike" cap="none" normalizeH="0" baseline="0" dirty="0">
+                <a:ln>
+                  <a:noFill/>
+                </a:ln>
+                <a:solidFill>
+                  <a:srgbClr val="A9B7C6"/>
+                </a:solidFill>
+                <a:effectLst/>
+                <a:latin typeface="JetBrains Mono"/>
+              </a:rPr>
+              <a:t>(</a:t>
+            </a:r>
+            <a:r>
+              <a:rPr kumimoji="0" lang="de-DE" altLang="de-DE" sz="2000" b="0" i="0" u="none" strike="noStrike" cap="none" normalizeH="0" baseline="0" dirty="0">
+                <a:ln>
+                  <a:noFill/>
+                </a:ln>
+                <a:solidFill>
+                  <a:srgbClr val="6A8759"/>
+                </a:solidFill>
+                <a:effectLst/>
+                <a:latin typeface="JetBrains Mono"/>
+              </a:rPr>
+              <a:t>"Radius:"</a:t>
+            </a:r>
+            <a:r>
+              <a:rPr kumimoji="0" lang="de-DE" altLang="de-DE" sz="2000" b="0" i="0" u="none" strike="noStrike" cap="none" normalizeH="0" baseline="0" dirty="0">
+                <a:ln>
+                  <a:noFill/>
+                </a:ln>
+                <a:solidFill>
+                  <a:srgbClr val="CC7832"/>
+                </a:solidFill>
+                <a:effectLst/>
+                <a:latin typeface="JetBrains Mono"/>
+              </a:rPr>
+              <a:t>, </a:t>
+            </a:r>
+            <a:r>
+              <a:rPr kumimoji="0" lang="de-DE" altLang="de-DE" sz="2000" b="0" i="0" u="none" strike="noStrike" cap="none" normalizeH="0" baseline="0" dirty="0">
+                <a:ln>
+                  <a:noFill/>
+                </a:ln>
+                <a:solidFill>
+                  <a:srgbClr val="6897BB"/>
+                </a:solidFill>
+                <a:effectLst/>
+                <a:latin typeface="JetBrains Mono"/>
+              </a:rPr>
+              <a:t>5</a:t>
+            </a:r>
+            <a:r>
+              <a:rPr kumimoji="0" lang="de-DE" altLang="de-DE" sz="2000" b="0" i="0" u="none" strike="noStrike" cap="none" normalizeH="0" baseline="0" dirty="0">
+                <a:ln>
+                  <a:noFill/>
+                </a:ln>
+                <a:solidFill>
+                  <a:srgbClr val="CC7832"/>
+                </a:solidFill>
+                <a:effectLst/>
+                <a:latin typeface="JetBrains Mono"/>
+              </a:rPr>
+              <a:t>, </a:t>
+            </a:r>
+            <a:r>
+              <a:rPr kumimoji="0" lang="de-DE" altLang="de-DE" sz="2000" b="0" i="0" u="none" strike="noStrike" cap="none" normalizeH="0" baseline="0" dirty="0">
+                <a:ln>
+                  <a:noFill/>
+                </a:ln>
+                <a:solidFill>
+                  <a:srgbClr val="6A8759"/>
+                </a:solidFill>
+                <a:effectLst/>
+                <a:latin typeface="JetBrains Mono"/>
+              </a:rPr>
+              <a:t>" --&gt; "</a:t>
+            </a:r>
+            <a:r>
+              <a:rPr kumimoji="0" lang="de-DE" altLang="de-DE" sz="2000" b="0" i="0" u="none" strike="noStrike" cap="none" normalizeH="0" baseline="0" dirty="0">
+                <a:ln>
+                  <a:noFill/>
+                </a:ln>
+                <a:solidFill>
+                  <a:srgbClr val="CC7832"/>
+                </a:solidFill>
+                <a:effectLst/>
+                <a:latin typeface="JetBrains Mono"/>
+              </a:rPr>
+              <a:t>, </a:t>
+            </a:r>
+            <a:r>
+              <a:rPr kumimoji="0" lang="de-DE" altLang="de-DE" sz="2000" b="0" i="0" u="none" strike="noStrike" cap="none" normalizeH="0" baseline="0" dirty="0">
+                <a:ln>
+                  <a:noFill/>
+                </a:ln>
+                <a:solidFill>
+                  <a:srgbClr val="6A8759"/>
+                </a:solidFill>
+                <a:effectLst/>
+                <a:latin typeface="JetBrains Mono"/>
+              </a:rPr>
+              <a:t>"Umfang:"</a:t>
+            </a:r>
+            <a:r>
+              <a:rPr kumimoji="0" lang="de-DE" altLang="de-DE" sz="2000" b="0" i="0" u="none" strike="noStrike" cap="none" normalizeH="0" baseline="0" dirty="0">
+                <a:ln>
+                  <a:noFill/>
+                </a:ln>
+                <a:solidFill>
+                  <a:srgbClr val="CC7832"/>
+                </a:solidFill>
+                <a:effectLst/>
+                <a:latin typeface="JetBrains Mono"/>
+              </a:rPr>
+              <a:t>, </a:t>
+            </a:r>
+            <a:r>
+              <a:rPr kumimoji="0" lang="de-DE" altLang="de-DE" sz="2000" b="0" i="0" u="none" strike="noStrike" cap="none" normalizeH="0" baseline="0" dirty="0">
+                <a:ln>
+                  <a:noFill/>
+                </a:ln>
+                <a:solidFill>
+                  <a:srgbClr val="6897BB"/>
+                </a:solidFill>
+                <a:effectLst/>
+                <a:latin typeface="JetBrains Mono"/>
+              </a:rPr>
+              <a:t>2</a:t>
+            </a:r>
+            <a:r>
+              <a:rPr kumimoji="0" lang="de-DE" altLang="de-DE" sz="2000" b="0" i="0" u="none" strike="noStrike" cap="none" normalizeH="0" baseline="0" dirty="0">
+                <a:ln>
+                  <a:noFill/>
+                </a:ln>
+                <a:solidFill>
+                  <a:srgbClr val="A9B7C6"/>
+                </a:solidFill>
+                <a:effectLst/>
+                <a:latin typeface="JetBrains Mono"/>
+              </a:rPr>
+              <a:t>*</a:t>
+            </a:r>
+            <a:r>
+              <a:rPr kumimoji="0" lang="de-DE" altLang="de-DE" sz="2000" b="0" i="0" u="none" strike="noStrike" cap="none" normalizeH="0" baseline="0" dirty="0">
+                <a:ln>
+                  <a:noFill/>
+                </a:ln>
+                <a:solidFill>
+                  <a:srgbClr val="6897BB"/>
+                </a:solidFill>
+                <a:effectLst/>
+                <a:latin typeface="JetBrains Mono"/>
+              </a:rPr>
+              <a:t>5</a:t>
+            </a:r>
+            <a:r>
+              <a:rPr kumimoji="0" lang="de-DE" altLang="de-DE" sz="2000" b="0" i="0" u="none" strike="noStrike" cap="none" normalizeH="0" baseline="0" dirty="0">
+                <a:ln>
+                  <a:noFill/>
+                </a:ln>
+                <a:solidFill>
+                  <a:srgbClr val="A9B7C6"/>
+                </a:solidFill>
+                <a:effectLst/>
+                <a:latin typeface="JetBrains Mono"/>
+              </a:rPr>
+              <a:t>*</a:t>
+            </a:r>
+            <a:r>
+              <a:rPr kumimoji="0" lang="de-DE" altLang="de-DE" sz="2000" b="0" i="0" u="none" strike="noStrike" cap="none" normalizeH="0" baseline="0" dirty="0">
+                <a:ln>
+                  <a:noFill/>
+                </a:ln>
+                <a:solidFill>
+                  <a:srgbClr val="6897BB"/>
+                </a:solidFill>
+                <a:effectLst/>
+                <a:latin typeface="JetBrains Mono"/>
+              </a:rPr>
+              <a:t>3.141592</a:t>
+            </a:r>
+            <a:r>
+              <a:rPr kumimoji="0" lang="de-DE" altLang="de-DE" sz="2000" b="0" i="0" u="none" strike="noStrike" cap="none" normalizeH="0" baseline="0" dirty="0">
+                <a:ln>
+                  <a:noFill/>
+                </a:ln>
+                <a:solidFill>
+                  <a:srgbClr val="CC7832"/>
+                </a:solidFill>
+                <a:effectLst/>
+                <a:latin typeface="JetBrains Mono"/>
+              </a:rPr>
+              <a:t>, </a:t>
+            </a:r>
+            <a:r>
+              <a:rPr kumimoji="0" lang="de-DE" altLang="de-DE" sz="2000" b="0" i="0" u="none" strike="noStrike" cap="none" normalizeH="0" baseline="0" dirty="0" err="1">
+                <a:ln>
+                  <a:noFill/>
+                </a:ln>
+                <a:solidFill>
+                  <a:srgbClr val="AA4926"/>
+                </a:solidFill>
+                <a:effectLst/>
+                <a:latin typeface="JetBrains Mono"/>
+              </a:rPr>
+              <a:t>sep</a:t>
+            </a:r>
+            <a:r>
+              <a:rPr kumimoji="0" lang="de-DE" altLang="de-DE" sz="2000" b="0" i="0" u="none" strike="noStrike" cap="none" normalizeH="0" baseline="0" dirty="0">
+                <a:ln>
+                  <a:noFill/>
+                </a:ln>
+                <a:solidFill>
+                  <a:srgbClr val="A9B7C6"/>
+                </a:solidFill>
+                <a:effectLst/>
+                <a:latin typeface="JetBrains Mono"/>
+              </a:rPr>
+              <a:t>=</a:t>
+            </a:r>
+            <a:r>
+              <a:rPr kumimoji="0" lang="de-DE" altLang="de-DE" sz="2000" b="0" i="0" u="none" strike="noStrike" cap="none" normalizeH="0" baseline="0" dirty="0">
+                <a:ln>
+                  <a:noFill/>
+                </a:ln>
+                <a:solidFill>
+                  <a:srgbClr val="6A8759"/>
+                </a:solidFill>
+                <a:effectLst/>
+                <a:latin typeface="JetBrains Mono"/>
+              </a:rPr>
+              <a:t>"::"</a:t>
+            </a:r>
+            <a:r>
+              <a:rPr kumimoji="0" lang="de-DE" altLang="de-DE" sz="2000" b="0" i="0" u="none" strike="noStrike" cap="none" normalizeH="0" baseline="0" dirty="0">
+                <a:ln>
+                  <a:noFill/>
+                </a:ln>
+                <a:solidFill>
+                  <a:srgbClr val="A9B7C6"/>
+                </a:solidFill>
+                <a:effectLst/>
+                <a:latin typeface="JetBrains Mono"/>
+              </a:rPr>
+              <a:t>)</a:t>
+            </a:r>
+            <a:br>
+              <a:rPr kumimoji="0" lang="de-DE" altLang="de-DE" sz="2000" b="0" i="0" u="none" strike="noStrike" cap="none" normalizeH="0" baseline="0" dirty="0">
+                <a:ln>
+                  <a:noFill/>
+                </a:ln>
+                <a:solidFill>
+                  <a:srgbClr val="A9B7C6"/>
+                </a:solidFill>
+                <a:effectLst/>
+                <a:latin typeface="JetBrains Mono"/>
+              </a:rPr>
+            </a:br>
+            <a:r>
+              <a:rPr kumimoji="0" lang="de-DE" altLang="de-DE" sz="2000" b="0" i="0" u="none" strike="noStrike" cap="none" normalizeH="0" baseline="0" dirty="0" err="1">
+                <a:ln>
+                  <a:noFill/>
+                </a:ln>
+                <a:solidFill>
+                  <a:srgbClr val="8888C6"/>
+                </a:solidFill>
+                <a:effectLst/>
+                <a:latin typeface="JetBrains Mono"/>
+              </a:rPr>
+              <a:t>print</a:t>
+            </a:r>
+            <a:r>
+              <a:rPr kumimoji="0" lang="de-DE" altLang="de-DE" sz="2000" b="0" i="0" u="none" strike="noStrike" cap="none" normalizeH="0" baseline="0" dirty="0">
+                <a:ln>
+                  <a:noFill/>
+                </a:ln>
+                <a:solidFill>
+                  <a:srgbClr val="A9B7C6"/>
+                </a:solidFill>
+                <a:effectLst/>
+                <a:latin typeface="JetBrains Mono"/>
+              </a:rPr>
+              <a:t>(</a:t>
+            </a:r>
+            <a:r>
+              <a:rPr kumimoji="0" lang="de-DE" altLang="de-DE" sz="2000" b="0" i="0" u="none" strike="noStrike" cap="none" normalizeH="0" baseline="0" dirty="0">
+                <a:ln>
+                  <a:noFill/>
+                </a:ln>
+                <a:solidFill>
+                  <a:srgbClr val="6A8759"/>
+                </a:solidFill>
+                <a:effectLst/>
+                <a:latin typeface="JetBrains Mono"/>
+              </a:rPr>
+              <a:t>"Radius:"</a:t>
+            </a:r>
+            <a:r>
+              <a:rPr kumimoji="0" lang="de-DE" altLang="de-DE" sz="2000" b="0" i="0" u="none" strike="noStrike" cap="none" normalizeH="0" baseline="0" dirty="0">
+                <a:ln>
+                  <a:noFill/>
+                </a:ln>
+                <a:solidFill>
+                  <a:srgbClr val="CC7832"/>
+                </a:solidFill>
+                <a:effectLst/>
+                <a:latin typeface="JetBrains Mono"/>
+              </a:rPr>
+              <a:t>, </a:t>
+            </a:r>
+            <a:r>
+              <a:rPr kumimoji="0" lang="de-DE" altLang="de-DE" sz="2000" b="0" i="0" u="none" strike="noStrike" cap="none" normalizeH="0" baseline="0" dirty="0">
+                <a:ln>
+                  <a:noFill/>
+                </a:ln>
+                <a:solidFill>
+                  <a:srgbClr val="6897BB"/>
+                </a:solidFill>
+                <a:effectLst/>
+                <a:latin typeface="JetBrains Mono"/>
+              </a:rPr>
+              <a:t>5</a:t>
+            </a:r>
+            <a:r>
+              <a:rPr kumimoji="0" lang="de-DE" altLang="de-DE" sz="2000" b="0" i="0" u="none" strike="noStrike" cap="none" normalizeH="0" baseline="0" dirty="0">
+                <a:ln>
+                  <a:noFill/>
+                </a:ln>
+                <a:solidFill>
+                  <a:srgbClr val="CC7832"/>
+                </a:solidFill>
+                <a:effectLst/>
+                <a:latin typeface="JetBrains Mono"/>
+              </a:rPr>
+              <a:t>, </a:t>
+            </a:r>
+            <a:r>
+              <a:rPr kumimoji="0" lang="de-DE" altLang="de-DE" sz="2000" b="0" i="0" u="none" strike="noStrike" cap="none" normalizeH="0" baseline="0" dirty="0">
+                <a:ln>
+                  <a:noFill/>
+                </a:ln>
+                <a:solidFill>
+                  <a:srgbClr val="6A8759"/>
+                </a:solidFill>
+                <a:effectLst/>
+                <a:latin typeface="JetBrains Mono"/>
+              </a:rPr>
+              <a:t>" --&gt; "</a:t>
+            </a:r>
+            <a:r>
+              <a:rPr kumimoji="0" lang="de-DE" altLang="de-DE" sz="2000" b="0" i="0" u="none" strike="noStrike" cap="none" normalizeH="0" baseline="0" dirty="0">
+                <a:ln>
+                  <a:noFill/>
+                </a:ln>
+                <a:solidFill>
+                  <a:srgbClr val="CC7832"/>
+                </a:solidFill>
+                <a:effectLst/>
+                <a:latin typeface="JetBrains Mono"/>
+              </a:rPr>
+              <a:t>, </a:t>
+            </a:r>
+            <a:r>
+              <a:rPr kumimoji="0" lang="de-DE" altLang="de-DE" sz="2000" b="0" i="0" u="none" strike="noStrike" cap="none" normalizeH="0" baseline="0" dirty="0">
+                <a:ln>
+                  <a:noFill/>
+                </a:ln>
+                <a:solidFill>
+                  <a:srgbClr val="6A8759"/>
+                </a:solidFill>
+                <a:effectLst/>
+                <a:latin typeface="JetBrains Mono"/>
+              </a:rPr>
+              <a:t>"Umfang:"</a:t>
+            </a:r>
+            <a:r>
+              <a:rPr kumimoji="0" lang="de-DE" altLang="de-DE" sz="2000" b="0" i="0" u="none" strike="noStrike" cap="none" normalizeH="0" baseline="0" dirty="0">
+                <a:ln>
+                  <a:noFill/>
+                </a:ln>
+                <a:solidFill>
+                  <a:srgbClr val="CC7832"/>
+                </a:solidFill>
+                <a:effectLst/>
+                <a:latin typeface="JetBrains Mono"/>
+              </a:rPr>
+              <a:t>, </a:t>
+            </a:r>
+            <a:r>
+              <a:rPr kumimoji="0" lang="de-DE" altLang="de-DE" sz="2000" b="0" i="0" u="none" strike="noStrike" cap="none" normalizeH="0" baseline="0" dirty="0">
+                <a:ln>
+                  <a:noFill/>
+                </a:ln>
+                <a:solidFill>
+                  <a:srgbClr val="6897BB"/>
+                </a:solidFill>
+                <a:effectLst/>
+                <a:latin typeface="JetBrains Mono"/>
+              </a:rPr>
+              <a:t>2</a:t>
+            </a:r>
+            <a:r>
+              <a:rPr kumimoji="0" lang="de-DE" altLang="de-DE" sz="2000" b="0" i="0" u="none" strike="noStrike" cap="none" normalizeH="0" baseline="0" dirty="0">
+                <a:ln>
+                  <a:noFill/>
+                </a:ln>
+                <a:solidFill>
+                  <a:srgbClr val="A9B7C6"/>
+                </a:solidFill>
+                <a:effectLst/>
+                <a:latin typeface="JetBrains Mono"/>
+              </a:rPr>
+              <a:t>*</a:t>
+            </a:r>
+            <a:r>
+              <a:rPr kumimoji="0" lang="de-DE" altLang="de-DE" sz="2000" b="0" i="0" u="none" strike="noStrike" cap="none" normalizeH="0" baseline="0" dirty="0">
+                <a:ln>
+                  <a:noFill/>
+                </a:ln>
+                <a:solidFill>
+                  <a:srgbClr val="6897BB"/>
+                </a:solidFill>
+                <a:effectLst/>
+                <a:latin typeface="JetBrains Mono"/>
+              </a:rPr>
+              <a:t>5</a:t>
+            </a:r>
+            <a:r>
+              <a:rPr kumimoji="0" lang="de-DE" altLang="de-DE" sz="2000" b="0" i="0" u="none" strike="noStrike" cap="none" normalizeH="0" baseline="0" dirty="0">
+                <a:ln>
+                  <a:noFill/>
+                </a:ln>
+                <a:solidFill>
+                  <a:srgbClr val="A9B7C6"/>
+                </a:solidFill>
+                <a:effectLst/>
+                <a:latin typeface="JetBrains Mono"/>
+              </a:rPr>
+              <a:t>*</a:t>
+            </a:r>
+            <a:r>
+              <a:rPr kumimoji="0" lang="de-DE" altLang="de-DE" sz="2000" b="0" i="0" u="none" strike="noStrike" cap="none" normalizeH="0" baseline="0" dirty="0">
+                <a:ln>
+                  <a:noFill/>
+                </a:ln>
+                <a:solidFill>
+                  <a:srgbClr val="6897BB"/>
+                </a:solidFill>
+                <a:effectLst/>
+                <a:latin typeface="JetBrains Mono"/>
+              </a:rPr>
+              <a:t>3.141592</a:t>
+            </a:r>
+            <a:r>
+              <a:rPr kumimoji="0" lang="de-DE" altLang="de-DE" sz="2000" b="0" i="0" u="none" strike="noStrike" cap="none" normalizeH="0" baseline="0" dirty="0">
+                <a:ln>
+                  <a:noFill/>
+                </a:ln>
+                <a:solidFill>
+                  <a:srgbClr val="CC7832"/>
+                </a:solidFill>
+                <a:effectLst/>
+                <a:latin typeface="JetBrains Mono"/>
+              </a:rPr>
+              <a:t>, </a:t>
+            </a:r>
+            <a:r>
+              <a:rPr kumimoji="0" lang="de-DE" altLang="de-DE" sz="2000" b="0" i="0" u="none" strike="noStrike" cap="none" normalizeH="0" baseline="0" dirty="0" err="1">
+                <a:ln>
+                  <a:noFill/>
+                </a:ln>
+                <a:solidFill>
+                  <a:srgbClr val="AA4926"/>
+                </a:solidFill>
+                <a:effectLst/>
+                <a:latin typeface="JetBrains Mono"/>
+              </a:rPr>
+              <a:t>sep</a:t>
+            </a:r>
+            <a:r>
+              <a:rPr kumimoji="0" lang="de-DE" altLang="de-DE" sz="2000" b="0" i="0" u="none" strike="noStrike" cap="none" normalizeH="0" baseline="0" dirty="0">
+                <a:ln>
+                  <a:noFill/>
+                </a:ln>
+                <a:solidFill>
+                  <a:srgbClr val="A9B7C6"/>
+                </a:solidFill>
+                <a:effectLst/>
+                <a:latin typeface="JetBrains Mono"/>
+              </a:rPr>
+              <a:t>=</a:t>
+            </a:r>
+            <a:r>
+              <a:rPr kumimoji="0" lang="de-DE" altLang="de-DE" sz="2000" b="0" i="0" u="none" strike="noStrike" cap="none" normalizeH="0" baseline="0" dirty="0">
+                <a:ln>
+                  <a:noFill/>
+                </a:ln>
+                <a:solidFill>
+                  <a:srgbClr val="6A8759"/>
+                </a:solidFill>
+                <a:effectLst/>
+                <a:latin typeface="JetBrains Mono"/>
+              </a:rPr>
               <a:t>"</a:t>
             </a:r>
             <a:r>
-              <a:rPr kumimoji="0" lang="de-DE" altLang="de-DE" sz="2000" b="0" i="0" u="none" strike="noStrike" cap="none" normalizeH="0" baseline="0" dirty="0" err="1" smtClean="0">
+              <a:rPr kumimoji="0" lang="de-DE" altLang="de-DE" sz="2000" b="0" i="0" u="none" strike="noStrike" cap="none" normalizeH="0" baseline="0" dirty="0">
+                <a:ln>
+                  <a:noFill/>
+                </a:ln>
+                <a:solidFill>
+                  <a:srgbClr val="CC7832"/>
+                </a:solidFill>
+                <a:effectLst/>
+                <a:latin typeface="JetBrains Mono"/>
+              </a:rPr>
+              <a:t>\t</a:t>
+            </a:r>
+            <a:r>
+              <a:rPr kumimoji="0" lang="de-DE" altLang="de-DE" sz="2000" b="0" i="0" u="none" strike="noStrike" cap="none" normalizeH="0" baseline="0" dirty="0">
                 <a:ln>
                   <a:noFill/>
                 </a:ln>
@@ -3555,10 +4988,61 @@
                 <a:effectLst/>
                 <a:latin typeface="JetBrains Mono"/>
               </a:rPr>
-              <a:t>world</a:t>
-            </a:r>
-            <a:r>
-              <a:rPr kumimoji="0" lang="de-DE" altLang="de-DE" sz="2000" b="0" i="0" u="none" strike="noStrike" cap="none" normalizeH="0" baseline="0" dirty="0" smtClean="0">
+              <a:t>"</a:t>
+            </a:r>
+            <a:r>
+              <a:rPr kumimoji="0" lang="de-DE" altLang="de-DE" sz="2000" b="0" i="0" u="none" strike="noStrike" cap="none" normalizeH="0" baseline="0" dirty="0">
+                <a:ln>
+                  <a:noFill/>
+                </a:ln>
+                <a:solidFill>
+                  <a:srgbClr val="A9B7C6"/>
+                </a:solidFill>
+                <a:effectLst/>
+                <a:latin typeface="JetBrains Mono"/>
+              </a:rPr>
+              <a:t>)</a:t>
+            </a:r>
+            <a:br>
+              <a:rPr kumimoji="0" lang="de-DE" altLang="de-DE" sz="2000" b="0" i="0" u="none" strike="noStrike" cap="none" normalizeH="0" baseline="0" dirty="0">
+                <a:ln>
+                  <a:noFill/>
+                </a:ln>
+                <a:solidFill>
+                  <a:srgbClr val="A9B7C6"/>
+                </a:solidFill>
+                <a:effectLst/>
+                <a:latin typeface="JetBrains Mono"/>
+              </a:rPr>
+            </a:br>
+            <a:r>
+              <a:rPr kumimoji="0" lang="de-DE" altLang="de-DE" sz="2000" b="0" i="0" u="none" strike="noStrike" cap="none" normalizeH="0" baseline="0" dirty="0" err="1">
+                <a:ln>
+                  <a:noFill/>
+                </a:ln>
+                <a:solidFill>
+                  <a:srgbClr val="8888C6"/>
+                </a:solidFill>
+                <a:effectLst/>
+                <a:latin typeface="JetBrains Mono"/>
+              </a:rPr>
+              <a:t>print</a:t>
+            </a:r>
+            <a:r>
+              <a:rPr kumimoji="0" lang="de-DE" altLang="de-DE" sz="2000" b="0" i="0" u="none" strike="noStrike" cap="none" normalizeH="0" baseline="0" dirty="0">
+                <a:ln>
+                  <a:noFill/>
+                </a:ln>
+                <a:solidFill>
+                  <a:srgbClr val="A9B7C6"/>
+                </a:solidFill>
+                <a:effectLst/>
+                <a:latin typeface="JetBrains Mono"/>
+              </a:rPr>
+              <a:t>(</a:t>
+            </a:r>
+            <a:r>
+              <a:rPr kumimoji="0" lang="de-DE" altLang="de-DE" sz="2000" b="0" i="0" u="none" strike="noStrike" cap="none" normalizeH="0" baseline="0" dirty="0">
                 <a:ln>
                   <a:noFill/>
                 </a:ln>
@@ -3568,10 +5052,360 @@
                 <a:effectLst/>
                 <a:latin typeface="JetBrains Mono"/>
               </a:rPr>
+              <a:t>"Radius:"</a:t>
+            </a:r>
+            <a:r>
+              <a:rPr kumimoji="0" lang="de-DE" altLang="de-DE" sz="2000" b="0" i="0" u="none" strike="noStrike" cap="none" normalizeH="0" baseline="0" dirty="0">
+                <a:ln>
+                  <a:noFill/>
+                </a:ln>
+                <a:solidFill>
+                  <a:srgbClr val="CC7832"/>
+                </a:solidFill>
+                <a:effectLst/>
+                <a:latin typeface="JetBrains Mono"/>
+              </a:rPr>
+              <a:t>, </a:t>
+            </a:r>
+            <a:r>
+              <a:rPr kumimoji="0" lang="de-DE" altLang="de-DE" sz="2000" b="0" i="0" u="none" strike="noStrike" cap="none" normalizeH="0" baseline="0" dirty="0">
+                <a:ln>
+                  <a:noFill/>
+                </a:ln>
+                <a:solidFill>
+                  <a:srgbClr val="6897BB"/>
+                </a:solidFill>
+                <a:effectLst/>
+                <a:latin typeface="JetBrains Mono"/>
+              </a:rPr>
+              <a:t>5</a:t>
+            </a:r>
+            <a:r>
+              <a:rPr kumimoji="0" lang="de-DE" altLang="de-DE" sz="2000" b="0" i="0" u="none" strike="noStrike" cap="none" normalizeH="0" baseline="0" dirty="0">
+                <a:ln>
+                  <a:noFill/>
+                </a:ln>
+                <a:solidFill>
+                  <a:srgbClr val="CC7832"/>
+                </a:solidFill>
+                <a:effectLst/>
+                <a:latin typeface="JetBrains Mono"/>
+              </a:rPr>
+              <a:t>, </a:t>
+            </a:r>
+            <a:r>
+              <a:rPr kumimoji="0" lang="de-DE" altLang="de-DE" sz="2000" b="0" i="0" u="none" strike="noStrike" cap="none" normalizeH="0" baseline="0" dirty="0">
+                <a:ln>
+                  <a:noFill/>
+                </a:ln>
+                <a:solidFill>
+                  <a:srgbClr val="AA4926"/>
+                </a:solidFill>
+                <a:effectLst/>
+                <a:latin typeface="JetBrains Mono"/>
+              </a:rPr>
+              <a:t>end</a:t>
+            </a:r>
+            <a:r>
+              <a:rPr kumimoji="0" lang="de-DE" altLang="de-DE" sz="2000" b="0" i="0" u="none" strike="noStrike" cap="none" normalizeH="0" baseline="0" dirty="0">
+                <a:ln>
+                  <a:noFill/>
+                </a:ln>
+                <a:solidFill>
+                  <a:srgbClr val="A9B7C6"/>
+                </a:solidFill>
+                <a:effectLst/>
+                <a:latin typeface="JetBrains Mono"/>
+              </a:rPr>
+              <a:t>=</a:t>
+            </a:r>
+            <a:r>
+              <a:rPr kumimoji="0" lang="de-DE" altLang="de-DE" sz="2000" b="0" i="0" u="none" strike="noStrike" cap="none" normalizeH="0" baseline="0" dirty="0">
+                <a:ln>
+                  <a:noFill/>
+                </a:ln>
+                <a:solidFill>
+                  <a:srgbClr val="6A8759"/>
+                </a:solidFill>
+                <a:effectLst/>
+                <a:latin typeface="JetBrains Mono"/>
+              </a:rPr>
+              <a:t>""</a:t>
+            </a:r>
+            <a:r>
+              <a:rPr kumimoji="0" lang="de-DE" altLang="de-DE" sz="2000" b="0" i="0" u="none" strike="noStrike" cap="none" normalizeH="0" baseline="0" dirty="0">
+                <a:ln>
+                  <a:noFill/>
+                </a:ln>
+                <a:solidFill>
+                  <a:srgbClr val="CC7832"/>
+                </a:solidFill>
+                <a:effectLst/>
+                <a:latin typeface="JetBrains Mono"/>
+              </a:rPr>
+              <a:t>, </a:t>
+            </a:r>
+            <a:r>
+              <a:rPr kumimoji="0" lang="de-DE" altLang="de-DE" sz="2000" b="0" i="0" u="none" strike="noStrike" cap="none" normalizeH="0" baseline="0" dirty="0" err="1">
+                <a:ln>
+                  <a:noFill/>
+                </a:ln>
+                <a:solidFill>
+                  <a:srgbClr val="AA4926"/>
+                </a:solidFill>
+                <a:effectLst/>
+                <a:latin typeface="JetBrains Mono"/>
+              </a:rPr>
+              <a:t>flush</a:t>
+            </a:r>
+            <a:r>
+              <a:rPr kumimoji="0" lang="de-DE" altLang="de-DE" sz="2000" b="0" i="0" u="none" strike="noStrike" cap="none" normalizeH="0" baseline="0" dirty="0">
+                <a:ln>
+                  <a:noFill/>
+                </a:ln>
+                <a:solidFill>
+                  <a:srgbClr val="A9B7C6"/>
+                </a:solidFill>
+                <a:effectLst/>
+                <a:latin typeface="JetBrains Mono"/>
+              </a:rPr>
+              <a:t>=</a:t>
+            </a:r>
+            <a:r>
+              <a:rPr kumimoji="0" lang="de-DE" altLang="de-DE" sz="2000" b="0" i="0" u="none" strike="noStrike" cap="none" normalizeH="0" baseline="0" dirty="0">
+                <a:ln>
+                  <a:noFill/>
+                </a:ln>
+                <a:solidFill>
+                  <a:srgbClr val="CC7832"/>
+                </a:solidFill>
+                <a:effectLst/>
+                <a:latin typeface="JetBrains Mono"/>
+              </a:rPr>
+              <a:t>True</a:t>
+            </a:r>
+            <a:r>
+              <a:rPr kumimoji="0" lang="de-DE" altLang="de-DE" sz="2000" b="0" i="0" u="none" strike="noStrike" cap="none" normalizeH="0" baseline="0" dirty="0">
+                <a:ln>
+                  <a:noFill/>
+                </a:ln>
+                <a:solidFill>
+                  <a:srgbClr val="A9B7C6"/>
+                </a:solidFill>
+                <a:effectLst/>
+                <a:latin typeface="JetBrains Mono"/>
+              </a:rPr>
+              <a:t>)</a:t>
+            </a:r>
+            <a:br>
+              <a:rPr kumimoji="0" lang="de-DE" altLang="de-DE" sz="2000" b="0" i="0" u="none" strike="noStrike" cap="none" normalizeH="0" baseline="0" dirty="0">
+                <a:ln>
+                  <a:noFill/>
+                </a:ln>
+                <a:solidFill>
+                  <a:srgbClr val="A9B7C6"/>
+                </a:solidFill>
+                <a:effectLst/>
+                <a:latin typeface="JetBrains Mono"/>
+              </a:rPr>
+            </a:br>
+            <a:r>
+              <a:rPr kumimoji="0" lang="de-DE" altLang="de-DE" sz="2000" b="0" i="0" u="none" strike="noStrike" cap="none" normalizeH="0" baseline="0" dirty="0" err="1">
+                <a:ln>
+                  <a:noFill/>
+                </a:ln>
+                <a:solidFill>
+                  <a:srgbClr val="8888C6"/>
+                </a:solidFill>
+                <a:effectLst/>
+                <a:latin typeface="JetBrains Mono"/>
+              </a:rPr>
+              <a:t>print</a:t>
+            </a:r>
+            <a:r>
+              <a:rPr kumimoji="0" lang="de-DE" altLang="de-DE" sz="2000" b="0" i="0" u="none" strike="noStrike" cap="none" normalizeH="0" baseline="0" dirty="0">
+                <a:ln>
+                  <a:noFill/>
+                </a:ln>
+                <a:solidFill>
+                  <a:srgbClr val="A9B7C6"/>
+                </a:solidFill>
+                <a:effectLst/>
+                <a:latin typeface="JetBrains Mono"/>
+              </a:rPr>
+              <a:t>(</a:t>
+            </a:r>
+            <a:r>
+              <a:rPr kumimoji="0" lang="de-DE" altLang="de-DE" sz="2000" b="0" i="0" u="none" strike="noStrike" cap="none" normalizeH="0" baseline="0" dirty="0">
+                <a:ln>
+                  <a:noFill/>
+                </a:ln>
+                <a:solidFill>
+                  <a:srgbClr val="6A8759"/>
+                </a:solidFill>
+                <a:effectLst/>
+                <a:latin typeface="JetBrains Mono"/>
+              </a:rPr>
+              <a:t>" --&gt; "</a:t>
+            </a:r>
+            <a:r>
+              <a:rPr kumimoji="0" lang="de-DE" altLang="de-DE" sz="2000" b="0" i="0" u="none" strike="noStrike" cap="none" normalizeH="0" baseline="0" dirty="0">
+                <a:ln>
+                  <a:noFill/>
+                </a:ln>
+                <a:solidFill>
+                  <a:srgbClr val="CC7832"/>
+                </a:solidFill>
+                <a:effectLst/>
+                <a:latin typeface="JetBrains Mono"/>
+              </a:rPr>
+              <a:t>, </a:t>
+            </a:r>
+            <a:r>
+              <a:rPr kumimoji="0" lang="de-DE" altLang="de-DE" sz="2000" b="0" i="0" u="none" strike="noStrike" cap="none" normalizeH="0" baseline="0" dirty="0">
+                <a:ln>
+                  <a:noFill/>
+                </a:ln>
+                <a:solidFill>
+                  <a:srgbClr val="6A8759"/>
+                </a:solidFill>
+                <a:effectLst/>
+                <a:latin typeface="JetBrains Mono"/>
+              </a:rPr>
+              <a:t>"Umfang:"</a:t>
+            </a:r>
+            <a:r>
+              <a:rPr kumimoji="0" lang="de-DE" altLang="de-DE" sz="2000" b="0" i="0" u="none" strike="noStrike" cap="none" normalizeH="0" baseline="0" dirty="0">
+                <a:ln>
+                  <a:noFill/>
+                </a:ln>
+                <a:solidFill>
+                  <a:srgbClr val="CC7832"/>
+                </a:solidFill>
+                <a:effectLst/>
+                <a:latin typeface="JetBrains Mono"/>
+              </a:rPr>
+              <a:t>, </a:t>
+            </a:r>
+            <a:r>
+              <a:rPr kumimoji="0" lang="de-DE" altLang="de-DE" sz="2000" b="0" i="0" u="none" strike="noStrike" cap="none" normalizeH="0" baseline="0" dirty="0">
+                <a:ln>
+                  <a:noFill/>
+                </a:ln>
+                <a:solidFill>
+                  <a:srgbClr val="6897BB"/>
+                </a:solidFill>
+                <a:effectLst/>
+                <a:latin typeface="JetBrains Mono"/>
+              </a:rPr>
+              <a:t>2</a:t>
+            </a:r>
+            <a:r>
+              <a:rPr kumimoji="0" lang="de-DE" altLang="de-DE" sz="2000" b="0" i="0" u="none" strike="noStrike" cap="none" normalizeH="0" baseline="0" dirty="0">
+                <a:ln>
+                  <a:noFill/>
+                </a:ln>
+                <a:solidFill>
+                  <a:srgbClr val="A9B7C6"/>
+                </a:solidFill>
+                <a:effectLst/>
+                <a:latin typeface="JetBrains Mono"/>
+              </a:rPr>
+              <a:t>*</a:t>
+            </a:r>
+            <a:r>
+              <a:rPr kumimoji="0" lang="de-DE" altLang="de-DE" sz="2000" b="0" i="0" u="none" strike="noStrike" cap="none" normalizeH="0" baseline="0" dirty="0">
+                <a:ln>
+                  <a:noFill/>
+                </a:ln>
+                <a:solidFill>
+                  <a:srgbClr val="6897BB"/>
+                </a:solidFill>
+                <a:effectLst/>
+                <a:latin typeface="JetBrains Mono"/>
+              </a:rPr>
+              <a:t>5</a:t>
+            </a:r>
+            <a:r>
+              <a:rPr kumimoji="0" lang="de-DE" altLang="de-DE" sz="2000" b="0" i="0" u="none" strike="noStrike" cap="none" normalizeH="0" baseline="0" dirty="0">
+                <a:ln>
+                  <a:noFill/>
+                </a:ln>
+                <a:solidFill>
+                  <a:srgbClr val="A9B7C6"/>
+                </a:solidFill>
+                <a:effectLst/>
+                <a:latin typeface="JetBrains Mono"/>
+              </a:rPr>
+              <a:t>*</a:t>
+            </a:r>
+            <a:r>
+              <a:rPr kumimoji="0" lang="de-DE" altLang="de-DE" sz="2000" b="0" i="0" u="none" strike="noStrike" cap="none" normalizeH="0" baseline="0" dirty="0">
+                <a:ln>
+                  <a:noFill/>
+                </a:ln>
+                <a:solidFill>
+                  <a:srgbClr val="6897BB"/>
+                </a:solidFill>
+                <a:effectLst/>
+                <a:latin typeface="JetBrains Mono"/>
+              </a:rPr>
+              <a:t>3.141592</a:t>
+            </a:r>
+            <a:r>
+              <a:rPr kumimoji="0" lang="de-DE" altLang="de-DE" sz="2000" b="0" i="0" u="none" strike="noStrike" cap="none" normalizeH="0" baseline="0" dirty="0">
+                <a:ln>
+                  <a:noFill/>
+                </a:ln>
+                <a:solidFill>
+                  <a:srgbClr val="CC7832"/>
+                </a:solidFill>
+                <a:effectLst/>
+                <a:latin typeface="JetBrains Mono"/>
+              </a:rPr>
+              <a:t>, </a:t>
+            </a:r>
+            <a:r>
+              <a:rPr kumimoji="0" lang="de-DE" altLang="de-DE" sz="2000" b="0" i="0" u="none" strike="noStrike" cap="none" normalizeH="0" baseline="0" dirty="0" err="1">
+                <a:ln>
+                  <a:noFill/>
+                </a:ln>
+                <a:solidFill>
+                  <a:srgbClr val="AA4926"/>
+                </a:solidFill>
+                <a:effectLst/>
+                <a:latin typeface="JetBrains Mono"/>
+              </a:rPr>
+              <a:t>sep</a:t>
+            </a:r>
+            <a:r>
+              <a:rPr kumimoji="0" lang="de-DE" altLang="de-DE" sz="2000" b="0" i="0" u="none" strike="noStrike" cap="none" normalizeH="0" baseline="0" dirty="0">
+                <a:ln>
+                  <a:noFill/>
+                </a:ln>
+                <a:solidFill>
+                  <a:srgbClr val="A9B7C6"/>
+                </a:solidFill>
+                <a:effectLst/>
+                <a:latin typeface="JetBrains Mono"/>
+              </a:rPr>
+              <a:t>=</a:t>
+            </a:r>
+            <a:r>
+              <a:rPr kumimoji="0" lang="de-DE" altLang="de-DE" sz="2000" b="0" i="0" u="none" strike="noStrike" cap="none" normalizeH="0" baseline="0" dirty="0">
+                <a:ln>
+                  <a:noFill/>
+                </a:ln>
+                <a:solidFill>
+                  <a:srgbClr val="6A8759"/>
+                </a:solidFill>
+                <a:effectLst/>
+                <a:latin typeface="JetBrains Mono"/>
+              </a:rPr>
               <a:t>"</a:t>
             </a:r>
             <a:r>
-              <a:rPr kumimoji="0" lang="de-DE" altLang="de-DE" sz="2000" b="0" i="0" u="none" strike="noStrike" cap="none" normalizeH="0" baseline="0" dirty="0" smtClean="0">
+              <a:rPr kumimoji="0" lang="de-DE" altLang="de-DE" sz="2000" b="0" i="0" u="none" strike="noStrike" cap="none" normalizeH="0" baseline="0" dirty="0">
                 <a:ln>
                   <a:noFill/>
                 </a:ln>
@@ -3581,10 +5415,10 @@
                 <a:effectLst/>
                 <a:latin typeface="JetBrains Mono"/>
               </a:rPr>
-              <a:t>, </a:t>
-            </a:r>
-            <a:r>
-              <a:rPr kumimoji="0" lang="de-DE" altLang="de-DE" sz="2000" b="0" i="0" u="none" strike="noStrike" cap="none" normalizeH="0" baseline="0" dirty="0" smtClean="0">
+              <a:t>\t</a:t>
+            </a:r>
+            <a:r>
+              <a:rPr kumimoji="0" lang="de-DE" altLang="de-DE" sz="2000" b="0" i="0" u="none" strike="noStrike" cap="none" normalizeH="0" baseline="0" dirty="0">
                 <a:ln>
                   <a:noFill/>
                 </a:ln>
@@ -3594,10 +5428,10 @@
                 <a:effectLst/>
                 <a:latin typeface="JetBrains Mono"/>
               </a:rPr>
-              <a:t>"!!!"</a:t>
-            </a:r>
-            <a:r>
-              <a:rPr kumimoji="0" lang="de-DE" altLang="de-DE" sz="2000" b="0" i="0" u="none" strike="noStrike" cap="none" normalizeH="0" baseline="0" dirty="0" smtClean="0">
+              <a:t>"</a:t>
+            </a:r>
+            <a:r>
+              <a:rPr kumimoji="0" lang="de-DE" altLang="de-DE" sz="2000" b="0" i="0" u="none" strike="noStrike" cap="none" normalizeH="0" baseline="0" dirty="0">
                 <a:ln>
                   <a:noFill/>
                 </a:ln>
@@ -3607,35 +5441,22 @@
                 <a:effectLst/>
                 <a:latin typeface="JetBrains Mono"/>
               </a:rPr>
-              <a:t>)           </a:t>
-            </a:r>
-            <a:r>
-              <a:rPr kumimoji="0" lang="de-DE" altLang="de-DE" sz="2000" b="0" i="0" u="none" strike="noStrike" cap="none" normalizeH="0" baseline="0" dirty="0" smtClean="0">
-                <a:ln>
-                  <a:noFill/>
-                </a:ln>
-                <a:solidFill>
-                  <a:srgbClr val="808080"/>
-                </a:solidFill>
-                <a:effectLst/>
-                <a:latin typeface="JetBrains Mono"/>
-              </a:rPr>
-              <a:t># mehrere Argumente / Parameter</a:t>
+              <a:t>)</a:t>
             </a:r>
             <a:br>
-              <a:rPr kumimoji="0" lang="de-DE" altLang="de-DE" sz="2000" b="0" i="0" u="none" strike="noStrike" cap="none" normalizeH="0" baseline="0" dirty="0" smtClean="0">
-                <a:ln>
-                  <a:noFill/>
-                </a:ln>
-                <a:solidFill>
-                  <a:srgbClr val="808080"/>
+              <a:rPr kumimoji="0" lang="de-DE" altLang="de-DE" sz="2000" b="0" i="0" u="none" strike="noStrike" cap="none" normalizeH="0" baseline="0" dirty="0">
+                <a:ln>
+                  <a:noFill/>
+                </a:ln>
+                <a:solidFill>
+                  <a:srgbClr val="A9B7C6"/>
                 </a:solidFill>
                 <a:effectLst/>
                 <a:latin typeface="JetBrains Mono"/>
               </a:rPr>
             </a:br>
             <a:r>
-              <a:rPr kumimoji="0" lang="de-DE" altLang="de-DE" sz="2000" b="0" i="0" u="none" strike="noStrike" cap="none" normalizeH="0" baseline="0" dirty="0" err="1" smtClean="0">
+              <a:rPr kumimoji="0" lang="de-DE" altLang="de-DE" sz="2000" b="0" i="0" u="none" strike="noStrike" cap="none" normalizeH="0" baseline="0" dirty="0" err="1">
                 <a:ln>
                   <a:noFill/>
                 </a:ln>
@@ -3648,7 +5469,7 @@
               <a:t>print</a:t>
             </a:r>
             <a:r>
-              <a:rPr kumimoji="0" lang="de-DE" altLang="de-DE" sz="2000" b="0" i="0" u="none" strike="noStrike" cap="none" normalizeH="0" baseline="0" dirty="0" smtClean="0">
+              <a:rPr kumimoji="0" lang="de-DE" altLang="de-DE" sz="2000" b="0" i="0" u="none" strike="noStrike" cap="none" normalizeH="0" baseline="0" dirty="0">
                 <a:ln>
                   <a:noFill/>
                 </a:ln>
@@ -3661,7 +5482,7 @@
               <a:t>(</a:t>
             </a:r>
             <a:r>
-              <a:rPr kumimoji="0" lang="de-DE" altLang="de-DE" sz="2000" b="0" i="0" u="none" strike="noStrike" cap="none" normalizeH="0" baseline="0" dirty="0" smtClean="0">
+              <a:rPr kumimoji="0" lang="de-DE" altLang="de-DE" sz="2000" b="0" i="0" u="none" strike="noStrike" cap="none" normalizeH="0" baseline="0" dirty="0">
                 <a:ln>
                   <a:noFill/>
                 </a:ln>
@@ -3671,10 +5492,36 @@
                 <a:effectLst/>
                 <a:latin typeface="JetBrains Mono"/>
               </a:rPr>
-              <a:t>"Hallo" </a:t>
-            </a:r>
-            <a:r>
-              <a:rPr kumimoji="0" lang="de-DE" altLang="de-DE" sz="2000" b="0" i="0" u="none" strike="noStrike" cap="none" normalizeH="0" baseline="0" dirty="0" smtClean="0">
+              <a:t>"</a:t>
+            </a:r>
+            <a:r>
+              <a:rPr kumimoji="0" lang="de-DE" altLang="de-DE" sz="2000" b="0" i="0" u="none" strike="noStrike" cap="none" normalizeH="0" baseline="0" dirty="0">
+                <a:ln>
+                  <a:noFill/>
+                </a:ln>
+                <a:solidFill>
+                  <a:srgbClr val="CC7832"/>
+                </a:solidFill>
+                <a:effectLst/>
+                <a:latin typeface="JetBrains Mono"/>
+              </a:rPr>
+              <a:t>\n\n</a:t>
+            </a:r>
+            <a:r>
+              <a:rPr kumimoji="0" lang="de-DE" altLang="de-DE" sz="2000" b="0" i="0" u="none" strike="noStrike" cap="none" normalizeH="0" baseline="0" dirty="0">
+                <a:ln>
+                  <a:noFill/>
+                </a:ln>
+                <a:solidFill>
+                  <a:srgbClr val="6A8759"/>
+                </a:solidFill>
+                <a:effectLst/>
+                <a:latin typeface="JetBrains Mono"/>
+              </a:rPr>
+              <a:t>"</a:t>
+            </a:r>
+            <a:r>
+              <a:rPr kumimoji="0" lang="de-DE" altLang="de-DE" sz="2000" b="0" i="0" u="none" strike="noStrike" cap="none" normalizeH="0" baseline="0" dirty="0">
                 <a:ln>
                   <a:noFill/>
                 </a:ln>
@@ -3684,1873 +5531,9 @@
                 <a:effectLst/>
                 <a:latin typeface="JetBrains Mono"/>
               </a:rPr>
-              <a:t>+ </a:t>
-            </a:r>
-            <a:r>
-              <a:rPr kumimoji="0" lang="de-DE" altLang="de-DE" sz="2000" b="0" i="0" u="none" strike="noStrike" cap="none" normalizeH="0" baseline="0" dirty="0" smtClean="0">
-                <a:ln>
-                  <a:noFill/>
-                </a:ln>
-                <a:solidFill>
-                  <a:srgbClr val="6A8759"/>
-                </a:solidFill>
-                <a:effectLst/>
-                <a:latin typeface="JetBrains Mono"/>
-              </a:rPr>
-              <a:t>" </a:t>
-            </a:r>
-            <a:r>
-              <a:rPr kumimoji="0" lang="de-DE" altLang="de-DE" sz="2000" b="0" i="0" u="none" strike="noStrike" cap="none" normalizeH="0" baseline="0" dirty="0" err="1" smtClean="0">
-                <a:ln>
-                  <a:noFill/>
-                </a:ln>
-                <a:solidFill>
-                  <a:srgbClr val="6A8759"/>
-                </a:solidFill>
-                <a:effectLst/>
-                <a:latin typeface="JetBrains Mono"/>
-              </a:rPr>
-              <a:t>world</a:t>
-            </a:r>
-            <a:r>
-              <a:rPr kumimoji="0" lang="de-DE" altLang="de-DE" sz="2000" b="0" i="0" u="none" strike="noStrike" cap="none" normalizeH="0" baseline="0" dirty="0" smtClean="0">
-                <a:ln>
-                  <a:noFill/>
-                </a:ln>
-                <a:solidFill>
-                  <a:srgbClr val="6A8759"/>
-                </a:solidFill>
-                <a:effectLst/>
-                <a:latin typeface="JetBrains Mono"/>
-              </a:rPr>
-              <a:t>" </a:t>
-            </a:r>
-            <a:r>
-              <a:rPr kumimoji="0" lang="de-DE" altLang="de-DE" sz="2000" b="0" i="0" u="none" strike="noStrike" cap="none" normalizeH="0" baseline="0" dirty="0" smtClean="0">
-                <a:ln>
-                  <a:noFill/>
-                </a:ln>
-                <a:solidFill>
-                  <a:srgbClr val="A9B7C6"/>
-                </a:solidFill>
-                <a:effectLst/>
-                <a:latin typeface="JetBrains Mono"/>
-              </a:rPr>
-              <a:t>+ </a:t>
-            </a:r>
-            <a:r>
-              <a:rPr kumimoji="0" lang="de-DE" altLang="de-DE" sz="2000" b="0" i="0" u="none" strike="noStrike" cap="none" normalizeH="0" baseline="0" dirty="0" smtClean="0">
-                <a:ln>
-                  <a:noFill/>
-                </a:ln>
-                <a:solidFill>
-                  <a:srgbClr val="6A8759"/>
-                </a:solidFill>
-                <a:effectLst/>
-                <a:latin typeface="JetBrains Mono"/>
-              </a:rPr>
-              <a:t>" !!!"</a:t>
-            </a:r>
-            <a:r>
-              <a:rPr kumimoji="0" lang="de-DE" altLang="de-DE" sz="2000" b="0" i="0" u="none" strike="noStrike" cap="none" normalizeH="0" baseline="0" dirty="0" smtClean="0">
-                <a:ln>
-                  <a:noFill/>
-                </a:ln>
-                <a:solidFill>
-                  <a:srgbClr val="A9B7C6"/>
-                </a:solidFill>
-                <a:effectLst/>
-                <a:latin typeface="JetBrains Mono"/>
-              </a:rPr>
-              <a:t>)    </a:t>
-            </a:r>
-            <a:r>
-              <a:rPr kumimoji="0" lang="de-DE" altLang="de-DE" sz="2000" b="0" i="0" u="none" strike="noStrike" cap="none" normalizeH="0" dirty="0" smtClean="0">
-                <a:ln>
-                  <a:noFill/>
-                </a:ln>
-                <a:solidFill>
-                  <a:srgbClr val="A9B7C6"/>
-                </a:solidFill>
-                <a:effectLst/>
-                <a:latin typeface="JetBrains Mono"/>
-              </a:rPr>
-              <a:t> </a:t>
-            </a:r>
-            <a:r>
-              <a:rPr kumimoji="0" lang="de-DE" altLang="de-DE" sz="2000" b="0" i="0" u="none" strike="noStrike" cap="none" normalizeH="0" baseline="0" dirty="0" smtClean="0">
-                <a:ln>
-                  <a:noFill/>
-                </a:ln>
-                <a:solidFill>
-                  <a:srgbClr val="808080"/>
-                </a:solidFill>
-                <a:effectLst/>
-                <a:latin typeface="JetBrains Mono"/>
-              </a:rPr>
-              <a:t># Ein Argument mit String-Operationen</a:t>
-            </a:r>
-            <a:br>
-              <a:rPr kumimoji="0" lang="de-DE" altLang="de-DE" sz="2000" b="0" i="0" u="none" strike="noStrike" cap="none" normalizeH="0" baseline="0" dirty="0" smtClean="0">
-                <a:ln>
-                  <a:noFill/>
-                </a:ln>
-                <a:solidFill>
-                  <a:srgbClr val="808080"/>
-                </a:solidFill>
-                <a:effectLst/>
-                <a:latin typeface="JetBrains Mono"/>
-              </a:rPr>
-            </a:br>
-            <a:r>
-              <a:rPr kumimoji="0" lang="de-DE" altLang="de-DE" sz="2000" b="0" i="0" u="none" strike="noStrike" cap="none" normalizeH="0" baseline="0" dirty="0" err="1" smtClean="0">
-                <a:ln>
-                  <a:noFill/>
-                </a:ln>
-                <a:solidFill>
-                  <a:srgbClr val="8888C6"/>
-                </a:solidFill>
-                <a:effectLst/>
-                <a:latin typeface="JetBrains Mono"/>
-              </a:rPr>
-              <a:t>print</a:t>
-            </a:r>
-            <a:r>
-              <a:rPr kumimoji="0" lang="de-DE" altLang="de-DE" sz="2000" b="0" i="0" u="none" strike="noStrike" cap="none" normalizeH="0" baseline="0" dirty="0" smtClean="0">
-                <a:ln>
-                  <a:noFill/>
-                </a:ln>
-                <a:solidFill>
-                  <a:srgbClr val="A9B7C6"/>
-                </a:solidFill>
-                <a:effectLst/>
-                <a:latin typeface="JetBrains Mono"/>
-              </a:rPr>
-              <a:t>(</a:t>
-            </a:r>
-            <a:r>
-              <a:rPr kumimoji="0" lang="de-DE" altLang="de-DE" sz="2000" b="0" i="0" u="none" strike="noStrike" cap="none" normalizeH="0" baseline="0" dirty="0" smtClean="0">
-                <a:ln>
-                  <a:noFill/>
-                </a:ln>
-                <a:solidFill>
-                  <a:srgbClr val="6A8759"/>
-                </a:solidFill>
-                <a:effectLst/>
-                <a:latin typeface="JetBrains Mono"/>
-              </a:rPr>
-              <a:t>"Hallo</a:t>
-            </a:r>
-            <a:r>
-              <a:rPr kumimoji="0" lang="de-DE" altLang="de-DE" sz="2000" b="0" i="0" u="none" strike="noStrike" cap="none" normalizeH="0" baseline="0" dirty="0" smtClean="0">
-                <a:ln>
-                  <a:noFill/>
-                </a:ln>
-                <a:solidFill>
-                  <a:srgbClr val="CC7832"/>
-                </a:solidFill>
-                <a:effectLst/>
-                <a:latin typeface="JetBrains Mono"/>
-              </a:rPr>
-              <a:t>\n\</a:t>
-            </a:r>
-            <a:r>
-              <a:rPr kumimoji="0" lang="de-DE" altLang="de-DE" sz="2000" b="0" i="0" u="none" strike="noStrike" cap="none" normalizeH="0" baseline="0" dirty="0" err="1" smtClean="0">
-                <a:ln>
-                  <a:noFill/>
-                </a:ln>
-                <a:solidFill>
-                  <a:srgbClr val="CC7832"/>
-                </a:solidFill>
-                <a:effectLst/>
-                <a:latin typeface="JetBrains Mono"/>
-              </a:rPr>
-              <a:t>n</a:t>
-            </a:r>
-            <a:r>
-              <a:rPr kumimoji="0" lang="de-DE" altLang="de-DE" sz="2000" b="0" i="0" u="none" strike="noStrike" cap="none" normalizeH="0" baseline="0" dirty="0" err="1" smtClean="0">
-                <a:ln>
-                  <a:noFill/>
-                </a:ln>
-                <a:solidFill>
-                  <a:srgbClr val="6A8759"/>
-                </a:solidFill>
-                <a:effectLst/>
-                <a:latin typeface="JetBrains Mono"/>
-              </a:rPr>
-              <a:t>World</a:t>
-            </a:r>
-            <a:r>
-              <a:rPr kumimoji="0" lang="de-DE" altLang="de-DE" sz="2000" b="0" i="0" u="none" strike="noStrike" cap="none" normalizeH="0" baseline="0" dirty="0" smtClean="0">
-                <a:ln>
-                  <a:noFill/>
-                </a:ln>
-                <a:solidFill>
-                  <a:srgbClr val="6A8759"/>
-                </a:solidFill>
-                <a:effectLst/>
-                <a:latin typeface="JetBrains Mono"/>
-              </a:rPr>
-              <a:t>"</a:t>
-            </a:r>
-            <a:r>
-              <a:rPr kumimoji="0" lang="de-DE" altLang="de-DE" sz="2000" b="0" i="0" u="none" strike="noStrike" cap="none" normalizeH="0" baseline="0" dirty="0" smtClean="0">
-                <a:ln>
-                  <a:noFill/>
-                </a:ln>
-                <a:solidFill>
-                  <a:srgbClr val="A9B7C6"/>
-                </a:solidFill>
-                <a:effectLst/>
-                <a:latin typeface="JetBrains Mono"/>
-              </a:rPr>
-              <a:t>)                </a:t>
-            </a:r>
-            <a:r>
-              <a:rPr kumimoji="0" lang="de-DE" altLang="de-DE" sz="2000" b="0" i="0" u="none" strike="noStrike" cap="none" normalizeH="0" baseline="0" dirty="0" smtClean="0">
-                <a:ln>
-                  <a:noFill/>
-                </a:ln>
-                <a:solidFill>
-                  <a:srgbClr val="808080"/>
-                </a:solidFill>
-                <a:effectLst/>
-                <a:latin typeface="JetBrains Mono"/>
-              </a:rPr>
-              <a:t># </a:t>
-            </a:r>
-            <a:r>
-              <a:rPr kumimoji="0" lang="de-DE" altLang="de-DE" sz="2000" b="0" i="0" u="none" strike="noStrike" cap="none" normalizeH="0" baseline="0" dirty="0" err="1" smtClean="0">
-                <a:ln>
-                  <a:noFill/>
-                </a:ln>
-                <a:solidFill>
-                  <a:srgbClr val="808080"/>
-                </a:solidFill>
-                <a:effectLst/>
-                <a:latin typeface="JetBrains Mono"/>
-              </a:rPr>
-              <a:t>line</a:t>
-            </a:r>
-            <a:r>
-              <a:rPr kumimoji="0" lang="de-DE" altLang="de-DE" sz="2000" b="0" i="0" u="none" strike="noStrike" cap="none" normalizeH="0" baseline="0" dirty="0" smtClean="0">
-                <a:ln>
-                  <a:noFill/>
-                </a:ln>
-                <a:solidFill>
-                  <a:srgbClr val="808080"/>
-                </a:solidFill>
-                <a:effectLst/>
-                <a:latin typeface="JetBrains Mono"/>
-              </a:rPr>
-              <a:t>-feed</a:t>
-            </a:r>
-            <a:br>
-              <a:rPr kumimoji="0" lang="de-DE" altLang="de-DE" sz="2000" b="0" i="0" u="none" strike="noStrike" cap="none" normalizeH="0" baseline="0" dirty="0" smtClean="0">
-                <a:ln>
-                  <a:noFill/>
-                </a:ln>
-                <a:solidFill>
-                  <a:srgbClr val="808080"/>
-                </a:solidFill>
-                <a:effectLst/>
-                <a:latin typeface="JetBrains Mono"/>
-              </a:rPr>
-            </a:br>
-            <a:r>
-              <a:rPr kumimoji="0" lang="de-DE" altLang="de-DE" sz="2000" b="0" i="0" u="none" strike="noStrike" cap="none" normalizeH="0" baseline="0" dirty="0" err="1" smtClean="0">
-                <a:ln>
-                  <a:noFill/>
-                </a:ln>
-                <a:solidFill>
-                  <a:srgbClr val="8888C6"/>
-                </a:solidFill>
-                <a:effectLst/>
-                <a:latin typeface="JetBrains Mono"/>
-              </a:rPr>
-              <a:t>print</a:t>
-            </a:r>
-            <a:r>
-              <a:rPr kumimoji="0" lang="de-DE" altLang="de-DE" sz="2000" b="0" i="0" u="none" strike="noStrike" cap="none" normalizeH="0" baseline="0" dirty="0" smtClean="0">
-                <a:ln>
-                  <a:noFill/>
-                </a:ln>
-                <a:solidFill>
-                  <a:srgbClr val="A9B7C6"/>
-                </a:solidFill>
-                <a:effectLst/>
-                <a:latin typeface="JetBrains Mono"/>
-              </a:rPr>
-              <a:t>(</a:t>
-            </a:r>
-            <a:r>
-              <a:rPr kumimoji="0" lang="de-DE" altLang="de-DE" sz="2000" b="0" i="0" u="none" strike="noStrike" cap="none" normalizeH="0" baseline="0" dirty="0" smtClean="0">
-                <a:ln>
-                  <a:noFill/>
-                </a:ln>
-                <a:solidFill>
-                  <a:srgbClr val="6A8759"/>
-                </a:solidFill>
-                <a:effectLst/>
-                <a:latin typeface="JetBrains Mono"/>
-              </a:rPr>
-              <a:t>"Radius:"</a:t>
-            </a:r>
-            <a:r>
-              <a:rPr kumimoji="0" lang="de-DE" altLang="de-DE" sz="2000" b="0" i="0" u="none" strike="noStrike" cap="none" normalizeH="0" baseline="0" dirty="0" smtClean="0">
-                <a:ln>
-                  <a:noFill/>
-                </a:ln>
-                <a:solidFill>
-                  <a:srgbClr val="CC7832"/>
-                </a:solidFill>
-                <a:effectLst/>
-                <a:latin typeface="JetBrains Mono"/>
-              </a:rPr>
-              <a:t>, </a:t>
-            </a:r>
-            <a:r>
-              <a:rPr kumimoji="0" lang="de-DE" altLang="de-DE" sz="2000" b="0" i="0" u="none" strike="noStrike" cap="none" normalizeH="0" baseline="0" dirty="0" smtClean="0">
-                <a:ln>
-                  <a:noFill/>
-                </a:ln>
-                <a:solidFill>
-                  <a:srgbClr val="6897BB"/>
-                </a:solidFill>
-                <a:effectLst/>
-                <a:latin typeface="JetBrains Mono"/>
-              </a:rPr>
-              <a:t>5</a:t>
-            </a:r>
-            <a:r>
-              <a:rPr kumimoji="0" lang="de-DE" altLang="de-DE" sz="2000" b="0" i="0" u="none" strike="noStrike" cap="none" normalizeH="0" baseline="0" dirty="0" smtClean="0">
-                <a:ln>
-                  <a:noFill/>
-                </a:ln>
-                <a:solidFill>
-                  <a:srgbClr val="CC7832"/>
-                </a:solidFill>
-                <a:effectLst/>
-                <a:latin typeface="JetBrains Mono"/>
-              </a:rPr>
-              <a:t>, </a:t>
-            </a:r>
-            <a:r>
-              <a:rPr kumimoji="0" lang="de-DE" altLang="de-DE" sz="2000" b="0" i="0" u="none" strike="noStrike" cap="none" normalizeH="0" baseline="0" dirty="0" smtClean="0">
-                <a:ln>
-                  <a:noFill/>
-                </a:ln>
-                <a:solidFill>
-                  <a:srgbClr val="6A8759"/>
-                </a:solidFill>
-                <a:effectLst/>
-                <a:latin typeface="JetBrains Mono"/>
-              </a:rPr>
-              <a:t>" --&gt; "</a:t>
-            </a:r>
-            <a:r>
-              <a:rPr kumimoji="0" lang="de-DE" altLang="de-DE" sz="2000" b="0" i="0" u="none" strike="noStrike" cap="none" normalizeH="0" baseline="0" dirty="0" smtClean="0">
-                <a:ln>
-                  <a:noFill/>
-                </a:ln>
-                <a:solidFill>
-                  <a:srgbClr val="CC7832"/>
-                </a:solidFill>
-                <a:effectLst/>
-                <a:latin typeface="JetBrains Mono"/>
-              </a:rPr>
-              <a:t>, </a:t>
-            </a:r>
-            <a:r>
-              <a:rPr kumimoji="0" lang="de-DE" altLang="de-DE" sz="2000" b="0" i="0" u="none" strike="noStrike" cap="none" normalizeH="0" baseline="0" dirty="0" smtClean="0">
-                <a:ln>
-                  <a:noFill/>
-                </a:ln>
-                <a:solidFill>
-                  <a:srgbClr val="6A8759"/>
-                </a:solidFill>
-                <a:effectLst/>
-                <a:latin typeface="JetBrains Mono"/>
-              </a:rPr>
-              <a:t>"Umfang:"</a:t>
-            </a:r>
-            <a:r>
-              <a:rPr kumimoji="0" lang="de-DE" altLang="de-DE" sz="2000" b="0" i="0" u="none" strike="noStrike" cap="none" normalizeH="0" baseline="0" dirty="0" smtClean="0">
-                <a:ln>
-                  <a:noFill/>
-                </a:ln>
-                <a:solidFill>
-                  <a:srgbClr val="CC7832"/>
-                </a:solidFill>
-                <a:effectLst/>
-                <a:latin typeface="JetBrains Mono"/>
-              </a:rPr>
-              <a:t>, </a:t>
-            </a:r>
-            <a:r>
-              <a:rPr kumimoji="0" lang="de-DE" altLang="de-DE" sz="2000" b="0" i="0" u="none" strike="noStrike" cap="none" normalizeH="0" baseline="0" dirty="0" smtClean="0">
-                <a:ln>
-                  <a:noFill/>
-                </a:ln>
-                <a:solidFill>
-                  <a:srgbClr val="6897BB"/>
-                </a:solidFill>
-                <a:effectLst/>
-                <a:latin typeface="JetBrains Mono"/>
-              </a:rPr>
-              <a:t>2</a:t>
-            </a:r>
-            <a:r>
-              <a:rPr kumimoji="0" lang="de-DE" altLang="de-DE" sz="2000" b="0" i="0" u="none" strike="noStrike" cap="none" normalizeH="0" baseline="0" dirty="0" smtClean="0">
-                <a:ln>
-                  <a:noFill/>
-                </a:ln>
-                <a:solidFill>
-                  <a:srgbClr val="A9B7C6"/>
-                </a:solidFill>
-                <a:effectLst/>
-                <a:latin typeface="JetBrains Mono"/>
-              </a:rPr>
-              <a:t>*</a:t>
-            </a:r>
-            <a:r>
-              <a:rPr kumimoji="0" lang="de-DE" altLang="de-DE" sz="2000" b="0" i="0" u="none" strike="noStrike" cap="none" normalizeH="0" baseline="0" dirty="0" smtClean="0">
-                <a:ln>
-                  <a:noFill/>
-                </a:ln>
-                <a:solidFill>
-                  <a:srgbClr val="6897BB"/>
-                </a:solidFill>
-                <a:effectLst/>
-                <a:latin typeface="JetBrains Mono"/>
-              </a:rPr>
-              <a:t>5</a:t>
-            </a:r>
-            <a:r>
-              <a:rPr kumimoji="0" lang="de-DE" altLang="de-DE" sz="2000" b="0" i="0" u="none" strike="noStrike" cap="none" normalizeH="0" baseline="0" dirty="0" smtClean="0">
-                <a:ln>
-                  <a:noFill/>
-                </a:ln>
-                <a:solidFill>
-                  <a:srgbClr val="A9B7C6"/>
-                </a:solidFill>
-                <a:effectLst/>
-                <a:latin typeface="JetBrains Mono"/>
-              </a:rPr>
-              <a:t>*</a:t>
-            </a:r>
-            <a:r>
-              <a:rPr kumimoji="0" lang="de-DE" altLang="de-DE" sz="2000" b="0" i="0" u="none" strike="noStrike" cap="none" normalizeH="0" baseline="0" dirty="0" smtClean="0">
-                <a:ln>
-                  <a:noFill/>
-                </a:ln>
-                <a:solidFill>
-                  <a:srgbClr val="6897BB"/>
-                </a:solidFill>
-                <a:effectLst/>
-                <a:latin typeface="JetBrains Mono"/>
-              </a:rPr>
-              <a:t>3.141592</a:t>
-            </a:r>
-            <a:r>
-              <a:rPr kumimoji="0" lang="de-DE" altLang="de-DE" sz="2000" b="0" i="0" u="none" strike="noStrike" cap="none" normalizeH="0" baseline="0" dirty="0" smtClean="0">
-                <a:ln>
-                  <a:noFill/>
-                </a:ln>
-                <a:solidFill>
-                  <a:srgbClr val="A9B7C6"/>
-                </a:solidFill>
-                <a:effectLst/>
-                <a:latin typeface="JetBrains Mono"/>
-              </a:rPr>
-              <a:t>)      </a:t>
-            </a:r>
-            <a:r>
-              <a:rPr kumimoji="0" lang="de-DE" altLang="de-DE" sz="2000" b="0" i="0" u="none" strike="noStrike" cap="none" normalizeH="0" baseline="0" dirty="0" smtClean="0">
-                <a:ln>
-                  <a:noFill/>
-                </a:ln>
-                <a:solidFill>
-                  <a:srgbClr val="808080"/>
-                </a:solidFill>
-                <a:effectLst/>
-                <a:latin typeface="JetBrains Mono"/>
-              </a:rPr>
-              <a:t># Zahlenwerte</a:t>
-            </a:r>
-            <a:br>
-              <a:rPr kumimoji="0" lang="de-DE" altLang="de-DE" sz="2000" b="0" i="0" u="none" strike="noStrike" cap="none" normalizeH="0" baseline="0" dirty="0" smtClean="0">
-                <a:ln>
-                  <a:noFill/>
-                </a:ln>
-                <a:solidFill>
-                  <a:srgbClr val="808080"/>
-                </a:solidFill>
-                <a:effectLst/>
-                <a:latin typeface="JetBrains Mono"/>
-              </a:rPr>
-            </a:br>
-            <a:r>
-              <a:rPr kumimoji="0" lang="de-DE" altLang="de-DE" sz="2000" b="0" i="0" u="none" strike="noStrike" cap="none" normalizeH="0" baseline="0" dirty="0" err="1" smtClean="0">
-                <a:ln>
-                  <a:noFill/>
-                </a:ln>
-                <a:solidFill>
-                  <a:srgbClr val="8888C6"/>
-                </a:solidFill>
-                <a:effectLst/>
-                <a:latin typeface="JetBrains Mono"/>
-              </a:rPr>
-              <a:t>print</a:t>
-            </a:r>
-            <a:r>
-              <a:rPr kumimoji="0" lang="de-DE" altLang="de-DE" sz="2000" b="0" i="0" u="none" strike="noStrike" cap="none" normalizeH="0" baseline="0" dirty="0" smtClean="0">
-                <a:ln>
-                  <a:noFill/>
-                </a:ln>
-                <a:solidFill>
-                  <a:srgbClr val="A9B7C6"/>
-                </a:solidFill>
-                <a:effectLst/>
-                <a:latin typeface="JetBrains Mono"/>
-              </a:rPr>
-              <a:t>(</a:t>
-            </a:r>
-            <a:r>
-              <a:rPr kumimoji="0" lang="de-DE" altLang="de-DE" sz="2000" b="0" i="0" u="none" strike="noStrike" cap="none" normalizeH="0" baseline="0" dirty="0" smtClean="0">
-                <a:ln>
-                  <a:noFill/>
-                </a:ln>
-                <a:solidFill>
-                  <a:srgbClr val="6A8759"/>
-                </a:solidFill>
-                <a:effectLst/>
-                <a:latin typeface="JetBrains Mono"/>
-              </a:rPr>
-              <a:t>"Radius:"</a:t>
-            </a:r>
-            <a:r>
-              <a:rPr kumimoji="0" lang="de-DE" altLang="de-DE" sz="2000" b="0" i="0" u="none" strike="noStrike" cap="none" normalizeH="0" baseline="0" dirty="0" smtClean="0">
-                <a:ln>
-                  <a:noFill/>
-                </a:ln>
-                <a:solidFill>
-                  <a:srgbClr val="CC7832"/>
-                </a:solidFill>
-                <a:effectLst/>
-                <a:latin typeface="JetBrains Mono"/>
-              </a:rPr>
-              <a:t>, </a:t>
-            </a:r>
-            <a:r>
-              <a:rPr kumimoji="0" lang="de-DE" altLang="de-DE" sz="2000" b="0" i="0" u="none" strike="noStrike" cap="none" normalizeH="0" baseline="0" dirty="0" smtClean="0">
-                <a:ln>
-                  <a:noFill/>
-                </a:ln>
-                <a:solidFill>
-                  <a:srgbClr val="6897BB"/>
-                </a:solidFill>
-                <a:effectLst/>
-                <a:latin typeface="JetBrains Mono"/>
-              </a:rPr>
-              <a:t>5</a:t>
-            </a:r>
-            <a:r>
-              <a:rPr kumimoji="0" lang="de-DE" altLang="de-DE" sz="2000" b="0" i="0" u="none" strike="noStrike" cap="none" normalizeH="0" baseline="0" dirty="0" smtClean="0">
-                <a:ln>
-                  <a:noFill/>
-                </a:ln>
-                <a:solidFill>
-                  <a:srgbClr val="CC7832"/>
-                </a:solidFill>
-                <a:effectLst/>
-                <a:latin typeface="JetBrains Mono"/>
-              </a:rPr>
-              <a:t>, </a:t>
-            </a:r>
-            <a:r>
-              <a:rPr kumimoji="0" lang="de-DE" altLang="de-DE" sz="2000" b="0" i="0" u="none" strike="noStrike" cap="none" normalizeH="0" baseline="0" dirty="0" smtClean="0">
-                <a:ln>
-                  <a:noFill/>
-                </a:ln>
-                <a:solidFill>
-                  <a:srgbClr val="6A8759"/>
-                </a:solidFill>
-                <a:effectLst/>
-                <a:latin typeface="JetBrains Mono"/>
-              </a:rPr>
-              <a:t>" --&gt; "</a:t>
-            </a:r>
-            <a:r>
-              <a:rPr kumimoji="0" lang="de-DE" altLang="de-DE" sz="2000" b="0" i="0" u="none" strike="noStrike" cap="none" normalizeH="0" baseline="0" dirty="0" smtClean="0">
-                <a:ln>
-                  <a:noFill/>
-                </a:ln>
-                <a:solidFill>
-                  <a:srgbClr val="CC7832"/>
-                </a:solidFill>
-                <a:effectLst/>
-                <a:latin typeface="JetBrains Mono"/>
-              </a:rPr>
-              <a:t>, </a:t>
-            </a:r>
-            <a:r>
-              <a:rPr kumimoji="0" lang="de-DE" altLang="de-DE" sz="2000" b="0" i="0" u="none" strike="noStrike" cap="none" normalizeH="0" baseline="0" dirty="0" smtClean="0">
-                <a:ln>
-                  <a:noFill/>
-                </a:ln>
-                <a:solidFill>
-                  <a:srgbClr val="6A8759"/>
-                </a:solidFill>
-                <a:effectLst/>
-                <a:latin typeface="JetBrains Mono"/>
-              </a:rPr>
-              <a:t>"Umfang:"</a:t>
-            </a:r>
-            <a:r>
-              <a:rPr kumimoji="0" lang="de-DE" altLang="de-DE" sz="2000" b="0" i="0" u="none" strike="noStrike" cap="none" normalizeH="0" baseline="0" dirty="0" smtClean="0">
-                <a:ln>
-                  <a:noFill/>
-                </a:ln>
-                <a:solidFill>
-                  <a:srgbClr val="CC7832"/>
-                </a:solidFill>
-                <a:effectLst/>
-                <a:latin typeface="JetBrains Mono"/>
-              </a:rPr>
-              <a:t>, </a:t>
-            </a:r>
-            <a:r>
-              <a:rPr kumimoji="0" lang="de-DE" altLang="de-DE" sz="2000" b="0" i="0" u="none" strike="noStrike" cap="none" normalizeH="0" baseline="0" dirty="0" smtClean="0">
-                <a:ln>
-                  <a:noFill/>
-                </a:ln>
-                <a:solidFill>
-                  <a:srgbClr val="6897BB"/>
-                </a:solidFill>
-                <a:effectLst/>
-                <a:latin typeface="JetBrains Mono"/>
-              </a:rPr>
-              <a:t>2</a:t>
-            </a:r>
-            <a:r>
-              <a:rPr kumimoji="0" lang="de-DE" altLang="de-DE" sz="2000" b="0" i="0" u="none" strike="noStrike" cap="none" normalizeH="0" baseline="0" dirty="0" smtClean="0">
-                <a:ln>
-                  <a:noFill/>
-                </a:ln>
-                <a:solidFill>
-                  <a:srgbClr val="A9B7C6"/>
-                </a:solidFill>
-                <a:effectLst/>
-                <a:latin typeface="JetBrains Mono"/>
-              </a:rPr>
-              <a:t>*</a:t>
-            </a:r>
-            <a:r>
-              <a:rPr kumimoji="0" lang="de-DE" altLang="de-DE" sz="2000" b="0" i="0" u="none" strike="noStrike" cap="none" normalizeH="0" baseline="0" dirty="0" smtClean="0">
-                <a:ln>
-                  <a:noFill/>
-                </a:ln>
-                <a:solidFill>
-                  <a:srgbClr val="6897BB"/>
-                </a:solidFill>
-                <a:effectLst/>
-                <a:latin typeface="JetBrains Mono"/>
-              </a:rPr>
-              <a:t>5</a:t>
-            </a:r>
-            <a:r>
-              <a:rPr kumimoji="0" lang="de-DE" altLang="de-DE" sz="2000" b="0" i="0" u="none" strike="noStrike" cap="none" normalizeH="0" baseline="0" dirty="0" smtClean="0">
-                <a:ln>
-                  <a:noFill/>
-                </a:ln>
-                <a:solidFill>
-                  <a:srgbClr val="A9B7C6"/>
-                </a:solidFill>
-                <a:effectLst/>
-                <a:latin typeface="JetBrains Mono"/>
-              </a:rPr>
-              <a:t>*</a:t>
-            </a:r>
-            <a:r>
-              <a:rPr kumimoji="0" lang="de-DE" altLang="de-DE" sz="2000" b="0" i="0" u="none" strike="noStrike" cap="none" normalizeH="0" baseline="0" dirty="0" smtClean="0">
-                <a:ln>
-                  <a:noFill/>
-                </a:ln>
-                <a:solidFill>
-                  <a:srgbClr val="6897BB"/>
-                </a:solidFill>
-                <a:effectLst/>
-                <a:latin typeface="JetBrains Mono"/>
-              </a:rPr>
-              <a:t>3.141592</a:t>
-            </a:r>
-            <a:r>
-              <a:rPr kumimoji="0" lang="de-DE" altLang="de-DE" sz="2000" b="0" i="0" u="none" strike="noStrike" cap="none" normalizeH="0" baseline="0" dirty="0" smtClean="0">
-                <a:ln>
-                  <a:noFill/>
-                </a:ln>
-                <a:solidFill>
-                  <a:srgbClr val="CC7832"/>
-                </a:solidFill>
-                <a:effectLst/>
-                <a:latin typeface="JetBrains Mono"/>
-              </a:rPr>
-              <a:t>, </a:t>
-            </a:r>
-            <a:r>
-              <a:rPr kumimoji="0" lang="de-DE" altLang="de-DE" sz="2000" b="0" i="0" u="none" strike="noStrike" cap="none" normalizeH="0" baseline="0" dirty="0" err="1" smtClean="0">
-                <a:ln>
-                  <a:noFill/>
-                </a:ln>
-                <a:solidFill>
-                  <a:srgbClr val="AA4926"/>
-                </a:solidFill>
-                <a:effectLst/>
-                <a:latin typeface="JetBrains Mono"/>
-              </a:rPr>
-              <a:t>sep</a:t>
-            </a:r>
-            <a:r>
-              <a:rPr kumimoji="0" lang="de-DE" altLang="de-DE" sz="2000" b="0" i="0" u="none" strike="noStrike" cap="none" normalizeH="0" baseline="0" dirty="0" smtClean="0">
-                <a:ln>
-                  <a:noFill/>
-                </a:ln>
-                <a:solidFill>
-                  <a:srgbClr val="A9B7C6"/>
-                </a:solidFill>
-                <a:effectLst/>
-                <a:latin typeface="JetBrains Mono"/>
-              </a:rPr>
-              <a:t>=</a:t>
-            </a:r>
-            <a:r>
-              <a:rPr kumimoji="0" lang="de-DE" altLang="de-DE" sz="2000" b="0" i="0" u="none" strike="noStrike" cap="none" normalizeH="0" baseline="0" dirty="0" smtClean="0">
-                <a:ln>
-                  <a:noFill/>
-                </a:ln>
-                <a:solidFill>
-                  <a:srgbClr val="6A8759"/>
-                </a:solidFill>
-                <a:effectLst/>
-                <a:latin typeface="JetBrains Mono"/>
-              </a:rPr>
-              <a:t>""</a:t>
-            </a:r>
-            <a:r>
-              <a:rPr kumimoji="0" lang="de-DE" altLang="de-DE" sz="2000" b="0" i="0" u="none" strike="noStrike" cap="none" normalizeH="0" baseline="0" dirty="0" smtClean="0">
-                <a:ln>
-                  <a:noFill/>
-                </a:ln>
-                <a:solidFill>
-                  <a:srgbClr val="A9B7C6"/>
-                </a:solidFill>
-                <a:effectLst/>
-                <a:latin typeface="JetBrains Mono"/>
-              </a:rPr>
               <a:t>)</a:t>
             </a:r>
-            <a:br>
-              <a:rPr kumimoji="0" lang="de-DE" altLang="de-DE" sz="2000" b="0" i="0" u="none" strike="noStrike" cap="none" normalizeH="0" baseline="0" dirty="0" smtClean="0">
-                <a:ln>
-                  <a:noFill/>
-                </a:ln>
-                <a:solidFill>
-                  <a:srgbClr val="A9B7C6"/>
-                </a:solidFill>
-                <a:effectLst/>
-                <a:latin typeface="JetBrains Mono"/>
-              </a:rPr>
-            </a:br>
-            <a:r>
-              <a:rPr kumimoji="0" lang="de-DE" altLang="de-DE" sz="2000" b="0" i="0" u="none" strike="noStrike" cap="none" normalizeH="0" baseline="0" dirty="0" err="1" smtClean="0">
-                <a:ln>
-                  <a:noFill/>
-                </a:ln>
-                <a:solidFill>
-                  <a:srgbClr val="8888C6"/>
-                </a:solidFill>
-                <a:effectLst/>
-                <a:latin typeface="JetBrains Mono"/>
-              </a:rPr>
-              <a:t>print</a:t>
-            </a:r>
-            <a:r>
-              <a:rPr kumimoji="0" lang="de-DE" altLang="de-DE" sz="2000" b="0" i="0" u="none" strike="noStrike" cap="none" normalizeH="0" baseline="0" dirty="0" smtClean="0">
-                <a:ln>
-                  <a:noFill/>
-                </a:ln>
-                <a:solidFill>
-                  <a:srgbClr val="A9B7C6"/>
-                </a:solidFill>
-                <a:effectLst/>
-                <a:latin typeface="JetBrains Mono"/>
-              </a:rPr>
-              <a:t>(</a:t>
-            </a:r>
-            <a:r>
-              <a:rPr kumimoji="0" lang="de-DE" altLang="de-DE" sz="2000" b="0" i="0" u="none" strike="noStrike" cap="none" normalizeH="0" baseline="0" dirty="0" smtClean="0">
-                <a:ln>
-                  <a:noFill/>
-                </a:ln>
-                <a:solidFill>
-                  <a:srgbClr val="6A8759"/>
-                </a:solidFill>
-                <a:effectLst/>
-                <a:latin typeface="JetBrains Mono"/>
-              </a:rPr>
-              <a:t>"Radius:"</a:t>
-            </a:r>
-            <a:r>
-              <a:rPr kumimoji="0" lang="de-DE" altLang="de-DE" sz="2000" b="0" i="0" u="none" strike="noStrike" cap="none" normalizeH="0" baseline="0" dirty="0" smtClean="0">
-                <a:ln>
-                  <a:noFill/>
-                </a:ln>
-                <a:solidFill>
-                  <a:srgbClr val="CC7832"/>
-                </a:solidFill>
-                <a:effectLst/>
-                <a:latin typeface="JetBrains Mono"/>
-              </a:rPr>
-              <a:t>, </a:t>
-            </a:r>
-            <a:r>
-              <a:rPr kumimoji="0" lang="de-DE" altLang="de-DE" sz="2000" b="0" i="0" u="none" strike="noStrike" cap="none" normalizeH="0" baseline="0" dirty="0" smtClean="0">
-                <a:ln>
-                  <a:noFill/>
-                </a:ln>
-                <a:solidFill>
-                  <a:srgbClr val="6897BB"/>
-                </a:solidFill>
-                <a:effectLst/>
-                <a:latin typeface="JetBrains Mono"/>
-              </a:rPr>
-              <a:t>5</a:t>
-            </a:r>
-            <a:r>
-              <a:rPr kumimoji="0" lang="de-DE" altLang="de-DE" sz="2000" b="0" i="0" u="none" strike="noStrike" cap="none" normalizeH="0" baseline="0" dirty="0" smtClean="0">
-                <a:ln>
-                  <a:noFill/>
-                </a:ln>
-                <a:solidFill>
-                  <a:srgbClr val="CC7832"/>
-                </a:solidFill>
-                <a:effectLst/>
-                <a:latin typeface="JetBrains Mono"/>
-              </a:rPr>
-              <a:t>, </a:t>
-            </a:r>
-            <a:r>
-              <a:rPr kumimoji="0" lang="de-DE" altLang="de-DE" sz="2000" b="0" i="0" u="none" strike="noStrike" cap="none" normalizeH="0" baseline="0" dirty="0" smtClean="0">
-                <a:ln>
-                  <a:noFill/>
-                </a:ln>
-                <a:solidFill>
-                  <a:srgbClr val="6A8759"/>
-                </a:solidFill>
-                <a:effectLst/>
-                <a:latin typeface="JetBrains Mono"/>
-              </a:rPr>
-              <a:t>" --&gt; "</a:t>
-            </a:r>
-            <a:r>
-              <a:rPr kumimoji="0" lang="de-DE" altLang="de-DE" sz="2000" b="0" i="0" u="none" strike="noStrike" cap="none" normalizeH="0" baseline="0" dirty="0" smtClean="0">
-                <a:ln>
-                  <a:noFill/>
-                </a:ln>
-                <a:solidFill>
-                  <a:srgbClr val="CC7832"/>
-                </a:solidFill>
-                <a:effectLst/>
-                <a:latin typeface="JetBrains Mono"/>
-              </a:rPr>
-              <a:t>, </a:t>
-            </a:r>
-            <a:r>
-              <a:rPr kumimoji="0" lang="de-DE" altLang="de-DE" sz="2000" b="0" i="0" u="none" strike="noStrike" cap="none" normalizeH="0" baseline="0" dirty="0" smtClean="0">
-                <a:ln>
-                  <a:noFill/>
-                </a:ln>
-                <a:solidFill>
-                  <a:srgbClr val="6A8759"/>
-                </a:solidFill>
-                <a:effectLst/>
-                <a:latin typeface="JetBrains Mono"/>
-              </a:rPr>
-              <a:t>"Umfang:"</a:t>
-            </a:r>
-            <a:r>
-              <a:rPr kumimoji="0" lang="de-DE" altLang="de-DE" sz="2000" b="0" i="0" u="none" strike="noStrike" cap="none" normalizeH="0" baseline="0" dirty="0" smtClean="0">
-                <a:ln>
-                  <a:noFill/>
-                </a:ln>
-                <a:solidFill>
-                  <a:srgbClr val="CC7832"/>
-                </a:solidFill>
-                <a:effectLst/>
-                <a:latin typeface="JetBrains Mono"/>
-              </a:rPr>
-              <a:t>, </a:t>
-            </a:r>
-            <a:r>
-              <a:rPr kumimoji="0" lang="de-DE" altLang="de-DE" sz="2000" b="0" i="0" u="none" strike="noStrike" cap="none" normalizeH="0" baseline="0" dirty="0" smtClean="0">
-                <a:ln>
-                  <a:noFill/>
-                </a:ln>
-                <a:solidFill>
-                  <a:srgbClr val="6897BB"/>
-                </a:solidFill>
-                <a:effectLst/>
-                <a:latin typeface="JetBrains Mono"/>
-              </a:rPr>
-              <a:t>2</a:t>
-            </a:r>
-            <a:r>
-              <a:rPr kumimoji="0" lang="de-DE" altLang="de-DE" sz="2000" b="0" i="0" u="none" strike="noStrike" cap="none" normalizeH="0" baseline="0" dirty="0" smtClean="0">
-                <a:ln>
-                  <a:noFill/>
-                </a:ln>
-                <a:solidFill>
-                  <a:srgbClr val="A9B7C6"/>
-                </a:solidFill>
-                <a:effectLst/>
-                <a:latin typeface="JetBrains Mono"/>
-              </a:rPr>
-              <a:t>*</a:t>
-            </a:r>
-            <a:r>
-              <a:rPr kumimoji="0" lang="de-DE" altLang="de-DE" sz="2000" b="0" i="0" u="none" strike="noStrike" cap="none" normalizeH="0" baseline="0" dirty="0" smtClean="0">
-                <a:ln>
-                  <a:noFill/>
-                </a:ln>
-                <a:solidFill>
-                  <a:srgbClr val="6897BB"/>
-                </a:solidFill>
-                <a:effectLst/>
-                <a:latin typeface="JetBrains Mono"/>
-              </a:rPr>
-              <a:t>5</a:t>
-            </a:r>
-            <a:r>
-              <a:rPr kumimoji="0" lang="de-DE" altLang="de-DE" sz="2000" b="0" i="0" u="none" strike="noStrike" cap="none" normalizeH="0" baseline="0" dirty="0" smtClean="0">
-                <a:ln>
-                  <a:noFill/>
-                </a:ln>
-                <a:solidFill>
-                  <a:srgbClr val="A9B7C6"/>
-                </a:solidFill>
-                <a:effectLst/>
-                <a:latin typeface="JetBrains Mono"/>
-              </a:rPr>
-              <a:t>*</a:t>
-            </a:r>
-            <a:r>
-              <a:rPr kumimoji="0" lang="de-DE" altLang="de-DE" sz="2000" b="0" i="0" u="none" strike="noStrike" cap="none" normalizeH="0" baseline="0" dirty="0" smtClean="0">
-                <a:ln>
-                  <a:noFill/>
-                </a:ln>
-                <a:solidFill>
-                  <a:srgbClr val="6897BB"/>
-                </a:solidFill>
-                <a:effectLst/>
-                <a:latin typeface="JetBrains Mono"/>
-              </a:rPr>
-              <a:t>3.141592</a:t>
-            </a:r>
-            <a:r>
-              <a:rPr kumimoji="0" lang="de-DE" altLang="de-DE" sz="2000" b="0" i="0" u="none" strike="noStrike" cap="none" normalizeH="0" baseline="0" dirty="0" smtClean="0">
-                <a:ln>
-                  <a:noFill/>
-                </a:ln>
-                <a:solidFill>
-                  <a:srgbClr val="CC7832"/>
-                </a:solidFill>
-                <a:effectLst/>
-                <a:latin typeface="JetBrains Mono"/>
-              </a:rPr>
-              <a:t>, </a:t>
-            </a:r>
-            <a:r>
-              <a:rPr kumimoji="0" lang="de-DE" altLang="de-DE" sz="2000" b="0" i="0" u="none" strike="noStrike" cap="none" normalizeH="0" baseline="0" dirty="0" err="1" smtClean="0">
-                <a:ln>
-                  <a:noFill/>
-                </a:ln>
-                <a:solidFill>
-                  <a:srgbClr val="AA4926"/>
-                </a:solidFill>
-                <a:effectLst/>
-                <a:latin typeface="JetBrains Mono"/>
-              </a:rPr>
-              <a:t>sep</a:t>
-            </a:r>
-            <a:r>
-              <a:rPr kumimoji="0" lang="de-DE" altLang="de-DE" sz="2000" b="0" i="0" u="none" strike="noStrike" cap="none" normalizeH="0" baseline="0" dirty="0" smtClean="0">
-                <a:ln>
-                  <a:noFill/>
-                </a:ln>
-                <a:solidFill>
-                  <a:srgbClr val="A9B7C6"/>
-                </a:solidFill>
-                <a:effectLst/>
-                <a:latin typeface="JetBrains Mono"/>
-              </a:rPr>
-              <a:t>=</a:t>
-            </a:r>
-            <a:r>
-              <a:rPr kumimoji="0" lang="de-DE" altLang="de-DE" sz="2000" b="0" i="0" u="none" strike="noStrike" cap="none" normalizeH="0" baseline="0" dirty="0" smtClean="0">
-                <a:ln>
-                  <a:noFill/>
-                </a:ln>
-                <a:solidFill>
-                  <a:srgbClr val="6A8759"/>
-                </a:solidFill>
-                <a:effectLst/>
-                <a:latin typeface="JetBrains Mono"/>
-              </a:rPr>
-              <a:t>"::"</a:t>
-            </a:r>
-            <a:r>
-              <a:rPr kumimoji="0" lang="de-DE" altLang="de-DE" sz="2000" b="0" i="0" u="none" strike="noStrike" cap="none" normalizeH="0" baseline="0" dirty="0" smtClean="0">
-                <a:ln>
-                  <a:noFill/>
-                </a:ln>
-                <a:solidFill>
-                  <a:srgbClr val="A9B7C6"/>
-                </a:solidFill>
-                <a:effectLst/>
-                <a:latin typeface="JetBrains Mono"/>
-              </a:rPr>
-              <a:t>)</a:t>
-            </a:r>
-            <a:br>
-              <a:rPr kumimoji="0" lang="de-DE" altLang="de-DE" sz="2000" b="0" i="0" u="none" strike="noStrike" cap="none" normalizeH="0" baseline="0" dirty="0" smtClean="0">
-                <a:ln>
-                  <a:noFill/>
-                </a:ln>
-                <a:solidFill>
-                  <a:srgbClr val="A9B7C6"/>
-                </a:solidFill>
-                <a:effectLst/>
-                <a:latin typeface="JetBrains Mono"/>
-              </a:rPr>
-            </a:br>
-            <a:r>
-              <a:rPr kumimoji="0" lang="de-DE" altLang="de-DE" sz="2000" b="0" i="0" u="none" strike="noStrike" cap="none" normalizeH="0" baseline="0" dirty="0" err="1" smtClean="0">
-                <a:ln>
-                  <a:noFill/>
-                </a:ln>
-                <a:solidFill>
-                  <a:srgbClr val="8888C6"/>
-                </a:solidFill>
-                <a:effectLst/>
-                <a:latin typeface="JetBrains Mono"/>
-              </a:rPr>
-              <a:t>print</a:t>
-            </a:r>
-            <a:r>
-              <a:rPr kumimoji="0" lang="de-DE" altLang="de-DE" sz="2000" b="0" i="0" u="none" strike="noStrike" cap="none" normalizeH="0" baseline="0" dirty="0" smtClean="0">
-                <a:ln>
-                  <a:noFill/>
-                </a:ln>
-                <a:solidFill>
-                  <a:srgbClr val="A9B7C6"/>
-                </a:solidFill>
-                <a:effectLst/>
-                <a:latin typeface="JetBrains Mono"/>
-              </a:rPr>
-              <a:t>(</a:t>
-            </a:r>
-            <a:r>
-              <a:rPr kumimoji="0" lang="de-DE" altLang="de-DE" sz="2000" b="0" i="0" u="none" strike="noStrike" cap="none" normalizeH="0" baseline="0" dirty="0" smtClean="0">
-                <a:ln>
-                  <a:noFill/>
-                </a:ln>
-                <a:solidFill>
-                  <a:srgbClr val="6A8759"/>
-                </a:solidFill>
-                <a:effectLst/>
-                <a:latin typeface="JetBrains Mono"/>
-              </a:rPr>
-              <a:t>"Radius:"</a:t>
-            </a:r>
-            <a:r>
-              <a:rPr kumimoji="0" lang="de-DE" altLang="de-DE" sz="2000" b="0" i="0" u="none" strike="noStrike" cap="none" normalizeH="0" baseline="0" dirty="0" smtClean="0">
-                <a:ln>
-                  <a:noFill/>
-                </a:ln>
-                <a:solidFill>
-                  <a:srgbClr val="CC7832"/>
-                </a:solidFill>
-                <a:effectLst/>
-                <a:latin typeface="JetBrains Mono"/>
-              </a:rPr>
-              <a:t>, </a:t>
-            </a:r>
-            <a:r>
-              <a:rPr kumimoji="0" lang="de-DE" altLang="de-DE" sz="2000" b="0" i="0" u="none" strike="noStrike" cap="none" normalizeH="0" baseline="0" dirty="0" smtClean="0">
-                <a:ln>
-                  <a:noFill/>
-                </a:ln>
-                <a:solidFill>
-                  <a:srgbClr val="6897BB"/>
-                </a:solidFill>
-                <a:effectLst/>
-                <a:latin typeface="JetBrains Mono"/>
-              </a:rPr>
-              <a:t>5</a:t>
-            </a:r>
-            <a:r>
-              <a:rPr kumimoji="0" lang="de-DE" altLang="de-DE" sz="2000" b="0" i="0" u="none" strike="noStrike" cap="none" normalizeH="0" baseline="0" dirty="0" smtClean="0">
-                <a:ln>
-                  <a:noFill/>
-                </a:ln>
-                <a:solidFill>
-                  <a:srgbClr val="CC7832"/>
-                </a:solidFill>
-                <a:effectLst/>
-                <a:latin typeface="JetBrains Mono"/>
-              </a:rPr>
-              <a:t>, </a:t>
-            </a:r>
-            <a:r>
-              <a:rPr kumimoji="0" lang="de-DE" altLang="de-DE" sz="2000" b="0" i="0" u="none" strike="noStrike" cap="none" normalizeH="0" baseline="0" dirty="0" smtClean="0">
-                <a:ln>
-                  <a:noFill/>
-                </a:ln>
-                <a:solidFill>
-                  <a:srgbClr val="6A8759"/>
-                </a:solidFill>
-                <a:effectLst/>
-                <a:latin typeface="JetBrains Mono"/>
-              </a:rPr>
-              <a:t>" --&gt; "</a:t>
-            </a:r>
-            <a:r>
-              <a:rPr kumimoji="0" lang="de-DE" altLang="de-DE" sz="2000" b="0" i="0" u="none" strike="noStrike" cap="none" normalizeH="0" baseline="0" dirty="0" smtClean="0">
-                <a:ln>
-                  <a:noFill/>
-                </a:ln>
-                <a:solidFill>
-                  <a:srgbClr val="CC7832"/>
-                </a:solidFill>
-                <a:effectLst/>
-                <a:latin typeface="JetBrains Mono"/>
-              </a:rPr>
-              <a:t>, </a:t>
-            </a:r>
-            <a:r>
-              <a:rPr kumimoji="0" lang="de-DE" altLang="de-DE" sz="2000" b="0" i="0" u="none" strike="noStrike" cap="none" normalizeH="0" baseline="0" dirty="0" smtClean="0">
-                <a:ln>
-                  <a:noFill/>
-                </a:ln>
-                <a:solidFill>
-                  <a:srgbClr val="6A8759"/>
-                </a:solidFill>
-                <a:effectLst/>
-                <a:latin typeface="JetBrains Mono"/>
-              </a:rPr>
-              <a:t>"Umfang:"</a:t>
-            </a:r>
-            <a:r>
-              <a:rPr kumimoji="0" lang="de-DE" altLang="de-DE" sz="2000" b="0" i="0" u="none" strike="noStrike" cap="none" normalizeH="0" baseline="0" dirty="0" smtClean="0">
-                <a:ln>
-                  <a:noFill/>
-                </a:ln>
-                <a:solidFill>
-                  <a:srgbClr val="CC7832"/>
-                </a:solidFill>
-                <a:effectLst/>
-                <a:latin typeface="JetBrains Mono"/>
-              </a:rPr>
-              <a:t>, </a:t>
-            </a:r>
-            <a:r>
-              <a:rPr kumimoji="0" lang="de-DE" altLang="de-DE" sz="2000" b="0" i="0" u="none" strike="noStrike" cap="none" normalizeH="0" baseline="0" dirty="0" smtClean="0">
-                <a:ln>
-                  <a:noFill/>
-                </a:ln>
-                <a:solidFill>
-                  <a:srgbClr val="6897BB"/>
-                </a:solidFill>
-                <a:effectLst/>
-                <a:latin typeface="JetBrains Mono"/>
-              </a:rPr>
-              <a:t>2</a:t>
-            </a:r>
-            <a:r>
-              <a:rPr kumimoji="0" lang="de-DE" altLang="de-DE" sz="2000" b="0" i="0" u="none" strike="noStrike" cap="none" normalizeH="0" baseline="0" dirty="0" smtClean="0">
-                <a:ln>
-                  <a:noFill/>
-                </a:ln>
-                <a:solidFill>
-                  <a:srgbClr val="A9B7C6"/>
-                </a:solidFill>
-                <a:effectLst/>
-                <a:latin typeface="JetBrains Mono"/>
-              </a:rPr>
-              <a:t>*</a:t>
-            </a:r>
-            <a:r>
-              <a:rPr kumimoji="0" lang="de-DE" altLang="de-DE" sz="2000" b="0" i="0" u="none" strike="noStrike" cap="none" normalizeH="0" baseline="0" dirty="0" smtClean="0">
-                <a:ln>
-                  <a:noFill/>
-                </a:ln>
-                <a:solidFill>
-                  <a:srgbClr val="6897BB"/>
-                </a:solidFill>
-                <a:effectLst/>
-                <a:latin typeface="JetBrains Mono"/>
-              </a:rPr>
-              <a:t>5</a:t>
-            </a:r>
-            <a:r>
-              <a:rPr kumimoji="0" lang="de-DE" altLang="de-DE" sz="2000" b="0" i="0" u="none" strike="noStrike" cap="none" normalizeH="0" baseline="0" dirty="0" smtClean="0">
-                <a:ln>
-                  <a:noFill/>
-                </a:ln>
-                <a:solidFill>
-                  <a:srgbClr val="A9B7C6"/>
-                </a:solidFill>
-                <a:effectLst/>
-                <a:latin typeface="JetBrains Mono"/>
-              </a:rPr>
-              <a:t>*</a:t>
-            </a:r>
-            <a:r>
-              <a:rPr kumimoji="0" lang="de-DE" altLang="de-DE" sz="2000" b="0" i="0" u="none" strike="noStrike" cap="none" normalizeH="0" baseline="0" dirty="0" smtClean="0">
-                <a:ln>
-                  <a:noFill/>
-                </a:ln>
-                <a:solidFill>
-                  <a:srgbClr val="6897BB"/>
-                </a:solidFill>
-                <a:effectLst/>
-                <a:latin typeface="JetBrains Mono"/>
-              </a:rPr>
-              <a:t>3.141592</a:t>
-            </a:r>
-            <a:r>
-              <a:rPr kumimoji="0" lang="de-DE" altLang="de-DE" sz="2000" b="0" i="0" u="none" strike="noStrike" cap="none" normalizeH="0" baseline="0" dirty="0" smtClean="0">
-                <a:ln>
-                  <a:noFill/>
-                </a:ln>
-                <a:solidFill>
-                  <a:srgbClr val="CC7832"/>
-                </a:solidFill>
-                <a:effectLst/>
-                <a:latin typeface="JetBrains Mono"/>
-              </a:rPr>
-              <a:t>, </a:t>
-            </a:r>
-            <a:r>
-              <a:rPr kumimoji="0" lang="de-DE" altLang="de-DE" sz="2000" b="0" i="0" u="none" strike="noStrike" cap="none" normalizeH="0" baseline="0" dirty="0" err="1" smtClean="0">
-                <a:ln>
-                  <a:noFill/>
-                </a:ln>
-                <a:solidFill>
-                  <a:srgbClr val="AA4926"/>
-                </a:solidFill>
-                <a:effectLst/>
-                <a:latin typeface="JetBrains Mono"/>
-              </a:rPr>
-              <a:t>sep</a:t>
-            </a:r>
-            <a:r>
-              <a:rPr kumimoji="0" lang="de-DE" altLang="de-DE" sz="2000" b="0" i="0" u="none" strike="noStrike" cap="none" normalizeH="0" baseline="0" dirty="0" smtClean="0">
-                <a:ln>
-                  <a:noFill/>
-                </a:ln>
-                <a:solidFill>
-                  <a:srgbClr val="A9B7C6"/>
-                </a:solidFill>
-                <a:effectLst/>
-                <a:latin typeface="JetBrains Mono"/>
-              </a:rPr>
-              <a:t>=</a:t>
-            </a:r>
-            <a:r>
-              <a:rPr kumimoji="0" lang="de-DE" altLang="de-DE" sz="2000" b="0" i="0" u="none" strike="noStrike" cap="none" normalizeH="0" baseline="0" dirty="0" smtClean="0">
-                <a:ln>
-                  <a:noFill/>
-                </a:ln>
-                <a:solidFill>
-                  <a:srgbClr val="6A8759"/>
-                </a:solidFill>
-                <a:effectLst/>
-                <a:latin typeface="JetBrains Mono"/>
-              </a:rPr>
-              <a:t>"</a:t>
-            </a:r>
-            <a:r>
-              <a:rPr kumimoji="0" lang="de-DE" altLang="de-DE" sz="2000" b="0" i="0" u="none" strike="noStrike" cap="none" normalizeH="0" baseline="0" dirty="0" smtClean="0">
-                <a:ln>
-                  <a:noFill/>
-                </a:ln>
-                <a:solidFill>
-                  <a:srgbClr val="CC7832"/>
-                </a:solidFill>
-                <a:effectLst/>
-                <a:latin typeface="JetBrains Mono"/>
-              </a:rPr>
-              <a:t>\t</a:t>
-            </a:r>
-            <a:r>
-              <a:rPr kumimoji="0" lang="de-DE" altLang="de-DE" sz="2000" b="0" i="0" u="none" strike="noStrike" cap="none" normalizeH="0" baseline="0" dirty="0" smtClean="0">
-                <a:ln>
-                  <a:noFill/>
-                </a:ln>
-                <a:solidFill>
-                  <a:srgbClr val="6A8759"/>
-                </a:solidFill>
-                <a:effectLst/>
-                <a:latin typeface="JetBrains Mono"/>
-              </a:rPr>
-              <a:t>"</a:t>
-            </a:r>
-            <a:r>
-              <a:rPr kumimoji="0" lang="de-DE" altLang="de-DE" sz="2000" b="0" i="0" u="none" strike="noStrike" cap="none" normalizeH="0" baseline="0" dirty="0" smtClean="0">
-                <a:ln>
-                  <a:noFill/>
-                </a:ln>
-                <a:solidFill>
-                  <a:srgbClr val="A9B7C6"/>
-                </a:solidFill>
-                <a:effectLst/>
-                <a:latin typeface="JetBrains Mono"/>
-              </a:rPr>
-              <a:t>)</a:t>
-            </a:r>
-            <a:br>
-              <a:rPr kumimoji="0" lang="de-DE" altLang="de-DE" sz="2000" b="0" i="0" u="none" strike="noStrike" cap="none" normalizeH="0" baseline="0" dirty="0" smtClean="0">
-                <a:ln>
-                  <a:noFill/>
-                </a:ln>
-                <a:solidFill>
-                  <a:srgbClr val="A9B7C6"/>
-                </a:solidFill>
-                <a:effectLst/>
-                <a:latin typeface="JetBrains Mono"/>
-              </a:rPr>
-            </a:br>
-            <a:r>
-              <a:rPr kumimoji="0" lang="de-DE" altLang="de-DE" sz="2000" b="0" i="0" u="none" strike="noStrike" cap="none" normalizeH="0" baseline="0" dirty="0" err="1" smtClean="0">
-                <a:ln>
-                  <a:noFill/>
-                </a:ln>
-                <a:solidFill>
-                  <a:srgbClr val="8888C6"/>
-                </a:solidFill>
-                <a:effectLst/>
-                <a:latin typeface="JetBrains Mono"/>
-              </a:rPr>
-              <a:t>print</a:t>
-            </a:r>
-            <a:r>
-              <a:rPr kumimoji="0" lang="de-DE" altLang="de-DE" sz="2000" b="0" i="0" u="none" strike="noStrike" cap="none" normalizeH="0" baseline="0" dirty="0" smtClean="0">
-                <a:ln>
-                  <a:noFill/>
-                </a:ln>
-                <a:solidFill>
-                  <a:srgbClr val="A9B7C6"/>
-                </a:solidFill>
-                <a:effectLst/>
-                <a:latin typeface="JetBrains Mono"/>
-              </a:rPr>
-              <a:t>(</a:t>
-            </a:r>
-            <a:r>
-              <a:rPr kumimoji="0" lang="de-DE" altLang="de-DE" sz="2000" b="0" i="0" u="none" strike="noStrike" cap="none" normalizeH="0" baseline="0" dirty="0" smtClean="0">
-                <a:ln>
-                  <a:noFill/>
-                </a:ln>
-                <a:solidFill>
-                  <a:srgbClr val="6A8759"/>
-                </a:solidFill>
-                <a:effectLst/>
-                <a:latin typeface="JetBrains Mono"/>
-              </a:rPr>
-              <a:t>"Radius:"</a:t>
-            </a:r>
-            <a:r>
-              <a:rPr kumimoji="0" lang="de-DE" altLang="de-DE" sz="2000" b="0" i="0" u="none" strike="noStrike" cap="none" normalizeH="0" baseline="0" dirty="0" smtClean="0">
-                <a:ln>
-                  <a:noFill/>
-                </a:ln>
-                <a:solidFill>
-                  <a:srgbClr val="CC7832"/>
-                </a:solidFill>
-                <a:effectLst/>
-                <a:latin typeface="JetBrains Mono"/>
-              </a:rPr>
-              <a:t>, </a:t>
-            </a:r>
-            <a:r>
-              <a:rPr kumimoji="0" lang="de-DE" altLang="de-DE" sz="2000" b="0" i="0" u="none" strike="noStrike" cap="none" normalizeH="0" baseline="0" dirty="0" smtClean="0">
-                <a:ln>
-                  <a:noFill/>
-                </a:ln>
-                <a:solidFill>
-                  <a:srgbClr val="6897BB"/>
-                </a:solidFill>
-                <a:effectLst/>
-                <a:latin typeface="JetBrains Mono"/>
-              </a:rPr>
-              <a:t>5</a:t>
-            </a:r>
-            <a:r>
-              <a:rPr kumimoji="0" lang="de-DE" altLang="de-DE" sz="2000" b="0" i="0" u="none" strike="noStrike" cap="none" normalizeH="0" baseline="0" dirty="0" smtClean="0">
-                <a:ln>
-                  <a:noFill/>
-                </a:ln>
-                <a:solidFill>
-                  <a:srgbClr val="CC7832"/>
-                </a:solidFill>
-                <a:effectLst/>
-                <a:latin typeface="JetBrains Mono"/>
-              </a:rPr>
-              <a:t>, </a:t>
-            </a:r>
-            <a:r>
-              <a:rPr kumimoji="0" lang="de-DE" altLang="de-DE" sz="2000" b="0" i="0" u="none" strike="noStrike" cap="none" normalizeH="0" baseline="0" dirty="0" smtClean="0">
-                <a:ln>
-                  <a:noFill/>
-                </a:ln>
-                <a:solidFill>
-                  <a:srgbClr val="AA4926"/>
-                </a:solidFill>
-                <a:effectLst/>
-                <a:latin typeface="JetBrains Mono"/>
-              </a:rPr>
-              <a:t>end</a:t>
-            </a:r>
-            <a:r>
-              <a:rPr kumimoji="0" lang="de-DE" altLang="de-DE" sz="2000" b="0" i="0" u="none" strike="noStrike" cap="none" normalizeH="0" baseline="0" dirty="0" smtClean="0">
-                <a:ln>
-                  <a:noFill/>
-                </a:ln>
-                <a:solidFill>
-                  <a:srgbClr val="A9B7C6"/>
-                </a:solidFill>
-                <a:effectLst/>
-                <a:latin typeface="JetBrains Mono"/>
-              </a:rPr>
-              <a:t>=</a:t>
-            </a:r>
-            <a:r>
-              <a:rPr kumimoji="0" lang="de-DE" altLang="de-DE" sz="2000" b="0" i="0" u="none" strike="noStrike" cap="none" normalizeH="0" baseline="0" dirty="0" smtClean="0">
-                <a:ln>
-                  <a:noFill/>
-                </a:ln>
-                <a:solidFill>
-                  <a:srgbClr val="6A8759"/>
-                </a:solidFill>
-                <a:effectLst/>
-                <a:latin typeface="JetBrains Mono"/>
-              </a:rPr>
-              <a:t>""</a:t>
-            </a:r>
-            <a:r>
-              <a:rPr kumimoji="0" lang="de-DE" altLang="de-DE" sz="2000" b="0" i="0" u="none" strike="noStrike" cap="none" normalizeH="0" baseline="0" dirty="0" smtClean="0">
-                <a:ln>
-                  <a:noFill/>
-                </a:ln>
-                <a:solidFill>
-                  <a:srgbClr val="CC7832"/>
-                </a:solidFill>
-                <a:effectLst/>
-                <a:latin typeface="JetBrains Mono"/>
-              </a:rPr>
-              <a:t>, </a:t>
-            </a:r>
-            <a:r>
-              <a:rPr kumimoji="0" lang="de-DE" altLang="de-DE" sz="2000" b="0" i="0" u="none" strike="noStrike" cap="none" normalizeH="0" baseline="0" dirty="0" err="1" smtClean="0">
-                <a:ln>
-                  <a:noFill/>
-                </a:ln>
-                <a:solidFill>
-                  <a:srgbClr val="AA4926"/>
-                </a:solidFill>
-                <a:effectLst/>
-                <a:latin typeface="JetBrains Mono"/>
-              </a:rPr>
-              <a:t>flush</a:t>
-            </a:r>
-            <a:r>
-              <a:rPr kumimoji="0" lang="de-DE" altLang="de-DE" sz="2000" b="0" i="0" u="none" strike="noStrike" cap="none" normalizeH="0" baseline="0" dirty="0" smtClean="0">
-                <a:ln>
-                  <a:noFill/>
-                </a:ln>
-                <a:solidFill>
-                  <a:srgbClr val="A9B7C6"/>
-                </a:solidFill>
-                <a:effectLst/>
-                <a:latin typeface="JetBrains Mono"/>
-              </a:rPr>
-              <a:t>=</a:t>
-            </a:r>
-            <a:r>
-              <a:rPr kumimoji="0" lang="de-DE" altLang="de-DE" sz="2000" b="0" i="0" u="none" strike="noStrike" cap="none" normalizeH="0" baseline="0" dirty="0" smtClean="0">
-                <a:ln>
-                  <a:noFill/>
-                </a:ln>
-                <a:solidFill>
-                  <a:srgbClr val="CC7832"/>
-                </a:solidFill>
-                <a:effectLst/>
-                <a:latin typeface="JetBrains Mono"/>
-              </a:rPr>
-              <a:t>True</a:t>
-            </a:r>
-            <a:r>
-              <a:rPr kumimoji="0" lang="de-DE" altLang="de-DE" sz="2000" b="0" i="0" u="none" strike="noStrike" cap="none" normalizeH="0" baseline="0" dirty="0" smtClean="0">
-                <a:ln>
-                  <a:noFill/>
-                </a:ln>
-                <a:solidFill>
-                  <a:srgbClr val="A9B7C6"/>
-                </a:solidFill>
-                <a:effectLst/>
-                <a:latin typeface="JetBrains Mono"/>
-              </a:rPr>
-              <a:t>)</a:t>
-            </a:r>
-            <a:br>
-              <a:rPr kumimoji="0" lang="de-DE" altLang="de-DE" sz="2000" b="0" i="0" u="none" strike="noStrike" cap="none" normalizeH="0" baseline="0" dirty="0" smtClean="0">
-                <a:ln>
-                  <a:noFill/>
-                </a:ln>
-                <a:solidFill>
-                  <a:srgbClr val="A9B7C6"/>
-                </a:solidFill>
-                <a:effectLst/>
-                <a:latin typeface="JetBrains Mono"/>
-              </a:rPr>
-            </a:br>
-            <a:r>
-              <a:rPr kumimoji="0" lang="de-DE" altLang="de-DE" sz="2000" b="0" i="0" u="none" strike="noStrike" cap="none" normalizeH="0" baseline="0" dirty="0" err="1" smtClean="0">
-                <a:ln>
-                  <a:noFill/>
-                </a:ln>
-                <a:solidFill>
-                  <a:srgbClr val="8888C6"/>
-                </a:solidFill>
-                <a:effectLst/>
-                <a:latin typeface="JetBrains Mono"/>
-              </a:rPr>
-              <a:t>print</a:t>
-            </a:r>
-            <a:r>
-              <a:rPr kumimoji="0" lang="de-DE" altLang="de-DE" sz="2000" b="0" i="0" u="none" strike="noStrike" cap="none" normalizeH="0" baseline="0" dirty="0" smtClean="0">
-                <a:ln>
-                  <a:noFill/>
-                </a:ln>
-                <a:solidFill>
-                  <a:srgbClr val="A9B7C6"/>
-                </a:solidFill>
-                <a:effectLst/>
-                <a:latin typeface="JetBrains Mono"/>
-              </a:rPr>
-              <a:t>(</a:t>
-            </a:r>
-            <a:r>
-              <a:rPr kumimoji="0" lang="de-DE" altLang="de-DE" sz="2000" b="0" i="0" u="none" strike="noStrike" cap="none" normalizeH="0" baseline="0" dirty="0" smtClean="0">
-                <a:ln>
-                  <a:noFill/>
-                </a:ln>
-                <a:solidFill>
-                  <a:srgbClr val="6A8759"/>
-                </a:solidFill>
-                <a:effectLst/>
-                <a:latin typeface="JetBrains Mono"/>
-              </a:rPr>
-              <a:t>" --&gt; "</a:t>
-            </a:r>
-            <a:r>
-              <a:rPr kumimoji="0" lang="de-DE" altLang="de-DE" sz="2000" b="0" i="0" u="none" strike="noStrike" cap="none" normalizeH="0" baseline="0" dirty="0" smtClean="0">
-                <a:ln>
-                  <a:noFill/>
-                </a:ln>
-                <a:solidFill>
-                  <a:srgbClr val="CC7832"/>
-                </a:solidFill>
-                <a:effectLst/>
-                <a:latin typeface="JetBrains Mono"/>
-              </a:rPr>
-              <a:t>, </a:t>
-            </a:r>
-            <a:r>
-              <a:rPr kumimoji="0" lang="de-DE" altLang="de-DE" sz="2000" b="0" i="0" u="none" strike="noStrike" cap="none" normalizeH="0" baseline="0" dirty="0" smtClean="0">
-                <a:ln>
-                  <a:noFill/>
-                </a:ln>
-                <a:solidFill>
-                  <a:srgbClr val="6A8759"/>
-                </a:solidFill>
-                <a:effectLst/>
-                <a:latin typeface="JetBrains Mono"/>
-              </a:rPr>
-              <a:t>"Umfang:"</a:t>
-            </a:r>
-            <a:r>
-              <a:rPr kumimoji="0" lang="de-DE" altLang="de-DE" sz="2000" b="0" i="0" u="none" strike="noStrike" cap="none" normalizeH="0" baseline="0" dirty="0" smtClean="0">
-                <a:ln>
-                  <a:noFill/>
-                </a:ln>
-                <a:solidFill>
-                  <a:srgbClr val="CC7832"/>
-                </a:solidFill>
-                <a:effectLst/>
-                <a:latin typeface="JetBrains Mono"/>
-              </a:rPr>
-              <a:t>, </a:t>
-            </a:r>
-            <a:r>
-              <a:rPr kumimoji="0" lang="de-DE" altLang="de-DE" sz="2000" b="0" i="0" u="none" strike="noStrike" cap="none" normalizeH="0" baseline="0" dirty="0" smtClean="0">
-                <a:ln>
-                  <a:noFill/>
-                </a:ln>
-                <a:solidFill>
-                  <a:srgbClr val="6897BB"/>
-                </a:solidFill>
-                <a:effectLst/>
-                <a:latin typeface="JetBrains Mono"/>
-              </a:rPr>
-              <a:t>2</a:t>
-            </a:r>
-            <a:r>
-              <a:rPr kumimoji="0" lang="de-DE" altLang="de-DE" sz="2000" b="0" i="0" u="none" strike="noStrike" cap="none" normalizeH="0" baseline="0" dirty="0" smtClean="0">
-                <a:ln>
-                  <a:noFill/>
-                </a:ln>
-                <a:solidFill>
-                  <a:srgbClr val="A9B7C6"/>
-                </a:solidFill>
-                <a:effectLst/>
-                <a:latin typeface="JetBrains Mono"/>
-              </a:rPr>
-              <a:t>*</a:t>
-            </a:r>
-            <a:r>
-              <a:rPr kumimoji="0" lang="de-DE" altLang="de-DE" sz="2000" b="0" i="0" u="none" strike="noStrike" cap="none" normalizeH="0" baseline="0" dirty="0" smtClean="0">
-                <a:ln>
-                  <a:noFill/>
-                </a:ln>
-                <a:solidFill>
-                  <a:srgbClr val="6897BB"/>
-                </a:solidFill>
-                <a:effectLst/>
-                <a:latin typeface="JetBrains Mono"/>
-              </a:rPr>
-              <a:t>5</a:t>
-            </a:r>
-            <a:r>
-              <a:rPr kumimoji="0" lang="de-DE" altLang="de-DE" sz="2000" b="0" i="0" u="none" strike="noStrike" cap="none" normalizeH="0" baseline="0" dirty="0" smtClean="0">
-                <a:ln>
-                  <a:noFill/>
-                </a:ln>
-                <a:solidFill>
-                  <a:srgbClr val="A9B7C6"/>
-                </a:solidFill>
-                <a:effectLst/>
-                <a:latin typeface="JetBrains Mono"/>
-              </a:rPr>
-              <a:t>*</a:t>
-            </a:r>
-            <a:r>
-              <a:rPr kumimoji="0" lang="de-DE" altLang="de-DE" sz="2000" b="0" i="0" u="none" strike="noStrike" cap="none" normalizeH="0" baseline="0" dirty="0" smtClean="0">
-                <a:ln>
-                  <a:noFill/>
-                </a:ln>
-                <a:solidFill>
-                  <a:srgbClr val="6897BB"/>
-                </a:solidFill>
-                <a:effectLst/>
-                <a:latin typeface="JetBrains Mono"/>
-              </a:rPr>
-              <a:t>3.141592</a:t>
-            </a:r>
-            <a:r>
-              <a:rPr kumimoji="0" lang="de-DE" altLang="de-DE" sz="2000" b="0" i="0" u="none" strike="noStrike" cap="none" normalizeH="0" baseline="0" dirty="0" smtClean="0">
-                <a:ln>
-                  <a:noFill/>
-                </a:ln>
-                <a:solidFill>
-                  <a:srgbClr val="CC7832"/>
-                </a:solidFill>
-                <a:effectLst/>
-                <a:latin typeface="JetBrains Mono"/>
-              </a:rPr>
-              <a:t>, </a:t>
-            </a:r>
-            <a:r>
-              <a:rPr kumimoji="0" lang="de-DE" altLang="de-DE" sz="2000" b="0" i="0" u="none" strike="noStrike" cap="none" normalizeH="0" baseline="0" dirty="0" err="1" smtClean="0">
-                <a:ln>
-                  <a:noFill/>
-                </a:ln>
-                <a:solidFill>
-                  <a:srgbClr val="AA4926"/>
-                </a:solidFill>
-                <a:effectLst/>
-                <a:latin typeface="JetBrains Mono"/>
-              </a:rPr>
-              <a:t>sep</a:t>
-            </a:r>
-            <a:r>
-              <a:rPr kumimoji="0" lang="de-DE" altLang="de-DE" sz="2000" b="0" i="0" u="none" strike="noStrike" cap="none" normalizeH="0" baseline="0" dirty="0" smtClean="0">
-                <a:ln>
-                  <a:noFill/>
-                </a:ln>
-                <a:solidFill>
-                  <a:srgbClr val="A9B7C6"/>
-                </a:solidFill>
-                <a:effectLst/>
-                <a:latin typeface="JetBrains Mono"/>
-              </a:rPr>
-              <a:t>=</a:t>
-            </a:r>
-            <a:r>
-              <a:rPr kumimoji="0" lang="de-DE" altLang="de-DE" sz="2000" b="0" i="0" u="none" strike="noStrike" cap="none" normalizeH="0" baseline="0" dirty="0" smtClean="0">
-                <a:ln>
-                  <a:noFill/>
-                </a:ln>
-                <a:solidFill>
-                  <a:srgbClr val="6A8759"/>
-                </a:solidFill>
-                <a:effectLst/>
-                <a:latin typeface="JetBrains Mono"/>
-              </a:rPr>
-              <a:t>"</a:t>
-            </a:r>
-            <a:r>
-              <a:rPr kumimoji="0" lang="de-DE" altLang="de-DE" sz="2000" b="0" i="0" u="none" strike="noStrike" cap="none" normalizeH="0" baseline="0" dirty="0" smtClean="0">
-                <a:ln>
-                  <a:noFill/>
-                </a:ln>
-                <a:solidFill>
-                  <a:srgbClr val="CC7832"/>
-                </a:solidFill>
-                <a:effectLst/>
-                <a:latin typeface="JetBrains Mono"/>
-              </a:rPr>
-              <a:t>\t</a:t>
-            </a:r>
-            <a:r>
-              <a:rPr kumimoji="0" lang="de-DE" altLang="de-DE" sz="2000" b="0" i="0" u="none" strike="noStrike" cap="none" normalizeH="0" baseline="0" dirty="0" smtClean="0">
-                <a:ln>
-                  <a:noFill/>
-                </a:ln>
-                <a:solidFill>
-                  <a:srgbClr val="6A8759"/>
-                </a:solidFill>
-                <a:effectLst/>
-                <a:latin typeface="JetBrains Mono"/>
-              </a:rPr>
-              <a:t>"</a:t>
-            </a:r>
-            <a:r>
-              <a:rPr kumimoji="0" lang="de-DE" altLang="de-DE" sz="2000" b="0" i="0" u="none" strike="noStrike" cap="none" normalizeH="0" baseline="0" dirty="0" smtClean="0">
-                <a:ln>
-                  <a:noFill/>
-                </a:ln>
-                <a:solidFill>
-                  <a:srgbClr val="A9B7C6"/>
-                </a:solidFill>
-                <a:effectLst/>
-                <a:latin typeface="JetBrains Mono"/>
-              </a:rPr>
-              <a:t>)</a:t>
-            </a:r>
-            <a:br>
-              <a:rPr kumimoji="0" lang="de-DE" altLang="de-DE" sz="2000" b="0" i="0" u="none" strike="noStrike" cap="none" normalizeH="0" baseline="0" dirty="0" smtClean="0">
-                <a:ln>
-                  <a:noFill/>
-                </a:ln>
-                <a:solidFill>
-                  <a:srgbClr val="A9B7C6"/>
-                </a:solidFill>
-                <a:effectLst/>
-                <a:latin typeface="JetBrains Mono"/>
-              </a:rPr>
-            </a:br>
-            <a:r>
-              <a:rPr kumimoji="0" lang="de-DE" altLang="de-DE" sz="2000" b="0" i="0" u="none" strike="noStrike" cap="none" normalizeH="0" baseline="0" dirty="0" err="1" smtClean="0">
-                <a:ln>
-                  <a:noFill/>
-                </a:ln>
-                <a:solidFill>
-                  <a:srgbClr val="8888C6"/>
-                </a:solidFill>
-                <a:effectLst/>
-                <a:latin typeface="JetBrains Mono"/>
-              </a:rPr>
-              <a:t>print</a:t>
-            </a:r>
-            <a:r>
-              <a:rPr kumimoji="0" lang="de-DE" altLang="de-DE" sz="2000" b="0" i="0" u="none" strike="noStrike" cap="none" normalizeH="0" baseline="0" dirty="0" smtClean="0">
-                <a:ln>
-                  <a:noFill/>
-                </a:ln>
-                <a:solidFill>
-                  <a:srgbClr val="A9B7C6"/>
-                </a:solidFill>
-                <a:effectLst/>
-                <a:latin typeface="JetBrains Mono"/>
-              </a:rPr>
-              <a:t>(</a:t>
-            </a:r>
-            <a:r>
-              <a:rPr kumimoji="0" lang="de-DE" altLang="de-DE" sz="2000" b="0" i="0" u="none" strike="noStrike" cap="none" normalizeH="0" baseline="0" dirty="0" smtClean="0">
-                <a:ln>
-                  <a:noFill/>
-                </a:ln>
-                <a:solidFill>
-                  <a:srgbClr val="6A8759"/>
-                </a:solidFill>
-                <a:effectLst/>
-                <a:latin typeface="JetBrains Mono"/>
-              </a:rPr>
-              <a:t>"</a:t>
-            </a:r>
-            <a:r>
-              <a:rPr kumimoji="0" lang="de-DE" altLang="de-DE" sz="2000" b="0" i="0" u="none" strike="noStrike" cap="none" normalizeH="0" baseline="0" dirty="0" smtClean="0">
-                <a:ln>
-                  <a:noFill/>
-                </a:ln>
-                <a:solidFill>
-                  <a:srgbClr val="CC7832"/>
-                </a:solidFill>
-                <a:effectLst/>
-                <a:latin typeface="JetBrains Mono"/>
-              </a:rPr>
-              <a:t>\n\n</a:t>
-            </a:r>
-            <a:r>
-              <a:rPr kumimoji="0" lang="de-DE" altLang="de-DE" sz="2000" b="0" i="0" u="none" strike="noStrike" cap="none" normalizeH="0" baseline="0" dirty="0" smtClean="0">
-                <a:ln>
-                  <a:noFill/>
-                </a:ln>
-                <a:solidFill>
-                  <a:srgbClr val="6A8759"/>
-                </a:solidFill>
-                <a:effectLst/>
-                <a:latin typeface="JetBrains Mono"/>
-              </a:rPr>
-              <a:t>"</a:t>
-            </a:r>
-            <a:r>
-              <a:rPr kumimoji="0" lang="de-DE" altLang="de-DE" sz="2000" b="0" i="0" u="none" strike="noStrike" cap="none" normalizeH="0" baseline="0" dirty="0" smtClean="0">
-                <a:ln>
-                  <a:noFill/>
-                </a:ln>
-                <a:solidFill>
-                  <a:srgbClr val="A9B7C6"/>
-                </a:solidFill>
-                <a:effectLst/>
-                <a:latin typeface="JetBrains Mono"/>
-              </a:rPr>
-              <a:t>)</a:t>
-            </a:r>
-            <a:endParaRPr kumimoji="0" lang="de-DE" altLang="de-DE" sz="4800" b="0" i="0" u="none" strike="noStrike" cap="none" normalizeH="0" baseline="0" dirty="0" smtClean="0">
+            <a:endParaRPr kumimoji="0" lang="de-DE" altLang="de-DE" sz="4800" b="0" i="0" u="none" strike="noStrike" cap="none" normalizeH="0" baseline="0" dirty="0">
               <a:ln>
                 <a:noFill/>
               </a:ln>
@@ -5591,22 +5574,14 @@
                   <a:srgbClr val="00B050"/>
                 </a:solidFill>
               </a:rPr>
-              <a:t>e</a:t>
-            </a:r>
-            <a:r>
-              <a:rPr lang="de-CH" b="1" dirty="0" smtClean="0">
-                <a:solidFill>
-                  <a:srgbClr val="00B050"/>
-                </a:solidFill>
-              </a:rPr>
-              <a:t>nd</a:t>
-            </a:r>
-            <a:r>
-              <a:rPr lang="de-CH" dirty="0" smtClean="0"/>
+              <a:t>end</a:t>
+            </a:r>
+            <a:r>
+              <a:rPr lang="de-CH" dirty="0"/>
               <a:t>:  Wird am Schluss vom print-Befehl angehängt	Default</a:t>
             </a:r>
             <a:r>
-              <a:rPr lang="de-CH" dirty="0" smtClean="0">
+              <a:rPr lang="de-CH" dirty="0">
                 <a:solidFill>
                   <a:schemeClr val="tx1">
                     <a:lumMod val="95000"/>
@@ -5629,7 +5604,7 @@
               <a:t>"</a:t>
             </a:r>
             <a:r>
-              <a:rPr lang="de-CH" dirty="0" smtClean="0">
+              <a:rPr lang="de-CH" dirty="0">
                 <a:solidFill>
                   <a:schemeClr val="tx1">
                     <a:lumMod val="95000"/>
@@ -5651,15 +5626,6 @@
               </a:rPr>
               <a:t> "</a:t>
             </a:r>
-            <a:endParaRPr lang="de-DE" altLang="de-DE" dirty="0" smtClean="0">
-              <a:solidFill>
-                <a:schemeClr val="tx1">
-                  <a:lumMod val="95000"/>
-                  <a:lumOff val="5000"/>
-                </a:schemeClr>
-              </a:solidFill>
-              <a:latin typeface="JetBrains Mono"/>
-            </a:endParaRPr>
           </a:p>
           <a:p>
             <a:r>
@@ -5671,20 +5637,8 @@
               <a:t>sep</a:t>
             </a:r>
             <a:r>
-              <a:rPr lang="de-CH" dirty="0" smtClean="0"/>
-              <a:t>:  </a:t>
-            </a:r>
-            <a:r>
               <a:rPr lang="de-CH" dirty="0"/>
-              <a:t>Wird </a:t>
-            </a:r>
-            <a:r>
-              <a:rPr lang="de-CH" dirty="0" smtClean="0"/>
-              <a:t>zwischen den Argumenten eingefügt    </a:t>
-            </a:r>
-            <a:r>
-              <a:rPr lang="de-CH" dirty="0"/>
-              <a:t>	Default</a:t>
+              <a:t>:  Wird zwischen den Argumenten eingefügt    	Default</a:t>
             </a:r>
             <a:r>
               <a:rPr lang="de-CH" dirty="0">
@@ -5707,31 +5661,7 @@
                 </a:solidFill>
                 <a:latin typeface="JetBrains Mono"/>
               </a:rPr>
-              <a:t>"</a:t>
-            </a:r>
-            <a:r>
-              <a:rPr lang="de-DE" altLang="de-DE" dirty="0" smtClean="0">
-                <a:solidFill>
-                  <a:schemeClr val="tx1">
-                    <a:lumMod val="95000"/>
-                    <a:lumOff val="5000"/>
-                  </a:schemeClr>
-                </a:solidFill>
-                <a:latin typeface="JetBrains Mono"/>
-              </a:rPr>
-              <a:t> </a:t>
-            </a:r>
-            <a:r>
-              <a:rPr lang="de-DE" altLang="de-DE" dirty="0">
-                <a:solidFill>
-                  <a:schemeClr val="tx1">
-                    <a:lumMod val="95000"/>
-                    <a:lumOff val="5000"/>
-                  </a:schemeClr>
-                </a:solidFill>
-                <a:latin typeface="JetBrains Mono"/>
-              </a:rPr>
-              <a:t>"</a:t>
+              <a:t>" "</a:t>
             </a:r>
             <a:endParaRPr lang="de-CH" dirty="0">
               <a:solidFill>
@@ -5743,56 +5673,6 @@
             </a:endParaRPr>
           </a:p>
           <a:p>
-            <a:endParaRPr lang="de-CH" dirty="0" smtClean="0">
-              <a:solidFill>
-                <a:schemeClr val="tx1">
-                  <a:lumMod val="95000"/>
-                  <a:lumOff val="5000"/>
-                </a:schemeClr>
-              </a:solidFill>
-            </a:endParaRPr>
-          </a:p>
-          <a:p>
-            <a:r>
-              <a:rPr lang="de-CH" b="1" dirty="0">
-                <a:solidFill>
-                  <a:srgbClr val="00B050"/>
-                </a:solidFill>
-              </a:rPr>
-              <a:t>\n</a:t>
-            </a:r>
-            <a:r>
-              <a:rPr lang="de-CH" dirty="0" smtClean="0">
-                <a:solidFill>
-                  <a:schemeClr val="tx1">
-                    <a:lumMod val="95000"/>
-                    <a:lumOff val="5000"/>
-                  </a:schemeClr>
-                </a:solidFill>
-              </a:rPr>
-              <a:t>: Zeilenumbruch (New Line)</a:t>
-            </a:r>
-          </a:p>
-          <a:p>
-            <a:r>
-              <a:rPr lang="de-CH" b="1" dirty="0">
-                <a:solidFill>
-                  <a:srgbClr val="00B050"/>
-                </a:solidFill>
-              </a:rPr>
-              <a:t>\t</a:t>
-            </a:r>
-            <a:r>
-              <a:rPr lang="de-CH" dirty="0" smtClean="0">
-                <a:solidFill>
-                  <a:schemeClr val="tx1">
-                    <a:lumMod val="95000"/>
-                    <a:lumOff val="5000"/>
-                  </a:schemeClr>
-                </a:solidFill>
-              </a:rPr>
-              <a:t>: Tabulator</a:t>
-            </a:r>
             <a:endParaRPr lang="de-CH" dirty="0">
               <a:solidFill>
                 <a:schemeClr val="tx1">
@@ -5801,6 +5681,48 @@
                 </a:schemeClr>
               </a:solidFill>
             </a:endParaRPr>
+          </a:p>
+          <a:p>
+            <a:r>
+              <a:rPr lang="de-CH" b="1" dirty="0">
+                <a:solidFill>
+                  <a:srgbClr val="00B050"/>
+                </a:solidFill>
+              </a:rPr>
+              <a:t>\n</a:t>
+            </a:r>
+            <a:r>
+              <a:rPr lang="de-CH" dirty="0">
+                <a:solidFill>
+                  <a:schemeClr val="tx1">
+                    <a:lumMod val="95000"/>
+                    <a:lumOff val="5000"/>
+                  </a:schemeClr>
+                </a:solidFill>
+              </a:rPr>
+              <a:t>: Zeilenumbruch (New Line)</a:t>
+            </a:r>
+          </a:p>
+          <a:p>
+            <a:r>
+              <a:rPr lang="de-CH" b="1" dirty="0">
+                <a:solidFill>
+                  <a:srgbClr val="00B050"/>
+                </a:solidFill>
+              </a:rPr>
+              <a:t>\t</a:t>
+            </a:r>
+            <a:r>
+              <a:rPr lang="de-CH" dirty="0">
+                <a:solidFill>
+                  <a:schemeClr val="tx1">
+                    <a:lumMod val="95000"/>
+                    <a:lumOff val="5000"/>
+                  </a:schemeClr>
+                </a:solidFill>
+              </a:rPr>
+              <a:t>: Tabulator</a:t>
+            </a:r>
           </a:p>
         </p:txBody>
       </p:sp>
@@ -5814,13 +5736,6 @@
   <p:clrMapOvr>
     <a:masterClrMapping/>
   </p:clrMapOvr>
-  <p:timing>
-    <p:tnLst>
-      <p:par>
-        <p:cTn id="1" dur="indefinite" restart="never" nodeType="tmRoot"/>
-      </p:par>
-    </p:tnLst>
-  </p:timing>
 </p:sld>
 </file>
 
@@ -5917,7 +5832,7 @@
               <a:tabLst/>
             </a:pPr>
             <a:r>
-              <a:rPr kumimoji="0" lang="de-DE" altLang="de-DE" sz="2400" b="0" i="0" u="none" strike="noStrike" cap="none" normalizeH="0" baseline="0" dirty="0" err="1" smtClean="0">
+              <a:rPr kumimoji="0" lang="de-DE" altLang="de-DE" sz="2400" b="0" i="0" u="none" strike="noStrike" cap="none" normalizeH="0" baseline="0" dirty="0" err="1">
                 <a:ln>
                   <a:noFill/>
                 </a:ln>
@@ -5931,7 +5846,7 @@
               <a:t>strOut</a:t>
             </a:r>
             <a:r>
-              <a:rPr kumimoji="0" lang="de-DE" altLang="de-DE" sz="2400" b="0" i="0" u="none" strike="noStrike" cap="none" normalizeH="0" baseline="0" dirty="0" smtClean="0">
+              <a:rPr kumimoji="0" lang="de-DE" altLang="de-DE" sz="2400" b="0" i="0" u="none" strike="noStrike" cap="none" normalizeH="0" baseline="0" dirty="0">
                 <a:ln>
                   <a:noFill/>
                 </a:ln>
@@ -5945,7 +5860,7 @@
               <a:t> = </a:t>
             </a:r>
             <a:r>
-              <a:rPr kumimoji="0" lang="de-DE" altLang="de-DE" sz="2400" b="0" i="0" u="none" strike="noStrike" cap="none" normalizeH="0" baseline="0" dirty="0" smtClean="0">
+              <a:rPr kumimoji="0" lang="de-DE" altLang="de-DE" sz="2400" b="0" i="0" u="none" strike="noStrike" cap="none" normalizeH="0" baseline="0" dirty="0">
                 <a:ln>
                   <a:noFill/>
                 </a:ln>
@@ -5959,7 +5874,7 @@
               <a:t>"Art: </a:t>
             </a:r>
             <a:r>
-              <a:rPr kumimoji="0" lang="de-DE" altLang="de-DE" sz="2400" b="0" i="0" u="none" strike="noStrike" cap="none" normalizeH="0" baseline="0" dirty="0" smtClean="0">
+              <a:rPr kumimoji="0" lang="de-DE" altLang="de-DE" sz="2400" b="0" i="0" u="none" strike="noStrike" cap="none" normalizeH="0" baseline="0" dirty="0">
                 <a:ln>
                   <a:noFill/>
                 </a:ln>
@@ -5973,7 +5888,7 @@
               <a:t>{0:5d}</a:t>
             </a:r>
             <a:r>
-              <a:rPr kumimoji="0" lang="de-DE" altLang="de-DE" sz="2400" b="0" i="0" u="none" strike="noStrike" cap="none" normalizeH="0" baseline="0" dirty="0" smtClean="0">
+              <a:rPr kumimoji="0" lang="de-DE" altLang="de-DE" sz="2400" b="0" i="0" u="none" strike="noStrike" cap="none" normalizeH="0" baseline="0" dirty="0">
                 <a:ln>
                   <a:noFill/>
                 </a:ln>
@@ -5987,7 +5902,7 @@
               <a:t>, Price: </a:t>
             </a:r>
             <a:r>
-              <a:rPr kumimoji="0" lang="de-DE" altLang="de-DE" sz="2400" b="0" i="0" u="none" strike="noStrike" cap="none" normalizeH="0" baseline="0" dirty="0" smtClean="0">
+              <a:rPr kumimoji="0" lang="de-DE" altLang="de-DE" sz="2400" b="0" i="0" u="none" strike="noStrike" cap="none" normalizeH="0" baseline="0" dirty="0">
                 <a:ln>
                   <a:noFill/>
                 </a:ln>
@@ -6001,7 +5916,7 @@
               <a:t>{1:8.2f}</a:t>
             </a:r>
             <a:r>
-              <a:rPr kumimoji="0" lang="de-DE" altLang="de-DE" sz="2400" b="0" i="0" u="none" strike="noStrike" cap="none" normalizeH="0" baseline="0" dirty="0" smtClean="0">
+              <a:rPr kumimoji="0" lang="de-DE" altLang="de-DE" sz="2400" b="0" i="0" u="none" strike="noStrike" cap="none" normalizeH="0" baseline="0" dirty="0">
                 <a:ln>
                   <a:noFill/>
                 </a:ln>
@@ -6015,7 +5930,7 @@
               <a:t>"</a:t>
             </a:r>
             <a:r>
-              <a:rPr kumimoji="0" lang="de-DE" altLang="de-DE" sz="2400" b="0" i="0" u="none" strike="noStrike" cap="none" normalizeH="0" baseline="0" dirty="0" smtClean="0">
+              <a:rPr kumimoji="0" lang="de-DE" altLang="de-DE" sz="2400" b="0" i="0" u="none" strike="noStrike" cap="none" normalizeH="0" baseline="0" dirty="0">
                 <a:ln>
                   <a:noFill/>
                 </a:ln>
@@ -6083,7 +5998,7 @@
               <a:t>59.058</a:t>
             </a:r>
             <a:r>
-              <a:rPr lang="de-DE" altLang="de-DE" sz="2400" dirty="0" smtClean="0">
+              <a:rPr lang="de-DE" altLang="de-DE" sz="2400" dirty="0">
                 <a:solidFill>
                   <a:srgbClr val="00B050"/>
                 </a:solidFill>
@@ -6092,34 +6007,6 @@
               </a:rPr>
               <a:t>)</a:t>
             </a:r>
-          </a:p>
-          <a:p>
-            <a:pPr eaLnBrk="0" fontAlgn="base" hangingPunct="0">
-              <a:spcBef>
-                <a:spcPct val="0"/>
-              </a:spcBef>
-              <a:spcAft>
-                <a:spcPct val="0"/>
-              </a:spcAft>
-            </a:pPr>
-            <a:endParaRPr lang="de-DE" altLang="de-DE" sz="2400" dirty="0" smtClean="0">
-              <a:latin typeface="Courier New" panose="02070309020205020404" pitchFamily="49" charset="0"/>
-              <a:cs typeface="Courier New" panose="02070309020205020404" pitchFamily="49" charset="0"/>
-            </a:endParaRPr>
-          </a:p>
-          <a:p>
-            <a:pPr eaLnBrk="0" fontAlgn="base" hangingPunct="0">
-              <a:spcBef>
-                <a:spcPct val="0"/>
-              </a:spcBef>
-              <a:spcAft>
-                <a:spcPct val="0"/>
-              </a:spcAft>
-            </a:pPr>
-            <a:endParaRPr lang="de-DE" altLang="de-DE" sz="2400" dirty="0" smtClean="0">
-              <a:latin typeface="Courier New" panose="02070309020205020404" pitchFamily="49" charset="0"/>
-              <a:cs typeface="Courier New" panose="02070309020205020404" pitchFamily="49" charset="0"/>
-            </a:endParaRPr>
           </a:p>
           <a:p>
             <a:pPr eaLnBrk="0" fontAlgn="base" hangingPunct="0">
@@ -6144,7 +6031,7 @@
                 <a:spcPct val="0"/>
               </a:spcAft>
             </a:pPr>
-            <a:endParaRPr lang="de-DE" altLang="de-DE" sz="2400" dirty="0" smtClean="0">
+            <a:endParaRPr lang="de-DE" altLang="de-DE" sz="2400" dirty="0">
               <a:latin typeface="Courier New" panose="02070309020205020404" pitchFamily="49" charset="0"/>
               <a:cs typeface="Courier New" panose="02070309020205020404" pitchFamily="49" charset="0"/>
             </a:endParaRPr>
@@ -6172,45 +6059,62 @@
                 <a:spcPct val="0"/>
               </a:spcAft>
             </a:pPr>
-            <a:r>
-              <a:rPr lang="de-DE" altLang="de-DE" sz="2400" dirty="0" err="1" smtClean="0">
-                <a:latin typeface="Courier New" panose="02070309020205020404" pitchFamily="49" charset="0"/>
-                <a:cs typeface="Courier New" panose="02070309020205020404" pitchFamily="49" charset="0"/>
-              </a:rPr>
-              <a:t>print</a:t>
-            </a:r>
-            <a:r>
-              <a:rPr lang="de-DE" altLang="de-DE" sz="2400" dirty="0" smtClean="0">
-                <a:latin typeface="Courier New" panose="02070309020205020404" pitchFamily="49" charset="0"/>
-                <a:cs typeface="Courier New" panose="02070309020205020404" pitchFamily="49" charset="0"/>
-              </a:rPr>
-              <a:t>(</a:t>
-            </a:r>
-            <a:r>
-              <a:rPr lang="de-DE" altLang="de-DE" sz="2400" dirty="0" err="1" smtClean="0">
-                <a:latin typeface="Courier New" panose="02070309020205020404" pitchFamily="49" charset="0"/>
-                <a:cs typeface="Courier New" panose="02070309020205020404" pitchFamily="49" charset="0"/>
-              </a:rPr>
-              <a:t>strOut</a:t>
-            </a:r>
-            <a:r>
-              <a:rPr lang="de-DE" altLang="de-DE" sz="2400" dirty="0">
-                <a:latin typeface="Courier New" panose="02070309020205020404" pitchFamily="49" charset="0"/>
-                <a:cs typeface="Courier New" panose="02070309020205020404" pitchFamily="49" charset="0"/>
-              </a:rPr>
-              <a:t>) # Art: 4523, </a:t>
-            </a:r>
-            <a:r>
-              <a:rPr lang="de-DE" altLang="de-DE" sz="2400" dirty="0" smtClean="0">
-                <a:latin typeface="Courier New" panose="02070309020205020404" pitchFamily="49" charset="0"/>
-                <a:cs typeface="Courier New" panose="02070309020205020404" pitchFamily="49" charset="0"/>
-              </a:rPr>
-              <a:t>Price: 59.06 </a:t>
-            </a:r>
             <a:endParaRPr lang="de-DE" altLang="de-DE" sz="2400" dirty="0">
               <a:latin typeface="Courier New" panose="02070309020205020404" pitchFamily="49" charset="0"/>
               <a:cs typeface="Courier New" panose="02070309020205020404" pitchFamily="49" charset="0"/>
             </a:endParaRPr>
+          </a:p>
+          <a:p>
+            <a:pPr eaLnBrk="0" fontAlgn="base" hangingPunct="0">
+              <a:spcBef>
+                <a:spcPct val="0"/>
+              </a:spcBef>
+              <a:spcAft>
+                <a:spcPct val="0"/>
+              </a:spcAft>
+            </a:pPr>
+            <a:endParaRPr lang="de-DE" altLang="de-DE" sz="2400" dirty="0">
+              <a:latin typeface="Courier New" panose="02070309020205020404" pitchFamily="49" charset="0"/>
+              <a:cs typeface="Courier New" panose="02070309020205020404" pitchFamily="49" charset="0"/>
+            </a:endParaRPr>
+          </a:p>
+          <a:p>
+            <a:pPr eaLnBrk="0" fontAlgn="base" hangingPunct="0">
+              <a:spcBef>
+                <a:spcPct val="0"/>
+              </a:spcBef>
+              <a:spcAft>
+                <a:spcPct val="0"/>
+              </a:spcAft>
+            </a:pPr>
+            <a:r>
+              <a:rPr lang="de-DE" altLang="de-DE" sz="2400" dirty="0" err="1">
+                <a:latin typeface="Courier New" panose="02070309020205020404" pitchFamily="49" charset="0"/>
+                <a:cs typeface="Courier New" panose="02070309020205020404" pitchFamily="49" charset="0"/>
+              </a:rPr>
+              <a:t>print</a:t>
+            </a:r>
+            <a:r>
+              <a:rPr lang="de-DE" altLang="de-DE" sz="2400" dirty="0">
+                <a:latin typeface="Courier New" panose="02070309020205020404" pitchFamily="49" charset="0"/>
+                <a:cs typeface="Courier New" panose="02070309020205020404" pitchFamily="49" charset="0"/>
+              </a:rPr>
+              <a:t>(</a:t>
+            </a:r>
+            <a:r>
+              <a:rPr lang="de-DE" altLang="de-DE" sz="2400" dirty="0" err="1">
+                <a:latin typeface="Courier New" panose="02070309020205020404" pitchFamily="49" charset="0"/>
+                <a:cs typeface="Courier New" panose="02070309020205020404" pitchFamily="49" charset="0"/>
+              </a:rPr>
+              <a:t>strOut</a:t>
+            </a:r>
+            <a:r>
+              <a:rPr lang="de-DE" altLang="de-DE" sz="2400" dirty="0">
+                <a:latin typeface="Courier New" panose="02070309020205020404" pitchFamily="49" charset="0"/>
+                <a:cs typeface="Courier New" panose="02070309020205020404" pitchFamily="49" charset="0"/>
+              </a:rPr>
+              <a:t>) # Art: 4523, Price: 59.06 </a:t>
+            </a:r>
           </a:p>
           <a:p>
             <a:pPr marL="0" marR="0" lvl="0" indent="0" algn="l" defTabSz="914400" rtl="0" eaLnBrk="0" fontAlgn="base" latinLnBrk="0" hangingPunct="0">
@@ -6284,15 +6188,15 @@
           <a:lstStyle/>
           <a:p>
             <a:r>
-              <a:rPr lang="de-CH" sz="2800" b="1" u="sng" dirty="0" smtClean="0"/>
+              <a:rPr lang="de-CH" sz="2800" b="1" u="sng" dirty="0"/>
               <a:t>Methode-Calls, </a:t>
             </a:r>
             <a:r>
-              <a:rPr lang="de-CH" sz="2800" b="1" u="sng" dirty="0" err="1" smtClean="0"/>
+              <a:rPr lang="de-CH" sz="2800" b="1" u="sng" dirty="0" err="1"/>
               <a:t>Placeholders</a:t>
             </a:r>
             <a:r>
-              <a:rPr lang="de-CH" sz="2800" b="1" u="sng" dirty="0" smtClean="0"/>
+              <a:rPr lang="de-CH" sz="2800" b="1" u="sng" dirty="0"/>
               <a:t>, Position-Parameter</a:t>
             </a:r>
           </a:p>
@@ -6349,10 +6253,9 @@
           <a:p>
             <a:pPr algn="ctr"/>
             <a:r>
-              <a:rPr lang="de-CH" dirty="0" smtClean="0"/>
+              <a:rPr lang="de-CH" dirty="0"/>
               <a:t>String-Objekt</a:t>
             </a:r>
-            <a:endParaRPr lang="de-CH" dirty="0"/>
           </a:p>
         </p:txBody>
       </p:sp>
@@ -6409,14 +6312,14 @@
           <a:p>
             <a:pPr algn="ctr"/>
             <a:r>
-              <a:rPr lang="de-CH" dirty="0" smtClean="0"/>
+              <a:rPr lang="de-CH" dirty="0"/>
               <a:t>Methode</a:t>
             </a:r>
           </a:p>
           <a:p>
             <a:pPr algn="ctr"/>
             <a:r>
-              <a:rPr lang="de-CH" dirty="0" err="1" smtClean="0"/>
+              <a:rPr lang="de-CH" dirty="0" err="1"/>
               <a:t>Function</a:t>
             </a:r>
             <a:endParaRPr lang="de-CH" dirty="0"/>
@@ -6477,10 +6380,9 @@
           <a:p>
             <a:pPr algn="ctr"/>
             <a:r>
-              <a:rPr lang="de-CH" dirty="0" smtClean="0"/>
+              <a:rPr lang="de-CH" dirty="0"/>
               <a:t>String-Objekt</a:t>
             </a:r>
-            <a:endParaRPr lang="de-CH" dirty="0"/>
           </a:p>
         </p:txBody>
       </p:sp>
@@ -6535,11 +6437,11 @@
           <a:p>
             <a:pPr algn="ctr"/>
             <a:r>
-              <a:rPr lang="de-CH" dirty="0" smtClean="0"/>
+              <a:rPr lang="de-CH" dirty="0"/>
               <a:t>Argumente-</a:t>
             </a:r>
             <a:r>
-              <a:rPr lang="de-CH" dirty="0" err="1" smtClean="0"/>
+              <a:rPr lang="de-CH" dirty="0" err="1"/>
               <a:t>Trenner</a:t>
             </a:r>
             <a:endParaRPr lang="de-CH" dirty="0"/>
@@ -6597,7 +6499,7 @@
           <a:p>
             <a:pPr algn="ctr"/>
             <a:r>
-              <a:rPr lang="de-CH" dirty="0" smtClean="0">
+              <a:rPr lang="de-CH" dirty="0">
                 <a:solidFill>
                   <a:schemeClr val="tx1">
                     <a:lumMod val="95000"/>
@@ -6611,7 +6513,7 @@
           <a:p>
             <a:pPr algn="ctr"/>
             <a:r>
-              <a:rPr lang="de-CH" dirty="0" smtClean="0">
+              <a:rPr lang="de-CH" dirty="0">
                 <a:solidFill>
                   <a:schemeClr val="tx1">
                     <a:lumMod val="95000"/>
@@ -6621,14 +6523,6 @@
               </a:rPr>
               <a:t>Argumente</a:t>
             </a:r>
-            <a:endParaRPr lang="de-CH" dirty="0">
-              <a:solidFill>
-                <a:schemeClr val="tx1">
-                  <a:lumMod val="95000"/>
-                  <a:lumOff val="5000"/>
-                </a:schemeClr>
-              </a:solidFill>
-            </a:endParaRPr>
           </a:p>
         </p:txBody>
       </p:sp>
@@ -6685,17 +6579,16 @@
           <a:p>
             <a:pPr algn="ctr"/>
             <a:r>
-              <a:rPr lang="de-CH" dirty="0" smtClean="0"/>
+              <a:rPr lang="de-CH" dirty="0"/>
               <a:t>Methode</a:t>
             </a:r>
           </a:p>
           <a:p>
             <a:pPr algn="ctr"/>
             <a:r>
-              <a:rPr lang="de-CH" dirty="0" smtClean="0"/>
+              <a:rPr lang="de-CH" dirty="0"/>
               <a:t>Call</a:t>
             </a:r>
-            <a:endParaRPr lang="de-CH" dirty="0"/>
           </a:p>
         </p:txBody>
       </p:sp>
@@ -6750,10 +6643,9 @@
           <a:p>
             <a:pPr algn="ctr"/>
             <a:r>
-              <a:rPr lang="de-CH" dirty="0" smtClean="0"/>
+              <a:rPr lang="de-CH" dirty="0"/>
               <a:t>Place-Holder</a:t>
             </a:r>
-            <a:endParaRPr lang="de-CH" dirty="0"/>
           </a:p>
         </p:txBody>
       </p:sp>
@@ -6808,10 +6700,9 @@
           <a:p>
             <a:pPr algn="ctr"/>
             <a:r>
-              <a:rPr lang="de-CH" dirty="0" smtClean="0"/>
+              <a:rPr lang="de-CH" dirty="0"/>
               <a:t>Place-Holder</a:t>
             </a:r>
-            <a:endParaRPr lang="de-CH" dirty="0"/>
           </a:p>
         </p:txBody>
       </p:sp>
@@ -7321,7 +7212,7 @@
               <a:tabLst/>
             </a:pPr>
             <a:r>
-              <a:rPr kumimoji="0" lang="de-DE" altLang="de-DE" sz="2400" b="0" i="0" u="none" strike="noStrike" cap="none" normalizeH="0" baseline="0" dirty="0" err="1" smtClean="0">
+              <a:rPr kumimoji="0" lang="de-DE" altLang="de-DE" sz="2400" b="0" i="0" u="none" strike="noStrike" cap="none" normalizeH="0" baseline="0" dirty="0" err="1">
                 <a:ln>
                   <a:noFill/>
                 </a:ln>
@@ -7335,7 +7226,7 @@
               <a:t>strOut</a:t>
             </a:r>
             <a:r>
-              <a:rPr kumimoji="0" lang="de-DE" altLang="de-DE" sz="2400" b="0" i="0" u="none" strike="noStrike" cap="none" normalizeH="0" baseline="0" dirty="0" smtClean="0">
+              <a:rPr kumimoji="0" lang="de-DE" altLang="de-DE" sz="2400" b="0" i="0" u="none" strike="noStrike" cap="none" normalizeH="0" baseline="0" dirty="0">
                 <a:ln>
                   <a:noFill/>
                 </a:ln>
@@ -7360,29 +7251,8 @@
                 <a:latin typeface="Courier New" panose="02070309020205020404" pitchFamily="49" charset="0"/>
                 <a:cs typeface="Courier New" panose="02070309020205020404" pitchFamily="49" charset="0"/>
               </a:rPr>
-              <a:t>(4523,59.058</a:t>
-            </a:r>
-            <a:r>
-              <a:rPr lang="de-DE" altLang="de-DE" sz="2400" dirty="0" smtClean="0">
-                <a:latin typeface="Courier New" panose="02070309020205020404" pitchFamily="49" charset="0"/>
-                <a:cs typeface="Courier New" panose="02070309020205020404" pitchFamily="49" charset="0"/>
-              </a:rPr>
-              <a:t>)</a:t>
-            </a:r>
-          </a:p>
-          <a:p>
-            <a:pPr eaLnBrk="0" fontAlgn="base" hangingPunct="0">
-              <a:spcBef>
-                <a:spcPct val="0"/>
-              </a:spcBef>
-              <a:spcAft>
-                <a:spcPct val="0"/>
-              </a:spcAft>
-            </a:pPr>
-            <a:endParaRPr lang="de-DE" altLang="de-DE" sz="2400" dirty="0" smtClean="0">
-              <a:latin typeface="Courier New" panose="02070309020205020404" pitchFamily="49" charset="0"/>
-              <a:cs typeface="Courier New" panose="02070309020205020404" pitchFamily="49" charset="0"/>
-            </a:endParaRPr>
+              <a:t>(4523,59.058)</a:t>
+            </a:r>
           </a:p>
           <a:p>
             <a:pPr eaLnBrk="0" fontAlgn="base" hangingPunct="0">
@@ -7407,45 +7277,48 @@
                 <a:spcPct val="0"/>
               </a:spcAft>
             </a:pPr>
-            <a:r>
-              <a:rPr lang="de-DE" altLang="de-DE" sz="2400" dirty="0" err="1" smtClean="0">
-                <a:latin typeface="Courier New" panose="02070309020205020404" pitchFamily="49" charset="0"/>
-                <a:cs typeface="Courier New" panose="02070309020205020404" pitchFamily="49" charset="0"/>
-              </a:rPr>
-              <a:t>print</a:t>
-            </a:r>
-            <a:r>
-              <a:rPr lang="de-DE" altLang="de-DE" sz="2400" dirty="0" smtClean="0">
-                <a:latin typeface="Courier New" panose="02070309020205020404" pitchFamily="49" charset="0"/>
-                <a:cs typeface="Courier New" panose="02070309020205020404" pitchFamily="49" charset="0"/>
-              </a:rPr>
-              <a:t>(</a:t>
-            </a:r>
-            <a:r>
-              <a:rPr lang="de-DE" altLang="de-DE" sz="2400" dirty="0" err="1" smtClean="0">
-                <a:latin typeface="Courier New" panose="02070309020205020404" pitchFamily="49" charset="0"/>
-                <a:cs typeface="Courier New" panose="02070309020205020404" pitchFamily="49" charset="0"/>
-              </a:rPr>
-              <a:t>strOut</a:t>
-            </a:r>
-            <a:r>
-              <a:rPr lang="de-DE" altLang="de-DE" sz="2400" dirty="0">
-                <a:latin typeface="Courier New" panose="02070309020205020404" pitchFamily="49" charset="0"/>
-                <a:cs typeface="Courier New" panose="02070309020205020404" pitchFamily="49" charset="0"/>
-              </a:rPr>
-              <a:t>) # Art: 4523, </a:t>
-            </a:r>
-            <a:r>
-              <a:rPr lang="de-DE" altLang="de-DE" sz="2400" dirty="0" smtClean="0">
-                <a:latin typeface="Courier New" panose="02070309020205020404" pitchFamily="49" charset="0"/>
-                <a:cs typeface="Courier New" panose="02070309020205020404" pitchFamily="49" charset="0"/>
-              </a:rPr>
-              <a:t>Price: 59.06 </a:t>
-            </a:r>
             <a:endParaRPr lang="de-DE" altLang="de-DE" sz="2400" dirty="0">
               <a:latin typeface="Courier New" panose="02070309020205020404" pitchFamily="49" charset="0"/>
               <a:cs typeface="Courier New" panose="02070309020205020404" pitchFamily="49" charset="0"/>
             </a:endParaRPr>
+          </a:p>
+          <a:p>
+            <a:pPr eaLnBrk="0" fontAlgn="base" hangingPunct="0">
+              <a:spcBef>
+                <a:spcPct val="0"/>
+              </a:spcBef>
+              <a:spcAft>
+                <a:spcPct val="0"/>
+              </a:spcAft>
+            </a:pPr>
+            <a:r>
+              <a:rPr lang="de-DE" altLang="de-DE" sz="2400" dirty="0" err="1">
+                <a:latin typeface="Courier New" panose="02070309020205020404" pitchFamily="49" charset="0"/>
+                <a:cs typeface="Courier New" panose="02070309020205020404" pitchFamily="49" charset="0"/>
+              </a:rPr>
+              <a:t>print</a:t>
+            </a:r>
+            <a:r>
+              <a:rPr lang="de-DE" altLang="de-DE" sz="2400" dirty="0">
+                <a:latin typeface="Courier New" panose="02070309020205020404" pitchFamily="49" charset="0"/>
+                <a:cs typeface="Courier New" panose="02070309020205020404" pitchFamily="49" charset="0"/>
+              </a:rPr>
+              <a:t>(</a:t>
+            </a:r>
+            <a:r>
+              <a:rPr lang="de-DE" altLang="de-DE" sz="2400" dirty="0" err="1">
+                <a:latin typeface="Courier New" panose="02070309020205020404" pitchFamily="49" charset="0"/>
+                <a:cs typeface="Courier New" panose="02070309020205020404" pitchFamily="49" charset="0"/>
+              </a:rPr>
+              <a:t>strOut</a:t>
+            </a:r>
+            <a:r>
+              <a:rPr lang="de-DE" altLang="de-DE" sz="2400" dirty="0">
+                <a:latin typeface="Courier New" panose="02070309020205020404" pitchFamily="49" charset="0"/>
+                <a:cs typeface="Courier New" panose="02070309020205020404" pitchFamily="49" charset="0"/>
+              </a:rPr>
+              <a:t>) # Art: 4523, Price: 59.06 </a:t>
+            </a:r>
           </a:p>
           <a:p>
             <a:pPr marL="0" marR="0" lvl="0" indent="0" algn="l" defTabSz="914400" rtl="0" eaLnBrk="0" fontAlgn="base" latinLnBrk="0" hangingPunct="0">
@@ -7519,15 +7392,15 @@
           <a:lstStyle/>
           <a:p>
             <a:r>
-              <a:rPr lang="de-CH" sz="2800" b="1" u="sng" dirty="0" smtClean="0"/>
+              <a:rPr lang="de-CH" sz="2800" b="1" u="sng" dirty="0"/>
               <a:t>Methode-Calls, </a:t>
             </a:r>
             <a:r>
-              <a:rPr lang="de-CH" sz="2800" b="1" u="sng" dirty="0" err="1" smtClean="0"/>
+              <a:rPr lang="de-CH" sz="2800" b="1" u="sng" dirty="0" err="1"/>
               <a:t>Placeholders</a:t>
             </a:r>
             <a:r>
-              <a:rPr lang="de-CH" sz="2800" b="1" u="sng" dirty="0" smtClean="0"/>
+              <a:rPr lang="de-CH" sz="2800" b="1" u="sng" dirty="0"/>
               <a:t>, Position-Parameter</a:t>
             </a:r>
           </a:p>
@@ -7834,15 +7707,15 @@
           <a:lstStyle/>
           <a:p>
             <a:r>
-              <a:rPr lang="de-CH" sz="2800" b="1" u="sng" dirty="0" smtClean="0"/>
+              <a:rPr lang="de-CH" sz="2800" b="1" u="sng" dirty="0"/>
               <a:t>Methode-Calls, </a:t>
             </a:r>
             <a:r>
-              <a:rPr lang="de-CH" sz="2800" b="1" u="sng" dirty="0" err="1" smtClean="0"/>
+              <a:rPr lang="de-CH" sz="2800" b="1" u="sng" dirty="0" err="1"/>
               <a:t>Placeholders</a:t>
             </a:r>
             <a:r>
-              <a:rPr lang="de-CH" sz="2800" b="1" u="sng" dirty="0" smtClean="0"/>
+              <a:rPr lang="de-CH" sz="2800" b="1" u="sng" dirty="0"/>
               <a:t>, Position-Parameter</a:t>
             </a:r>
           </a:p>
@@ -7887,13 +7760,6 @@
   <p:clrMapOvr>
     <a:masterClrMapping/>
   </p:clrMapOvr>
-  <p:timing>
-    <p:tnLst>
-      <p:par>
-        <p:cTn id="1" dur="indefinite" restart="never" nodeType="tmRoot"/>
-      </p:par>
-    </p:tnLst>
-  </p:timing>
 </p:sld>
 </file>
 
@@ -7990,7 +7856,7 @@
               <a:tabLst/>
             </a:pPr>
             <a:r>
-              <a:rPr kumimoji="0" lang="de-DE" altLang="de-DE" sz="2000" b="0" i="0" u="none" strike="noStrike" cap="none" normalizeH="0" baseline="0" dirty="0" err="1" smtClean="0">
+              <a:rPr kumimoji="0" lang="de-DE" altLang="de-DE" sz="2000" b="0" i="0" u="none" strike="noStrike" cap="none" normalizeH="0" baseline="0" dirty="0" err="1">
                 <a:ln>
                   <a:noFill/>
                 </a:ln>
@@ -8004,7 +7870,7 @@
               <a:t>strOut</a:t>
             </a:r>
             <a:r>
-              <a:rPr kumimoji="0" lang="de-DE" altLang="de-DE" sz="2000" b="0" i="0" u="none" strike="noStrike" cap="none" normalizeH="0" baseline="0" dirty="0" smtClean="0">
+              <a:rPr kumimoji="0" lang="de-DE" altLang="de-DE" sz="2000" b="0" i="0" u="none" strike="noStrike" cap="none" normalizeH="0" baseline="0" dirty="0">
                 <a:ln>
                   <a:noFill/>
                 </a:ln>
@@ -8018,7 +7884,7 @@
               <a:t> = "Art: {</a:t>
             </a:r>
             <a:r>
-              <a:rPr kumimoji="0" lang="de-DE" altLang="de-DE" sz="2000" b="0" i="0" u="none" strike="noStrike" cap="none" normalizeH="0" baseline="0" dirty="0" smtClean="0">
+              <a:rPr kumimoji="0" lang="de-DE" altLang="de-DE" sz="2000" b="0" i="0" u="none" strike="noStrike" cap="none" normalizeH="0" baseline="0" dirty="0">
                 <a:ln>
                   <a:noFill/>
                 </a:ln>
@@ -8032,7 +7898,7 @@
               <a:t>art</a:t>
             </a:r>
             <a:r>
-              <a:rPr kumimoji="0" lang="de-DE" altLang="de-DE" sz="2000" b="0" i="0" u="none" strike="noStrike" cap="none" normalizeH="0" baseline="0" dirty="0" smtClean="0">
+              <a:rPr kumimoji="0" lang="de-DE" altLang="de-DE" sz="2000" b="0" i="0" u="none" strike="noStrike" cap="none" normalizeH="0" baseline="0" dirty="0">
                 <a:ln>
                   <a:noFill/>
                 </a:ln>
@@ -8046,7 +7912,7 @@
               <a:t>:5d}, Price: {</a:t>
             </a:r>
             <a:r>
-              <a:rPr kumimoji="0" lang="de-DE" altLang="de-DE" sz="2000" b="0" i="0" u="none" strike="noStrike" cap="none" normalizeH="0" baseline="0" dirty="0" smtClean="0">
+              <a:rPr kumimoji="0" lang="de-DE" altLang="de-DE" sz="2000" b="0" i="0" u="none" strike="noStrike" cap="none" normalizeH="0" baseline="0" dirty="0">
                 <a:ln>
                   <a:noFill/>
                 </a:ln>
@@ -8060,7 +7926,7 @@
               <a:t>preis</a:t>
             </a:r>
             <a:r>
-              <a:rPr kumimoji="0" lang="de-DE" altLang="de-DE" sz="2000" b="0" i="0" u="none" strike="noStrike" cap="none" normalizeH="0" baseline="0" dirty="0" smtClean="0">
+              <a:rPr kumimoji="0" lang="de-DE" altLang="de-DE" sz="2000" b="0" i="0" u="none" strike="noStrike" cap="none" normalizeH="0" baseline="0" dirty="0">
                 <a:ln>
                   <a:noFill/>
                 </a:ln>
@@ -8074,21 +7940,21 @@
               <a:t>:8.2f}".</a:t>
             </a:r>
             <a:r>
-              <a:rPr lang="de-DE" altLang="de-DE" sz="2000" dirty="0" err="1" smtClean="0">
+              <a:rPr lang="de-DE" altLang="de-DE" sz="2000" dirty="0" err="1">
                 <a:latin typeface="Courier New" panose="02070309020205020404" pitchFamily="49" charset="0"/>
                 <a:cs typeface="Courier New" panose="02070309020205020404" pitchFamily="49" charset="0"/>
               </a:rPr>
               <a:t>format</a:t>
             </a:r>
             <a:r>
-              <a:rPr lang="de-DE" altLang="de-DE" sz="2000" dirty="0" smtClean="0">
+              <a:rPr lang="de-DE" altLang="de-DE" sz="2000" dirty="0">
                 <a:latin typeface="Courier New" panose="02070309020205020404" pitchFamily="49" charset="0"/>
                 <a:cs typeface="Courier New" panose="02070309020205020404" pitchFamily="49" charset="0"/>
               </a:rPr>
               <a:t>(</a:t>
             </a:r>
             <a:r>
-              <a:rPr lang="de-DE" altLang="de-DE" sz="2000" dirty="0" err="1" smtClean="0">
+              <a:rPr lang="de-DE" altLang="de-DE" sz="2000" dirty="0" err="1">
                 <a:solidFill>
                   <a:srgbClr val="FF0000"/>
                 </a:solidFill>
@@ -8098,14 +7964,14 @@
               <a:t>art</a:t>
             </a:r>
             <a:r>
-              <a:rPr lang="de-DE" altLang="de-DE" sz="2000" dirty="0" smtClean="0">
+              <a:rPr lang="de-DE" altLang="de-DE" sz="2000" dirty="0">
                 <a:latin typeface="Courier New" panose="02070309020205020404" pitchFamily="49" charset="0"/>
                 <a:cs typeface="Courier New" panose="02070309020205020404" pitchFamily="49" charset="0"/>
               </a:rPr>
               <a:t>=4523,</a:t>
             </a:r>
             <a:r>
-              <a:rPr lang="de-DE" altLang="de-DE" sz="2000" dirty="0" smtClean="0">
+              <a:rPr lang="de-DE" altLang="de-DE" sz="2000" dirty="0">
                 <a:solidFill>
                   <a:srgbClr val="00B050"/>
                 </a:solidFill>
@@ -8115,26 +7981,12 @@
               <a:t>preis</a:t>
             </a:r>
             <a:r>
-              <a:rPr lang="de-DE" altLang="de-DE" sz="2000" dirty="0" smtClean="0">
+              <a:rPr lang="de-DE" altLang="de-DE" sz="2000" dirty="0">
                 <a:latin typeface="Courier New" panose="02070309020205020404" pitchFamily="49" charset="0"/>
                 <a:cs typeface="Courier New" panose="02070309020205020404" pitchFamily="49" charset="0"/>
               </a:rPr>
               <a:t>=59.058)</a:t>
             </a:r>
-          </a:p>
-          <a:p>
-            <a:pPr eaLnBrk="0" fontAlgn="base" hangingPunct="0">
-              <a:spcBef>
-                <a:spcPct val="0"/>
-              </a:spcBef>
-              <a:spcAft>
-                <a:spcPct val="0"/>
-              </a:spcAft>
-            </a:pPr>
-            <a:endParaRPr lang="de-DE" altLang="de-DE" sz="2000" dirty="0" smtClean="0">
-              <a:latin typeface="Courier New" panose="02070309020205020404" pitchFamily="49" charset="0"/>
-              <a:cs typeface="Courier New" panose="02070309020205020404" pitchFamily="49" charset="0"/>
-            </a:endParaRPr>
           </a:p>
           <a:p>
             <a:pPr eaLnBrk="0" fontAlgn="base" hangingPunct="0">
@@ -8159,45 +8011,48 @@
                 <a:spcPct val="0"/>
               </a:spcAft>
             </a:pPr>
-            <a:r>
-              <a:rPr lang="de-DE" altLang="de-DE" sz="2000" dirty="0" err="1" smtClean="0">
-                <a:latin typeface="Courier New" panose="02070309020205020404" pitchFamily="49" charset="0"/>
-                <a:cs typeface="Courier New" panose="02070309020205020404" pitchFamily="49" charset="0"/>
-              </a:rPr>
-              <a:t>print</a:t>
-            </a:r>
-            <a:r>
-              <a:rPr lang="de-DE" altLang="de-DE" sz="2000" dirty="0" smtClean="0">
-                <a:latin typeface="Courier New" panose="02070309020205020404" pitchFamily="49" charset="0"/>
-                <a:cs typeface="Courier New" panose="02070309020205020404" pitchFamily="49" charset="0"/>
-              </a:rPr>
-              <a:t>(</a:t>
-            </a:r>
-            <a:r>
-              <a:rPr lang="de-DE" altLang="de-DE" sz="2000" dirty="0" err="1" smtClean="0">
-                <a:latin typeface="Courier New" panose="02070309020205020404" pitchFamily="49" charset="0"/>
-                <a:cs typeface="Courier New" panose="02070309020205020404" pitchFamily="49" charset="0"/>
-              </a:rPr>
-              <a:t>strOut</a:t>
-            </a:r>
-            <a:r>
-              <a:rPr lang="de-DE" altLang="de-DE" sz="2000" dirty="0">
-                <a:latin typeface="Courier New" panose="02070309020205020404" pitchFamily="49" charset="0"/>
-                <a:cs typeface="Courier New" panose="02070309020205020404" pitchFamily="49" charset="0"/>
-              </a:rPr>
-              <a:t>) # Art: 4523, </a:t>
-            </a:r>
-            <a:r>
-              <a:rPr lang="de-DE" altLang="de-DE" sz="2000" dirty="0" smtClean="0">
-                <a:latin typeface="Courier New" panose="02070309020205020404" pitchFamily="49" charset="0"/>
-                <a:cs typeface="Courier New" panose="02070309020205020404" pitchFamily="49" charset="0"/>
-              </a:rPr>
-              <a:t>Price: 59.06 </a:t>
-            </a:r>
             <a:endParaRPr lang="de-DE" altLang="de-DE" sz="2000" dirty="0">
               <a:latin typeface="Courier New" panose="02070309020205020404" pitchFamily="49" charset="0"/>
               <a:cs typeface="Courier New" panose="02070309020205020404" pitchFamily="49" charset="0"/>
             </a:endParaRPr>
+          </a:p>
+          <a:p>
+            <a:pPr eaLnBrk="0" fontAlgn="base" hangingPunct="0">
+              <a:spcBef>
+                <a:spcPct val="0"/>
+              </a:spcBef>
+              <a:spcAft>
+                <a:spcPct val="0"/>
+              </a:spcAft>
+            </a:pPr>
+            <a:r>
+              <a:rPr lang="de-DE" altLang="de-DE" sz="2000" dirty="0" err="1">
+                <a:latin typeface="Courier New" panose="02070309020205020404" pitchFamily="49" charset="0"/>
+                <a:cs typeface="Courier New" panose="02070309020205020404" pitchFamily="49" charset="0"/>
+              </a:rPr>
+              <a:t>print</a:t>
+            </a:r>
+            <a:r>
+              <a:rPr lang="de-DE" altLang="de-DE" sz="2000" dirty="0">
+                <a:latin typeface="Courier New" panose="02070309020205020404" pitchFamily="49" charset="0"/>
+                <a:cs typeface="Courier New" panose="02070309020205020404" pitchFamily="49" charset="0"/>
+              </a:rPr>
+              <a:t>(</a:t>
+            </a:r>
+            <a:r>
+              <a:rPr lang="de-DE" altLang="de-DE" sz="2000" dirty="0" err="1">
+                <a:latin typeface="Courier New" panose="02070309020205020404" pitchFamily="49" charset="0"/>
+                <a:cs typeface="Courier New" panose="02070309020205020404" pitchFamily="49" charset="0"/>
+              </a:rPr>
+              <a:t>strOut</a:t>
+            </a:r>
+            <a:r>
+              <a:rPr lang="de-DE" altLang="de-DE" sz="2000" dirty="0">
+                <a:latin typeface="Courier New" panose="02070309020205020404" pitchFamily="49" charset="0"/>
+                <a:cs typeface="Courier New" panose="02070309020205020404" pitchFamily="49" charset="0"/>
+              </a:rPr>
+              <a:t>) # Art: 4523, Price: 59.06 </a:t>
+            </a:r>
           </a:p>
           <a:p>
             <a:pPr marL="0" marR="0" lvl="0" indent="0" algn="l" defTabSz="914400" rtl="0" eaLnBrk="0" fontAlgn="base" latinLnBrk="0" hangingPunct="0">
@@ -8271,11 +8126,11 @@
           <a:lstStyle/>
           <a:p>
             <a:r>
-              <a:rPr lang="de-CH" sz="2800" b="1" u="sng" dirty="0" err="1" smtClean="0"/>
+              <a:rPr lang="de-CH" sz="2800" b="1" u="sng" dirty="0" err="1"/>
               <a:t>Named</a:t>
             </a:r>
             <a:r>
-              <a:rPr lang="de-CH" sz="2800" b="1" u="sng" dirty="0" smtClean="0"/>
+              <a:rPr lang="de-CH" sz="2800" b="1" u="sng" dirty="0"/>
               <a:t>-Parameter</a:t>
             </a:r>
           </a:p>
@@ -8291,13 +8146,6 @@
   <p:clrMapOvr>
     <a:masterClrMapping/>
   </p:clrMapOvr>
-  <p:timing>
-    <p:tnLst>
-      <p:par>
-        <p:cTn id="1" dur="indefinite" restart="never" nodeType="tmRoot"/>
-      </p:par>
-    </p:tnLst>
-  </p:timing>
 </p:sld>
 </file>
 
@@ -8341,11 +8189,11 @@
           <a:lstStyle/>
           <a:p>
             <a:r>
-              <a:rPr lang="de-CH" sz="2800" b="1" u="sng" dirty="0" err="1" smtClean="0"/>
+              <a:rPr lang="de-CH" sz="2800" b="1" u="sng" dirty="0" err="1"/>
               <a:t>Named</a:t>
             </a:r>
             <a:r>
-              <a:rPr lang="de-CH" sz="2800" b="1" u="sng" dirty="0" smtClean="0"/>
+              <a:rPr lang="de-CH" sz="2800" b="1" u="sng" dirty="0"/>
               <a:t>-Parameter</a:t>
             </a:r>
           </a:p>
@@ -8390,13 +8238,809 @@
   <p:clrMapOvr>
     <a:masterClrMapping/>
   </p:clrMapOvr>
-  <p:timing>
-    <p:tnLst>
-      <p:par>
-        <p:cTn id="1" dur="indefinite" restart="never" nodeType="tmRoot"/>
-      </p:par>
-    </p:tnLst>
-  </p:timing>
+</p:sld>
+</file>
+
+<file path=ppt/slides/slide8.xml><?xml version="1.0" encoding="utf-8"?>
+<p:sld xmlns:a="http://schemas.openxmlformats.org/drawingml/2006/main" xmlns:r="http://schemas.openxmlformats.org/officeDocument/2006/relationships" xmlns:p="http://schemas.openxmlformats.org/presentationml/2006/main">
+  <p:cSld>
+    <p:spTree>
+      <p:nvGrpSpPr>
+        <p:cNvPr id="1" name=""/>
+        <p:cNvGrpSpPr/>
+        <p:nvPr/>
+      </p:nvGrpSpPr>
+      <p:grpSpPr>
+        <a:xfrm>
+          <a:off x="0" y="0"/>
+          <a:ext cx="0" cy="0"/>
+          <a:chOff x="0" y="0"/>
+          <a:chExt cx="0" cy="0"/>
+        </a:xfrm>
+      </p:grpSpPr>
+      <p:sp>
+        <p:nvSpPr>
+          <p:cNvPr id="8" name="Textfeld 7"/>
+          <p:cNvSpPr txBox="1"/>
+          <p:nvPr/>
+        </p:nvSpPr>
+        <p:spPr>
+          <a:xfrm>
+            <a:off x="1876097" y="567559"/>
+            <a:ext cx="5175006" cy="523220"/>
+          </a:xfrm>
+          <a:prstGeom prst="rect">
+            <a:avLst/>
+          </a:prstGeom>
+          <a:noFill/>
+        </p:spPr>
+        <p:txBody>
+          <a:bodyPr wrap="none" rtlCol="0">
+            <a:spAutoFit/>
+          </a:bodyPr>
+          <a:lstStyle/>
+          <a:p>
+            <a:r>
+              <a:rPr lang="de-CH" sz="2800" dirty="0"/>
+              <a:t>F-Strings (</a:t>
+            </a:r>
+            <a:r>
+              <a:rPr lang="de-CH" sz="2800" dirty="0" err="1"/>
+              <a:t>formatted</a:t>
+            </a:r>
+            <a:r>
+              <a:rPr lang="de-CH" sz="2800" dirty="0"/>
+              <a:t> </a:t>
+            </a:r>
+            <a:r>
+              <a:rPr lang="de-CH" sz="2800" dirty="0" err="1"/>
+              <a:t>string</a:t>
+            </a:r>
+            <a:r>
+              <a:rPr lang="de-CH" sz="2800" dirty="0"/>
+              <a:t> </a:t>
+            </a:r>
+            <a:r>
+              <a:rPr lang="de-CH" sz="2800" dirty="0" err="1"/>
+              <a:t>literals</a:t>
+            </a:r>
+            <a:r>
+              <a:rPr lang="de-CH" sz="2800" dirty="0"/>
+              <a:t>)</a:t>
+            </a:r>
+            <a:endParaRPr lang="de-CH" sz="2800" b="1" u="sng" dirty="0"/>
+          </a:p>
+        </p:txBody>
+      </p:sp>
+      <p:sp>
+        <p:nvSpPr>
+          <p:cNvPr id="14" name="Rectangle 2">
+            <a:extLst>
+              <a:ext uri="{FF2B5EF4-FFF2-40B4-BE49-F238E27FC236}">
+                <a16:creationId xmlns:a16="http://schemas.microsoft.com/office/drawing/2014/main" id="{B210778A-984E-0B90-9003-F6F4704D2655}"/>
+              </a:ext>
+            </a:extLst>
+          </p:cNvPr>
+          <p:cNvSpPr>
+            <a:spLocks noChangeArrowheads="1"/>
+          </p:cNvSpPr>
+          <p:nvPr/>
+        </p:nvSpPr>
+        <p:spPr bwMode="auto">
+          <a:xfrm>
+            <a:off x="894080" y="1302496"/>
+            <a:ext cx="9499600" cy="3785652"/>
+          </a:xfrm>
+          <a:prstGeom prst="rect">
+            <a:avLst/>
+          </a:prstGeom>
+          <a:solidFill>
+            <a:srgbClr val="2B2B2B"/>
+          </a:solidFill>
+          <a:ln>
+            <a:noFill/>
+          </a:ln>
+          <a:effectLst/>
+          <a:extLst>
+            <a:ext uri="{91240B29-F687-4F45-9708-019B960494DF}">
+              <a14:hiddenLine xmlns:a14="http://schemas.microsoft.com/office/drawing/2010/main" w="9525">
+                <a:solidFill>
+                  <a:schemeClr val="tx1"/>
+                </a:solidFill>
+                <a:miter lim="800000"/>
+                <a:headEnd/>
+                <a:tailEnd/>
+              </a14:hiddenLine>
+            </a:ext>
+            <a:ext uri="{AF507438-7753-43E0-B8FC-AC1667EBCBE1}">
+              <a14:hiddenEffects xmlns:a14="http://schemas.microsoft.com/office/drawing/2010/main">
+                <a:effectLst>
+                  <a:outerShdw dist="35921" dir="2700000" algn="ctr" rotWithShape="0">
+                    <a:schemeClr val="bg2"/>
+                  </a:outerShdw>
+                </a:effectLst>
+              </a14:hiddenEffects>
+            </a:ext>
+          </a:extLst>
+        </p:spPr>
+        <p:txBody>
+          <a:bodyPr vert="horz" wrap="square" lIns="91440" tIns="45720" rIns="91440" bIns="45720" numCol="1" anchor="ctr" anchorCtr="0" compatLnSpc="1">
+            <a:prstTxWarp prst="textNoShape">
+              <a:avLst/>
+            </a:prstTxWarp>
+            <a:spAutoFit/>
+          </a:bodyPr>
+          <a:lstStyle/>
+          <a:p>
+            <a:pPr marL="0" marR="0" lvl="0" indent="0" algn="l" defTabSz="914400" rtl="0" eaLnBrk="0" fontAlgn="base" latinLnBrk="0" hangingPunct="0">
+              <a:lnSpc>
+                <a:spcPct val="100000"/>
+              </a:lnSpc>
+              <a:spcBef>
+                <a:spcPct val="0"/>
+              </a:spcBef>
+              <a:spcAft>
+                <a:spcPct val="0"/>
+              </a:spcAft>
+              <a:buClrTx/>
+              <a:buSzTx/>
+              <a:buFontTx/>
+              <a:buNone/>
+              <a:tabLst/>
+            </a:pPr>
+            <a:r>
+              <a:rPr kumimoji="0" lang="de-DE" altLang="de-DE" sz="2400" b="0" i="0" u="none" strike="noStrike" cap="none" normalizeH="0" baseline="0" dirty="0">
+                <a:ln>
+                  <a:noFill/>
+                </a:ln>
+                <a:solidFill>
+                  <a:srgbClr val="808080"/>
+                </a:solidFill>
+                <a:effectLst/>
+                <a:latin typeface="JetBrains Mono"/>
+              </a:rPr>
+              <a:t># 1.Beispiel</a:t>
+            </a:r>
+            <a:br>
+              <a:rPr kumimoji="0" lang="de-DE" altLang="de-DE" sz="2400" b="0" i="0" u="none" strike="noStrike" cap="none" normalizeH="0" baseline="0" dirty="0">
+                <a:ln>
+                  <a:noFill/>
+                </a:ln>
+                <a:solidFill>
+                  <a:srgbClr val="808080"/>
+                </a:solidFill>
+                <a:effectLst/>
+                <a:latin typeface="JetBrains Mono"/>
+              </a:rPr>
+            </a:br>
+            <a:r>
+              <a:rPr kumimoji="0" lang="de-DE" altLang="de-DE" sz="2400" b="0" i="0" u="none" strike="noStrike" cap="none" normalizeH="0" baseline="0" dirty="0">
+                <a:ln>
+                  <a:noFill/>
+                </a:ln>
+                <a:solidFill>
+                  <a:srgbClr val="808080"/>
+                </a:solidFill>
+                <a:effectLst/>
+                <a:latin typeface="JetBrains Mono"/>
+              </a:rPr>
+              <a:t># ==========</a:t>
+            </a:r>
+            <a:br>
+              <a:rPr kumimoji="0" lang="de-DE" altLang="de-DE" sz="2400" b="0" i="0" u="none" strike="noStrike" cap="none" normalizeH="0" baseline="0" dirty="0">
+                <a:ln>
+                  <a:noFill/>
+                </a:ln>
+                <a:solidFill>
+                  <a:srgbClr val="808080"/>
+                </a:solidFill>
+                <a:effectLst/>
+                <a:latin typeface="JetBrains Mono"/>
+              </a:rPr>
+            </a:br>
+            <a:r>
+              <a:rPr kumimoji="0" lang="de-DE" altLang="de-DE" sz="2400" b="0" i="0" u="none" strike="noStrike" cap="none" normalizeH="0" baseline="0" dirty="0" err="1">
+                <a:ln>
+                  <a:noFill/>
+                </a:ln>
+                <a:solidFill>
+                  <a:srgbClr val="A9B7C6"/>
+                </a:solidFill>
+                <a:effectLst/>
+                <a:latin typeface="JetBrains Mono"/>
+              </a:rPr>
+              <a:t>name</a:t>
+            </a:r>
+            <a:r>
+              <a:rPr kumimoji="0" lang="de-DE" altLang="de-DE" sz="2400" b="0" i="0" u="none" strike="noStrike" cap="none" normalizeH="0" baseline="0" dirty="0">
+                <a:ln>
+                  <a:noFill/>
+                </a:ln>
+                <a:solidFill>
+                  <a:srgbClr val="A9B7C6"/>
+                </a:solidFill>
+                <a:effectLst/>
+                <a:latin typeface="JetBrains Mono"/>
+              </a:rPr>
+              <a:t> = </a:t>
+            </a:r>
+            <a:r>
+              <a:rPr kumimoji="0" lang="de-DE" altLang="de-DE" sz="2400" b="0" i="0" u="none" strike="noStrike" cap="none" normalizeH="0" baseline="0" dirty="0">
+                <a:ln>
+                  <a:noFill/>
+                </a:ln>
+                <a:solidFill>
+                  <a:srgbClr val="6A8759"/>
+                </a:solidFill>
+                <a:effectLst/>
+                <a:latin typeface="JetBrains Mono"/>
+              </a:rPr>
+              <a:t>"Max"</a:t>
+            </a:r>
+            <a:br>
+              <a:rPr kumimoji="0" lang="de-DE" altLang="de-DE" sz="2400" b="0" i="0" u="none" strike="noStrike" cap="none" normalizeH="0" baseline="0" dirty="0">
+                <a:ln>
+                  <a:noFill/>
+                </a:ln>
+                <a:solidFill>
+                  <a:srgbClr val="6A8759"/>
+                </a:solidFill>
+                <a:effectLst/>
+                <a:latin typeface="JetBrains Mono"/>
+              </a:rPr>
+            </a:br>
+            <a:r>
+              <a:rPr kumimoji="0" lang="de-DE" altLang="de-DE" sz="2400" b="0" i="0" u="none" strike="noStrike" cap="none" normalizeH="0" baseline="0" dirty="0" err="1">
+                <a:ln>
+                  <a:noFill/>
+                </a:ln>
+                <a:solidFill>
+                  <a:srgbClr val="A9B7C6"/>
+                </a:solidFill>
+                <a:effectLst/>
+                <a:latin typeface="JetBrains Mono"/>
+              </a:rPr>
+              <a:t>age</a:t>
+            </a:r>
+            <a:r>
+              <a:rPr kumimoji="0" lang="de-DE" altLang="de-DE" sz="2400" b="0" i="0" u="none" strike="noStrike" cap="none" normalizeH="0" baseline="0" dirty="0">
+                <a:ln>
+                  <a:noFill/>
+                </a:ln>
+                <a:solidFill>
+                  <a:srgbClr val="A9B7C6"/>
+                </a:solidFill>
+                <a:effectLst/>
+                <a:latin typeface="JetBrains Mono"/>
+              </a:rPr>
+              <a:t> = </a:t>
+            </a:r>
+            <a:r>
+              <a:rPr kumimoji="0" lang="de-DE" altLang="de-DE" sz="2400" b="0" i="0" u="none" strike="noStrike" cap="none" normalizeH="0" baseline="0" dirty="0">
+                <a:ln>
+                  <a:noFill/>
+                </a:ln>
+                <a:solidFill>
+                  <a:srgbClr val="6897BB"/>
+                </a:solidFill>
+                <a:effectLst/>
+                <a:latin typeface="JetBrains Mono"/>
+              </a:rPr>
+              <a:t>25</a:t>
+            </a:r>
+            <a:br>
+              <a:rPr kumimoji="0" lang="de-DE" altLang="de-DE" sz="2400" b="0" i="0" u="none" strike="noStrike" cap="none" normalizeH="0" baseline="0" dirty="0">
+                <a:ln>
+                  <a:noFill/>
+                </a:ln>
+                <a:solidFill>
+                  <a:srgbClr val="6897BB"/>
+                </a:solidFill>
+                <a:effectLst/>
+                <a:latin typeface="JetBrains Mono"/>
+              </a:rPr>
+            </a:br>
+            <a:br>
+              <a:rPr kumimoji="0" lang="de-DE" altLang="de-DE" sz="2400" b="0" i="0" u="none" strike="noStrike" cap="none" normalizeH="0" baseline="0" dirty="0">
+                <a:ln>
+                  <a:noFill/>
+                </a:ln>
+                <a:solidFill>
+                  <a:srgbClr val="6897BB"/>
+                </a:solidFill>
+                <a:effectLst/>
+                <a:latin typeface="JetBrains Mono"/>
+              </a:rPr>
+            </a:br>
+            <a:r>
+              <a:rPr kumimoji="0" lang="de-DE" altLang="de-DE" sz="2400" b="0" i="0" u="none" strike="noStrike" cap="none" normalizeH="0" baseline="0" dirty="0">
+                <a:ln>
+                  <a:noFill/>
+                </a:ln>
+                <a:solidFill>
+                  <a:srgbClr val="808080"/>
+                </a:solidFill>
+                <a:effectLst/>
+                <a:latin typeface="JetBrains Mono"/>
+              </a:rPr>
+              <a:t># Einfacher f-String</a:t>
+            </a:r>
+            <a:br>
+              <a:rPr kumimoji="0" lang="de-DE" altLang="de-DE" sz="2400" b="0" i="0" u="none" strike="noStrike" cap="none" normalizeH="0" baseline="0" dirty="0">
+                <a:ln>
+                  <a:noFill/>
+                </a:ln>
+                <a:solidFill>
+                  <a:srgbClr val="808080"/>
+                </a:solidFill>
+                <a:effectLst/>
+                <a:latin typeface="JetBrains Mono"/>
+              </a:rPr>
+            </a:br>
+            <a:r>
+              <a:rPr kumimoji="0" lang="de-DE" altLang="de-DE" sz="2400" b="0" i="0" u="none" strike="noStrike" cap="none" normalizeH="0" baseline="0" dirty="0" err="1">
+                <a:ln>
+                  <a:noFill/>
+                </a:ln>
+                <a:solidFill>
+                  <a:srgbClr val="A9B7C6"/>
+                </a:solidFill>
+                <a:effectLst/>
+                <a:latin typeface="JetBrains Mono"/>
+              </a:rPr>
+              <a:t>greeting</a:t>
+            </a:r>
+            <a:r>
+              <a:rPr kumimoji="0" lang="de-DE" altLang="de-DE" sz="2400" b="0" i="0" u="none" strike="noStrike" cap="none" normalizeH="0" baseline="0" dirty="0">
+                <a:ln>
+                  <a:noFill/>
+                </a:ln>
+                <a:solidFill>
+                  <a:srgbClr val="A9B7C6"/>
+                </a:solidFill>
+                <a:effectLst/>
+                <a:latin typeface="JetBrains Mono"/>
+              </a:rPr>
+              <a:t> = </a:t>
+            </a:r>
+            <a:r>
+              <a:rPr kumimoji="0" lang="de-DE" altLang="de-DE" sz="2400" b="0" i="0" u="none" strike="noStrike" cap="none" normalizeH="0" baseline="0" dirty="0" err="1">
+                <a:ln>
+                  <a:noFill/>
+                </a:ln>
+                <a:solidFill>
+                  <a:srgbClr val="6A8759"/>
+                </a:solidFill>
+                <a:effectLst/>
+                <a:latin typeface="JetBrains Mono"/>
+              </a:rPr>
+              <a:t>f"Hallo</a:t>
+            </a:r>
+            <a:r>
+              <a:rPr kumimoji="0" lang="de-DE" altLang="de-DE" sz="2400" b="0" i="0" u="none" strike="noStrike" cap="none" normalizeH="0" baseline="0" dirty="0">
+                <a:ln>
+                  <a:noFill/>
+                </a:ln>
+                <a:solidFill>
+                  <a:srgbClr val="6A8759"/>
+                </a:solidFill>
+                <a:effectLst/>
+                <a:latin typeface="JetBrains Mono"/>
+              </a:rPr>
+              <a:t>, mein Name ist </a:t>
+            </a:r>
+            <a:r>
+              <a:rPr kumimoji="0" lang="de-DE" altLang="de-DE" sz="2400" b="0" i="0" u="none" strike="noStrike" cap="none" normalizeH="0" baseline="0" dirty="0">
+                <a:ln>
+                  <a:noFill/>
+                </a:ln>
+                <a:solidFill>
+                  <a:srgbClr val="CC7832"/>
+                </a:solidFill>
+                <a:effectLst/>
+                <a:latin typeface="JetBrains Mono"/>
+              </a:rPr>
+              <a:t>{</a:t>
+            </a:r>
+            <a:r>
+              <a:rPr kumimoji="0" lang="de-DE" altLang="de-DE" sz="2400" b="0" i="0" u="none" strike="noStrike" cap="none" normalizeH="0" baseline="0" dirty="0" err="1">
+                <a:ln>
+                  <a:noFill/>
+                </a:ln>
+                <a:solidFill>
+                  <a:srgbClr val="A9B7C6"/>
+                </a:solidFill>
+                <a:effectLst/>
+                <a:latin typeface="JetBrains Mono"/>
+              </a:rPr>
+              <a:t>name</a:t>
+            </a:r>
+            <a:r>
+              <a:rPr kumimoji="0" lang="de-DE" altLang="de-DE" sz="2400" b="0" i="0" u="none" strike="noStrike" cap="none" normalizeH="0" baseline="0" dirty="0">
+                <a:ln>
+                  <a:noFill/>
+                </a:ln>
+                <a:solidFill>
+                  <a:srgbClr val="CC7832"/>
+                </a:solidFill>
+                <a:effectLst/>
+                <a:latin typeface="JetBrains Mono"/>
+              </a:rPr>
+              <a:t>}</a:t>
+            </a:r>
+            <a:r>
+              <a:rPr kumimoji="0" lang="de-DE" altLang="de-DE" sz="2400" b="0" i="0" u="none" strike="noStrike" cap="none" normalizeH="0" baseline="0" dirty="0">
+                <a:ln>
+                  <a:noFill/>
+                </a:ln>
+                <a:solidFill>
+                  <a:srgbClr val="6A8759"/>
+                </a:solidFill>
+                <a:effectLst/>
+                <a:latin typeface="JetBrains Mono"/>
+              </a:rPr>
+              <a:t> und ich bin </a:t>
+            </a:r>
+            <a:r>
+              <a:rPr kumimoji="0" lang="de-DE" altLang="de-DE" sz="2400" b="0" i="0" u="none" strike="noStrike" cap="none" normalizeH="0" baseline="0" dirty="0">
+                <a:ln>
+                  <a:noFill/>
+                </a:ln>
+                <a:solidFill>
+                  <a:srgbClr val="CC7832"/>
+                </a:solidFill>
+                <a:effectLst/>
+                <a:latin typeface="JetBrains Mono"/>
+              </a:rPr>
+              <a:t>{</a:t>
+            </a:r>
+            <a:r>
+              <a:rPr kumimoji="0" lang="de-DE" altLang="de-DE" sz="2400" b="0" i="0" u="none" strike="noStrike" cap="none" normalizeH="0" baseline="0" dirty="0" err="1">
+                <a:ln>
+                  <a:noFill/>
+                </a:ln>
+                <a:solidFill>
+                  <a:srgbClr val="A9B7C6"/>
+                </a:solidFill>
+                <a:effectLst/>
+                <a:latin typeface="JetBrains Mono"/>
+              </a:rPr>
+              <a:t>age</a:t>
+            </a:r>
+            <a:r>
+              <a:rPr kumimoji="0" lang="de-DE" altLang="de-DE" sz="2400" b="0" i="0" u="none" strike="noStrike" cap="none" normalizeH="0" baseline="0" dirty="0">
+                <a:ln>
+                  <a:noFill/>
+                </a:ln>
+                <a:solidFill>
+                  <a:srgbClr val="CC7832"/>
+                </a:solidFill>
+                <a:effectLst/>
+                <a:latin typeface="JetBrains Mono"/>
+              </a:rPr>
+              <a:t>}</a:t>
+            </a:r>
+            <a:r>
+              <a:rPr kumimoji="0" lang="de-DE" altLang="de-DE" sz="2400" b="0" i="0" u="none" strike="noStrike" cap="none" normalizeH="0" baseline="0" dirty="0">
+                <a:ln>
+                  <a:noFill/>
+                </a:ln>
+                <a:solidFill>
+                  <a:srgbClr val="6A8759"/>
+                </a:solidFill>
+                <a:effectLst/>
+                <a:latin typeface="JetBrains Mono"/>
+              </a:rPr>
+              <a:t> Jahre alt."</a:t>
+            </a:r>
+            <a:br>
+              <a:rPr kumimoji="0" lang="de-DE" altLang="de-DE" sz="2400" b="0" i="0" u="none" strike="noStrike" cap="none" normalizeH="0" baseline="0" dirty="0">
+                <a:ln>
+                  <a:noFill/>
+                </a:ln>
+                <a:solidFill>
+                  <a:srgbClr val="6A8759"/>
+                </a:solidFill>
+                <a:effectLst/>
+                <a:latin typeface="JetBrains Mono"/>
+              </a:rPr>
+            </a:br>
+            <a:br>
+              <a:rPr kumimoji="0" lang="de-DE" altLang="de-DE" sz="2400" b="0" i="0" u="none" strike="noStrike" cap="none" normalizeH="0" baseline="0" dirty="0">
+                <a:ln>
+                  <a:noFill/>
+                </a:ln>
+                <a:solidFill>
+                  <a:srgbClr val="6A8759"/>
+                </a:solidFill>
+                <a:effectLst/>
+                <a:latin typeface="JetBrains Mono"/>
+              </a:rPr>
+            </a:br>
+            <a:r>
+              <a:rPr kumimoji="0" lang="de-DE" altLang="de-DE" sz="2400" b="0" i="0" u="none" strike="noStrike" cap="none" normalizeH="0" baseline="0" dirty="0">
+                <a:ln>
+                  <a:noFill/>
+                </a:ln>
+                <a:solidFill>
+                  <a:srgbClr val="808080"/>
+                </a:solidFill>
+                <a:effectLst/>
+                <a:latin typeface="JetBrains Mono"/>
+              </a:rPr>
+              <a:t># Mit einem Ausdruck</a:t>
+            </a:r>
+            <a:br>
+              <a:rPr kumimoji="0" lang="de-DE" altLang="de-DE" sz="2400" b="0" i="0" u="none" strike="noStrike" cap="none" normalizeH="0" baseline="0" dirty="0">
+                <a:ln>
+                  <a:noFill/>
+                </a:ln>
+                <a:solidFill>
+                  <a:srgbClr val="808080"/>
+                </a:solidFill>
+                <a:effectLst/>
+                <a:latin typeface="JetBrains Mono"/>
+              </a:rPr>
+            </a:br>
+            <a:r>
+              <a:rPr kumimoji="0" lang="de-DE" altLang="de-DE" sz="2400" b="0" i="0" u="none" strike="noStrike" cap="none" normalizeH="0" baseline="0" dirty="0" err="1">
+                <a:ln>
+                  <a:noFill/>
+                </a:ln>
+                <a:solidFill>
+                  <a:srgbClr val="A9B7C6"/>
+                </a:solidFill>
+                <a:effectLst/>
+                <a:latin typeface="JetBrains Mono"/>
+              </a:rPr>
+              <a:t>next_year_age</a:t>
+            </a:r>
+            <a:r>
+              <a:rPr kumimoji="0" lang="de-DE" altLang="de-DE" sz="2400" b="0" i="0" u="none" strike="noStrike" cap="none" normalizeH="0" baseline="0" dirty="0">
+                <a:ln>
+                  <a:noFill/>
+                </a:ln>
+                <a:solidFill>
+                  <a:srgbClr val="A9B7C6"/>
+                </a:solidFill>
+                <a:effectLst/>
+                <a:latin typeface="JetBrains Mono"/>
+              </a:rPr>
+              <a:t> = </a:t>
+            </a:r>
+            <a:r>
+              <a:rPr kumimoji="0" lang="de-DE" altLang="de-DE" sz="2400" b="0" i="0" u="none" strike="noStrike" cap="none" normalizeH="0" baseline="0" dirty="0" err="1">
+                <a:ln>
+                  <a:noFill/>
+                </a:ln>
+                <a:solidFill>
+                  <a:srgbClr val="6A8759"/>
+                </a:solidFill>
+                <a:effectLst/>
+                <a:latin typeface="JetBrains Mono"/>
+              </a:rPr>
+              <a:t>f"Nächstes</a:t>
+            </a:r>
+            <a:r>
+              <a:rPr kumimoji="0" lang="de-DE" altLang="de-DE" sz="2400" b="0" i="0" u="none" strike="noStrike" cap="none" normalizeH="0" baseline="0" dirty="0">
+                <a:ln>
+                  <a:noFill/>
+                </a:ln>
+                <a:solidFill>
+                  <a:srgbClr val="6A8759"/>
+                </a:solidFill>
+                <a:effectLst/>
+                <a:latin typeface="JetBrains Mono"/>
+              </a:rPr>
+              <a:t> Jahr werde ich </a:t>
+            </a:r>
+            <a:r>
+              <a:rPr kumimoji="0" lang="de-DE" altLang="de-DE" sz="2400" b="0" i="0" u="none" strike="noStrike" cap="none" normalizeH="0" baseline="0" dirty="0">
+                <a:ln>
+                  <a:noFill/>
+                </a:ln>
+                <a:solidFill>
+                  <a:srgbClr val="CC7832"/>
+                </a:solidFill>
+                <a:effectLst/>
+                <a:latin typeface="JetBrains Mono"/>
+              </a:rPr>
+              <a:t>{</a:t>
+            </a:r>
+            <a:r>
+              <a:rPr kumimoji="0" lang="de-DE" altLang="de-DE" sz="2400" b="0" i="0" u="none" strike="noStrike" cap="none" normalizeH="0" baseline="0" dirty="0" err="1">
+                <a:ln>
+                  <a:noFill/>
+                </a:ln>
+                <a:solidFill>
+                  <a:srgbClr val="A9B7C6"/>
+                </a:solidFill>
+                <a:effectLst/>
+                <a:latin typeface="JetBrains Mono"/>
+              </a:rPr>
+              <a:t>age</a:t>
+            </a:r>
+            <a:r>
+              <a:rPr kumimoji="0" lang="de-DE" altLang="de-DE" sz="2400" b="0" i="0" u="none" strike="noStrike" cap="none" normalizeH="0" baseline="0" dirty="0">
+                <a:ln>
+                  <a:noFill/>
+                </a:ln>
+                <a:solidFill>
+                  <a:srgbClr val="A9B7C6"/>
+                </a:solidFill>
+                <a:effectLst/>
+                <a:latin typeface="JetBrains Mono"/>
+              </a:rPr>
+              <a:t> + </a:t>
+            </a:r>
+            <a:r>
+              <a:rPr kumimoji="0" lang="de-DE" altLang="de-DE" sz="2400" b="0" i="0" u="none" strike="noStrike" cap="none" normalizeH="0" baseline="0" dirty="0">
+                <a:ln>
+                  <a:noFill/>
+                </a:ln>
+                <a:solidFill>
+                  <a:srgbClr val="6897BB"/>
+                </a:solidFill>
+                <a:effectLst/>
+                <a:latin typeface="JetBrains Mono"/>
+              </a:rPr>
+              <a:t>1</a:t>
+            </a:r>
+            <a:r>
+              <a:rPr kumimoji="0" lang="de-DE" altLang="de-DE" sz="2400" b="0" i="0" u="none" strike="noStrike" cap="none" normalizeH="0" baseline="0" dirty="0">
+                <a:ln>
+                  <a:noFill/>
+                </a:ln>
+                <a:solidFill>
+                  <a:srgbClr val="CC7832"/>
+                </a:solidFill>
+                <a:effectLst/>
+                <a:latin typeface="JetBrains Mono"/>
+              </a:rPr>
+              <a:t>}</a:t>
+            </a:r>
+            <a:r>
+              <a:rPr kumimoji="0" lang="de-DE" altLang="de-DE" sz="2400" b="0" i="0" u="none" strike="noStrike" cap="none" normalizeH="0" baseline="0" dirty="0">
+                <a:ln>
+                  <a:noFill/>
+                </a:ln>
+                <a:solidFill>
+                  <a:srgbClr val="6A8759"/>
+                </a:solidFill>
+                <a:effectLst/>
+                <a:latin typeface="JetBrains Mono"/>
+              </a:rPr>
+              <a:t> Jahre alt sein."</a:t>
+            </a:r>
+            <a:endParaRPr kumimoji="0" lang="de-DE" altLang="de-DE" sz="3600" b="0" i="0" u="none" strike="noStrike" cap="none" normalizeH="0" baseline="0" dirty="0">
+              <a:ln>
+                <a:noFill/>
+              </a:ln>
+              <a:solidFill>
+                <a:schemeClr val="tx1"/>
+              </a:solidFill>
+              <a:effectLst/>
+              <a:latin typeface="Arial" panose="020B0604020202020204" pitchFamily="34" charset="0"/>
+            </a:endParaRPr>
+          </a:p>
+        </p:txBody>
+      </p:sp>
+      <p:sp>
+        <p:nvSpPr>
+          <p:cNvPr id="15" name="Rectangle 1">
+            <a:extLst>
+              <a:ext uri="{FF2B5EF4-FFF2-40B4-BE49-F238E27FC236}">
+                <a16:creationId xmlns:a16="http://schemas.microsoft.com/office/drawing/2014/main" id="{006460E3-5A8E-2CCA-40C5-5B49ADB4BC96}"/>
+              </a:ext>
+            </a:extLst>
+          </p:cNvPr>
+          <p:cNvSpPr>
+            <a:spLocks noChangeArrowheads="1"/>
+          </p:cNvSpPr>
+          <p:nvPr/>
+        </p:nvSpPr>
+        <p:spPr bwMode="auto">
+          <a:xfrm>
+            <a:off x="465713" y="6069306"/>
+            <a:ext cx="6340197" cy="400110"/>
+          </a:xfrm>
+          <a:prstGeom prst="rect">
+            <a:avLst/>
+          </a:prstGeom>
+          <a:noFill/>
+          <a:ln>
+            <a:noFill/>
+          </a:ln>
+          <a:effectLst/>
+          <a:extLst>
+            <a:ext uri="{909E8E84-426E-40DD-AFC4-6F175D3DCCD1}">
+              <a14:hiddenFill xmlns:a14="http://schemas.microsoft.com/office/drawing/2010/main">
+                <a:solidFill>
+                  <a:schemeClr val="accent1"/>
+                </a:solidFill>
+              </a14:hiddenFill>
+            </a:ext>
+            <a:ext uri="{91240B29-F687-4F45-9708-019B960494DF}">
+              <a14:hiddenLine xmlns:a14="http://schemas.microsoft.com/office/drawing/2010/main" w="9525">
+                <a:solidFill>
+                  <a:schemeClr val="tx1"/>
+                </a:solidFill>
+                <a:miter lim="800000"/>
+                <a:headEnd/>
+                <a:tailEnd/>
+              </a14:hiddenLine>
+            </a:ext>
+            <a:ext uri="{AF507438-7753-43E0-B8FC-AC1667EBCBE1}">
+              <a14:hiddenEffects xmlns:a14="http://schemas.microsoft.com/office/drawing/2010/main">
+                <a:effectLst>
+                  <a:outerShdw dist="35921" dir="2700000" algn="ctr" rotWithShape="0">
+                    <a:schemeClr val="bg2"/>
+                  </a:outerShdw>
+                </a:effectLst>
+              </a14:hiddenEffects>
+            </a:ext>
+          </a:extLst>
+        </p:spPr>
+        <p:txBody>
+          <a:bodyPr vert="horz" wrap="none" lIns="91440" tIns="45720" rIns="91440" bIns="45720" numCol="1" anchor="ctr" anchorCtr="0" compatLnSpc="1">
+            <a:prstTxWarp prst="textNoShape">
+              <a:avLst/>
+            </a:prstTxWarp>
+            <a:spAutoFit/>
+          </a:bodyPr>
+          <a:lstStyle/>
+          <a:p>
+            <a:pPr marL="0" marR="0" lvl="0" indent="0" algn="l" defTabSz="914400" rtl="0" eaLnBrk="0" fontAlgn="base" latinLnBrk="0" hangingPunct="0">
+              <a:lnSpc>
+                <a:spcPct val="100000"/>
+              </a:lnSpc>
+              <a:spcBef>
+                <a:spcPct val="0"/>
+              </a:spcBef>
+              <a:spcAft>
+                <a:spcPct val="0"/>
+              </a:spcAft>
+              <a:buClrTx/>
+              <a:buSzTx/>
+              <a:buFontTx/>
+              <a:buNone/>
+              <a:tabLst/>
+            </a:pPr>
+            <a:r>
+              <a:rPr lang="de-DE" altLang="de-DE" sz="2000" dirty="0">
+                <a:latin typeface="Courier New" panose="02070309020205020404" pitchFamily="49" charset="0"/>
+                <a:cs typeface="Courier New" panose="02070309020205020404" pitchFamily="49" charset="0"/>
+              </a:rPr>
+              <a:t>Beispiel: </a:t>
+            </a:r>
+            <a:r>
+              <a:rPr lang="de-DE" altLang="de-DE" sz="2000" dirty="0">
+                <a:latin typeface="Courier New" panose="02070309020205020404" pitchFamily="49" charset="0"/>
+                <a:cs typeface="Courier New" panose="02070309020205020404" pitchFamily="49" charset="0"/>
+                <a:hlinkClick r:id="rId2"/>
+              </a:rPr>
+              <a:t>pythonBasics_01_f_strings.py</a:t>
+            </a:r>
+            <a:r>
+              <a:rPr lang="de-DE" altLang="de-DE" sz="2000" dirty="0">
+                <a:latin typeface="Courier New" panose="02070309020205020404" pitchFamily="49" charset="0"/>
+                <a:cs typeface="Courier New" panose="02070309020205020404" pitchFamily="49" charset="0"/>
+              </a:rPr>
+              <a:t>  </a:t>
+            </a:r>
+          </a:p>
+        </p:txBody>
+      </p:sp>
+    </p:spTree>
+    <p:extLst>
+      <p:ext uri="{BB962C8B-B14F-4D97-AF65-F5344CB8AC3E}">
+        <p14:creationId xmlns:p14="http://schemas.microsoft.com/office/powerpoint/2010/main" val="661820120"/>
+      </p:ext>
+    </p:extLst>
+  </p:cSld>
+  <p:clrMapOvr>
+    <a:masterClrMapping/>
+  </p:clrMapOvr>
 </p:sld>
 </file>
 
